--- a/Presentation/Project 1 Presentation.pptx
+++ b/Presentation/Project 1 Presentation.pptx
@@ -5,22 +5,23 @@
     <p:sldMasterId id="2147483719" r:id="rId1"/>
   </p:sldMasterIdLst>
   <p:notesMasterIdLst>
-    <p:notesMasterId r:id="rId15"/>
+    <p:notesMasterId r:id="rId16"/>
   </p:notesMasterIdLst>
   <p:sldIdLst>
     <p:sldId id="256" r:id="rId2"/>
     <p:sldId id="270" r:id="rId3"/>
-    <p:sldId id="257" r:id="rId4"/>
-    <p:sldId id="277" r:id="rId5"/>
-    <p:sldId id="275" r:id="rId6"/>
-    <p:sldId id="269" r:id="rId7"/>
-    <p:sldId id="278" r:id="rId8"/>
-    <p:sldId id="279" r:id="rId9"/>
-    <p:sldId id="280" r:id="rId10"/>
-    <p:sldId id="281" r:id="rId11"/>
-    <p:sldId id="282" r:id="rId12"/>
-    <p:sldId id="283" r:id="rId13"/>
-    <p:sldId id="274" r:id="rId14"/>
+    <p:sldId id="284" r:id="rId4"/>
+    <p:sldId id="257" r:id="rId5"/>
+    <p:sldId id="277" r:id="rId6"/>
+    <p:sldId id="275" r:id="rId7"/>
+    <p:sldId id="269" r:id="rId8"/>
+    <p:sldId id="278" r:id="rId9"/>
+    <p:sldId id="279" r:id="rId10"/>
+    <p:sldId id="280" r:id="rId11"/>
+    <p:sldId id="281" r:id="rId12"/>
+    <p:sldId id="282" r:id="rId13"/>
+    <p:sldId id="283" r:id="rId14"/>
+    <p:sldId id="274" r:id="rId15"/>
   </p:sldIdLst>
   <p:sldSz cx="12192000" cy="6858000"/>
   <p:notesSz cx="6858000" cy="9144000"/>
@@ -474,6 +475,90 @@
     </a:lvl9pPr>
   </p:notesStyle>
 </p:notesMaster>
+</file>
+
+<file path=ppt/notesSlides/notesSlide1.xml><?xml version="1.0" encoding="utf-8"?>
+<p:notes xmlns:a="http://schemas.openxmlformats.org/drawingml/2006/main" xmlns:r="http://schemas.openxmlformats.org/officeDocument/2006/relationships" xmlns:p="http://schemas.openxmlformats.org/presentationml/2006/main">
+  <p:cSld>
+    <p:spTree>
+      <p:nvGrpSpPr>
+        <p:cNvPr id="1" name=""/>
+        <p:cNvGrpSpPr/>
+        <p:nvPr/>
+      </p:nvGrpSpPr>
+      <p:grpSpPr>
+        <a:xfrm>
+          <a:off x="0" y="0"/>
+          <a:ext cx="0" cy="0"/>
+          <a:chOff x="0" y="0"/>
+          <a:chExt cx="0" cy="0"/>
+        </a:xfrm>
+      </p:grpSpPr>
+      <p:sp>
+        <p:nvSpPr>
+          <p:cNvPr id="2" name="Slide Image Placeholder 1"/>
+          <p:cNvSpPr>
+            <a:spLocks noGrp="1" noRot="1" noChangeAspect="1"/>
+          </p:cNvSpPr>
+          <p:nvPr>
+            <p:ph type="sldImg"/>
+          </p:nvPr>
+        </p:nvSpPr>
+        <p:spPr/>
+      </p:sp>
+      <p:sp>
+        <p:nvSpPr>
+          <p:cNvPr id="3" name="Notes Placeholder 2"/>
+          <p:cNvSpPr>
+            <a:spLocks noGrp="1"/>
+          </p:cNvSpPr>
+          <p:nvPr>
+            <p:ph type="body" idx="1"/>
+          </p:nvPr>
+        </p:nvSpPr>
+        <p:spPr/>
+        <p:txBody>
+          <a:bodyPr/>
+          <a:lstStyle/>
+          <a:p>
+            <a:endParaRPr lang="en-US" dirty="0"/>
+          </a:p>
+        </p:txBody>
+      </p:sp>
+      <p:sp>
+        <p:nvSpPr>
+          <p:cNvPr id="4" name="Slide Number Placeholder 3"/>
+          <p:cNvSpPr>
+            <a:spLocks noGrp="1"/>
+          </p:cNvSpPr>
+          <p:nvPr>
+            <p:ph type="sldNum" sz="quarter" idx="5"/>
+          </p:nvPr>
+        </p:nvSpPr>
+        <p:spPr/>
+        <p:txBody>
+          <a:bodyPr/>
+          <a:lstStyle/>
+          <a:p>
+            <a:fld id="{91B5946F-1EBA-3E43-AD0A-6E228CF90309}" type="slidenum">
+              <a:rPr lang="en-US" smtClean="0"/>
+              <a:t>6</a:t>
+            </a:fld>
+            <a:endParaRPr lang="en-US"/>
+          </a:p>
+        </p:txBody>
+      </p:sp>
+    </p:spTree>
+    <p:extLst>
+      <p:ext uri="{BB962C8B-B14F-4D97-AF65-F5344CB8AC3E}">
+        <p14:creationId xmlns:p14="http://schemas.microsoft.com/office/powerpoint/2010/main" val="1165800202"/>
+      </p:ext>
+    </p:extLst>
+  </p:cSld>
+  <p:clrMapOvr>
+    <a:masterClrMapping/>
+  </p:clrMapOvr>
+</p:notes>
 </file>
 
 <file path=ppt/slideLayouts/slideLayout1.xml><?xml version="1.0" encoding="utf-8"?>
@@ -4959,7 +5044,7 @@
                   <a:schemeClr val="tx1"/>
                 </a:solidFill>
               </a:rPr>
-              <a:t>By: Alexis Perumal </a:t>
+              <a:t> Alexis Perumal </a:t>
             </a:r>
           </a:p>
           <a:p>
@@ -5096,7 +5181,7 @@
           <p:cNvPr id="2" name="Title 1">
             <a:extLst>
               <a:ext uri="{FF2B5EF4-FFF2-40B4-BE49-F238E27FC236}">
-                <a16:creationId xmlns:a16="http://schemas.microsoft.com/office/drawing/2014/main" id="{DC3BB3F9-151F-5843-BB60-9FC1E6832C28}"/>
+                <a16:creationId xmlns:a16="http://schemas.microsoft.com/office/drawing/2014/main" id="{1C2CE2A7-5866-D546-A548-7FF7C474739F}"/>
               </a:ext>
             </a:extLst>
           </p:cNvPr>
@@ -5114,7 +5199,7 @@
           <a:p>
             <a:r>
               <a:rPr lang="en-US" b="0" dirty="0"/>
-              <a:t>Front-end side preparation</a:t>
+              <a:t>Building the server and Routes </a:t>
             </a:r>
             <a:br>
               <a:rPr lang="en-US" b="0" dirty="0"/>
@@ -5128,7 +5213,7 @@
           <p:cNvPr id="3" name="Content Placeholder 2">
             <a:extLst>
               <a:ext uri="{FF2B5EF4-FFF2-40B4-BE49-F238E27FC236}">
-                <a16:creationId xmlns:a16="http://schemas.microsoft.com/office/drawing/2014/main" id="{7F0866D1-E509-B849-B6D2-6440A7F0A257}"/>
+                <a16:creationId xmlns:a16="http://schemas.microsoft.com/office/drawing/2014/main" id="{C62288B3-17FA-BC44-9433-51EE71818869}"/>
               </a:ext>
             </a:extLst>
           </p:cNvPr>
@@ -5144,14 +5229,14 @@
           <a:bodyPr/>
           <a:lstStyle/>
           <a:p>
-            <a:endParaRPr lang="en-US"/>
+            <a:endParaRPr lang="en-US" dirty="0"/>
           </a:p>
         </p:txBody>
       </p:sp>
     </p:spTree>
     <p:extLst>
       <p:ext uri="{BB962C8B-B14F-4D97-AF65-F5344CB8AC3E}">
-        <p14:creationId xmlns:p14="http://schemas.microsoft.com/office/powerpoint/2010/main" val="3581238473"/>
+        <p14:creationId xmlns:p14="http://schemas.microsoft.com/office/powerpoint/2010/main" val="2694775439"/>
       </p:ext>
     </p:extLst>
   </p:cSld>
@@ -5183,7 +5268,7 @@
           <p:cNvPr id="2" name="Title 1">
             <a:extLst>
               <a:ext uri="{FF2B5EF4-FFF2-40B4-BE49-F238E27FC236}">
-                <a16:creationId xmlns:a16="http://schemas.microsoft.com/office/drawing/2014/main" id="{3D10CB8C-0212-D543-A334-84DB8E64FD43}"/>
+                <a16:creationId xmlns:a16="http://schemas.microsoft.com/office/drawing/2014/main" id="{DC3BB3F9-151F-5843-BB60-9FC1E6832C28}"/>
               </a:ext>
             </a:extLst>
           </p:cNvPr>
@@ -5201,7 +5286,7 @@
           <a:p>
             <a:r>
               <a:rPr lang="en-US" b="0" dirty="0"/>
-              <a:t>Building the charts</a:t>
+              <a:t>Front-end side preparation</a:t>
             </a:r>
             <a:br>
               <a:rPr lang="en-US" b="0" dirty="0"/>
@@ -5215,7 +5300,7 @@
           <p:cNvPr id="3" name="Content Placeholder 2">
             <a:extLst>
               <a:ext uri="{FF2B5EF4-FFF2-40B4-BE49-F238E27FC236}">
-                <a16:creationId xmlns:a16="http://schemas.microsoft.com/office/drawing/2014/main" id="{3367B274-F7AD-B541-97A3-AA7349B28195}"/>
+                <a16:creationId xmlns:a16="http://schemas.microsoft.com/office/drawing/2014/main" id="{7F0866D1-E509-B849-B6D2-6440A7F0A257}"/>
               </a:ext>
             </a:extLst>
           </p:cNvPr>
@@ -5231,14 +5316,14 @@
           <a:bodyPr/>
           <a:lstStyle/>
           <a:p>
-            <a:endParaRPr lang="en-US" dirty="0"/>
+            <a:endParaRPr lang="en-US"/>
           </a:p>
         </p:txBody>
       </p:sp>
     </p:spTree>
     <p:extLst>
       <p:ext uri="{BB962C8B-B14F-4D97-AF65-F5344CB8AC3E}">
-        <p14:creationId xmlns:p14="http://schemas.microsoft.com/office/powerpoint/2010/main" val="1752716062"/>
+        <p14:creationId xmlns:p14="http://schemas.microsoft.com/office/powerpoint/2010/main" val="3581238473"/>
       </p:ext>
     </p:extLst>
   </p:cSld>
@@ -5270,6 +5355,93 @@
           <p:cNvPr id="2" name="Title 1">
             <a:extLst>
               <a:ext uri="{FF2B5EF4-FFF2-40B4-BE49-F238E27FC236}">
+                <a16:creationId xmlns:a16="http://schemas.microsoft.com/office/drawing/2014/main" id="{3D10CB8C-0212-D543-A334-84DB8E64FD43}"/>
+              </a:ext>
+            </a:extLst>
+          </p:cNvPr>
+          <p:cNvSpPr>
+            <a:spLocks noGrp="1"/>
+          </p:cNvSpPr>
+          <p:nvPr>
+            <p:ph type="title"/>
+          </p:nvPr>
+        </p:nvSpPr>
+        <p:spPr/>
+        <p:txBody>
+          <a:bodyPr/>
+          <a:lstStyle/>
+          <a:p>
+            <a:r>
+              <a:rPr lang="en-US" b="0" dirty="0"/>
+              <a:t>Building the charts</a:t>
+            </a:r>
+            <a:br>
+              <a:rPr lang="en-US" b="0" dirty="0"/>
+            </a:br>
+            <a:endParaRPr lang="en-US" dirty="0"/>
+          </a:p>
+        </p:txBody>
+      </p:sp>
+      <p:sp>
+        <p:nvSpPr>
+          <p:cNvPr id="3" name="Content Placeholder 2">
+            <a:extLst>
+              <a:ext uri="{FF2B5EF4-FFF2-40B4-BE49-F238E27FC236}">
+                <a16:creationId xmlns:a16="http://schemas.microsoft.com/office/drawing/2014/main" id="{3367B274-F7AD-B541-97A3-AA7349B28195}"/>
+              </a:ext>
+            </a:extLst>
+          </p:cNvPr>
+          <p:cNvSpPr>
+            <a:spLocks noGrp="1"/>
+          </p:cNvSpPr>
+          <p:nvPr>
+            <p:ph idx="1"/>
+          </p:nvPr>
+        </p:nvSpPr>
+        <p:spPr/>
+        <p:txBody>
+          <a:bodyPr/>
+          <a:lstStyle/>
+          <a:p>
+            <a:endParaRPr lang="en-US" dirty="0"/>
+          </a:p>
+        </p:txBody>
+      </p:sp>
+    </p:spTree>
+    <p:extLst>
+      <p:ext uri="{BB962C8B-B14F-4D97-AF65-F5344CB8AC3E}">
+        <p14:creationId xmlns:p14="http://schemas.microsoft.com/office/powerpoint/2010/main" val="1752716062"/>
+      </p:ext>
+    </p:extLst>
+  </p:cSld>
+  <p:clrMapOvr>
+    <a:masterClrMapping/>
+  </p:clrMapOvr>
+</p:sld>
+</file>
+
+<file path=ppt/slides/slide13.xml><?xml version="1.0" encoding="utf-8"?>
+<p:sld xmlns:a="http://schemas.openxmlformats.org/drawingml/2006/main" xmlns:r="http://schemas.openxmlformats.org/officeDocument/2006/relationships" xmlns:p="http://schemas.openxmlformats.org/presentationml/2006/main">
+  <p:cSld>
+    <p:spTree>
+      <p:nvGrpSpPr>
+        <p:cNvPr id="1" name=""/>
+        <p:cNvGrpSpPr/>
+        <p:nvPr/>
+      </p:nvGrpSpPr>
+      <p:grpSpPr>
+        <a:xfrm>
+          <a:off x="0" y="0"/>
+          <a:ext cx="0" cy="0"/>
+          <a:chOff x="0" y="0"/>
+          <a:chExt cx="0" cy="0"/>
+        </a:xfrm>
+      </p:grpSpPr>
+      <p:sp>
+        <p:nvSpPr>
+          <p:cNvPr id="2" name="Title 1">
+            <a:extLst>
+              <a:ext uri="{FF2B5EF4-FFF2-40B4-BE49-F238E27FC236}">
                 <a16:creationId xmlns:a16="http://schemas.microsoft.com/office/drawing/2014/main" id="{39B23943-76F7-C14E-96F6-89EAED829F2E}"/>
               </a:ext>
             </a:extLst>
@@ -5335,7 +5507,7 @@
 </p:sld>
 </file>
 
-<file path=ppt/slides/slide13.xml><?xml version="1.0" encoding="utf-8"?>
+<file path=ppt/slides/slide14.xml><?xml version="1.0" encoding="utf-8"?>
 <p:sld xmlns:a="http://schemas.openxmlformats.org/drawingml/2006/main" xmlns:r="http://schemas.openxmlformats.org/officeDocument/2006/relationships" xmlns:p="http://schemas.openxmlformats.org/presentationml/2006/main">
   <p:cSld>
     <p:bg>
@@ -5595,7 +5767,7 @@
         </p:spPr>
         <p:txBody>
           <a:bodyPr>
-            <a:normAutofit/>
+            <a:normAutofit lnSpcReduction="10000"/>
           </a:bodyPr>
           <a:lstStyle/>
           <a:p>
@@ -5623,7 +5795,7 @@
             </a:r>
             <a:r>
               <a:rPr lang="en-US" sz="2000" dirty="0"/>
-              <a:t>1. </a:t>
+              <a:t>1. Goal, </a:t>
             </a:r>
             <a:r>
               <a:rPr lang="en-US" sz="1800" dirty="0"/>
@@ -5645,15 +5817,7 @@
             </a:pPr>
             <a:r>
               <a:rPr lang="en-US" sz="1800" dirty="0"/>
-              <a:t>                                              3. </a:t>
-            </a:r>
-            <a:r>
-              <a:rPr lang="en-US" sz="1800" dirty="0" err="1"/>
-              <a:t>Styleguide</a:t>
-            </a:r>
-            <a:r>
-              <a:rPr lang="en-US" sz="1800" dirty="0"/>
-              <a:t>, wireframe</a:t>
+              <a:t>                                              3. Style guide, wireframe</a:t>
             </a:r>
           </a:p>
           <a:p>
@@ -5681,6 +5845,15 @@
             <a:r>
               <a:rPr lang="en-US" sz="1800" dirty="0"/>
               <a:t>                                              6. building charts</a:t>
+            </a:r>
+          </a:p>
+          <a:p>
+            <a:pPr marL="0" indent="0">
+              <a:buNone/>
+            </a:pPr>
+            <a:r>
+              <a:rPr lang="en-US" sz="1800" dirty="0"/>
+              <a:t>                                              7. conclusion</a:t>
             </a:r>
           </a:p>
           <a:p>
@@ -5774,7 +5947,7 @@
           <p:cNvPr id="2" name="Title 1">
             <a:extLst>
               <a:ext uri="{FF2B5EF4-FFF2-40B4-BE49-F238E27FC236}">
-                <a16:creationId xmlns:a16="http://schemas.microsoft.com/office/drawing/2014/main" id="{3830A2B1-9E35-EF45-B515-647911F3232A}"/>
+                <a16:creationId xmlns:a16="http://schemas.microsoft.com/office/drawing/2014/main" id="{B9885862-690B-204F-AE83-934AA3D4B076}"/>
               </a:ext>
             </a:extLst>
           </p:cNvPr>
@@ -5785,19 +5958,14 @@
             <p:ph type="title"/>
           </p:nvPr>
         </p:nvSpPr>
-        <p:spPr>
-          <a:xfrm>
-            <a:off x="1066800" y="642594"/>
-            <a:ext cx="10058400" cy="1039061"/>
-          </a:xfrm>
-        </p:spPr>
+        <p:spPr/>
         <p:txBody>
           <a:bodyPr/>
           <a:lstStyle/>
           <a:p>
             <a:r>
               <a:rPr lang="en-US" dirty="0"/>
-              <a:t>Description</a:t>
+              <a:t>Project Goal</a:t>
             </a:r>
           </a:p>
         </p:txBody>
@@ -5807,7 +5975,7 @@
           <p:cNvPr id="3" name="Content Placeholder 2">
             <a:extLst>
               <a:ext uri="{FF2B5EF4-FFF2-40B4-BE49-F238E27FC236}">
-                <a16:creationId xmlns:a16="http://schemas.microsoft.com/office/drawing/2014/main" id="{94EDB890-7A1F-F749-88F5-1830073E8538}"/>
+                <a16:creationId xmlns:a16="http://schemas.microsoft.com/office/drawing/2014/main" id="{0352D5E1-3CE2-D54E-AB2C-563292F52B3B}"/>
               </a:ext>
             </a:extLst>
           </p:cNvPr>
@@ -5820,172 +5988,35 @@
         </p:nvSpPr>
         <p:spPr/>
         <p:txBody>
-          <a:bodyPr>
-            <a:normAutofit/>
-          </a:bodyPr>
+          <a:bodyPr/>
           <a:lstStyle/>
           <a:p>
-            <a:r>
-              <a:rPr lang="en-US" sz="1900" dirty="0"/>
-              <a:t>Interactive Data Visualization with various </a:t>
-            </a:r>
-            <a:r>
-              <a:rPr lang="en-US" sz="1900" dirty="0" err="1"/>
-              <a:t>js</a:t>
-            </a:r>
-            <a:r>
-              <a:rPr lang="en-US" sz="1900" dirty="0"/>
-              <a:t> visualization libraries, Python, and MongoDB to display the covid-19 cases around the globe and in United States</a:t>
-            </a:r>
-          </a:p>
-          <a:p>
             <a:pPr marL="0" indent="0">
               <a:buNone/>
             </a:pPr>
-            <a:endParaRPr lang="en-US" sz="1900" dirty="0"/>
-          </a:p>
-          <a:p>
-            <a:r>
-              <a:rPr lang="en-US" b="1" dirty="0"/>
-              <a:t> The Dataset includes:</a:t>
-            </a:r>
+            <a:r>
+              <a:rPr lang="en-US" dirty="0"/>
+              <a:t>Data visualization plays an important role in data analysis workflows. It enables data analysts to effectively discover patterns in large datasets through graphical means, and to represent these findings in a meaningful and effective way. Data visualization is an interdisciplinary field, which requires design, web development, database and coding skills.</a:t>
+            </a:r>
+          </a:p>
+          <a:p>
+            <a:pPr marL="0" indent="0">
+              <a:buNone/>
+            </a:pPr>
+            <a:r>
+              <a:rPr lang="en-US" dirty="0"/>
+              <a:t>The goal of this Project Presentation is to introduce the building blocks for creating a meaningful interactive data visualization. </a:t>
+            </a:r>
+          </a:p>
+          <a:p>
             <a:endParaRPr lang="en-US" dirty="0"/>
-          </a:p>
-          <a:p>
-            <a:pPr marL="0" indent="0">
-              <a:buNone/>
-            </a:pPr>
-            <a:r>
-              <a:rPr lang="en-US" dirty="0"/>
-              <a:t>     * Time Series Data From John Hopkins</a:t>
-            </a:r>
-          </a:p>
-          <a:p>
-            <a:pPr marL="0" indent="0">
-              <a:buNone/>
-            </a:pPr>
-            <a:r>
-              <a:rPr lang="en-US" dirty="0"/>
-              <a:t>         * confirmed cases, death, recovered globally</a:t>
-            </a:r>
-          </a:p>
-          <a:p>
-            <a:pPr marL="0" indent="0">
-              <a:buNone/>
-            </a:pPr>
-            <a:r>
-              <a:rPr lang="en-US" dirty="0"/>
-              <a:t>         * confirmed and deaths in United States</a:t>
-            </a:r>
-          </a:p>
-          <a:p>
-            <a:pPr marL="0" indent="0">
-              <a:buNone/>
-            </a:pPr>
-            <a:r>
-              <a:rPr lang="en-US" dirty="0"/>
-              <a:t>     * states and County data for united states from New York Times</a:t>
-            </a:r>
-          </a:p>
-          <a:p>
-            <a:pPr marL="0" indent="0">
-              <a:buNone/>
-            </a:pPr>
-            <a:endParaRPr lang="en-US" dirty="0"/>
-          </a:p>
-          <a:p>
-            <a:pPr marL="0" indent="0">
-              <a:buNone/>
-            </a:pPr>
-            <a:r>
-              <a:rPr lang="en-US" dirty="0"/>
-              <a:t>Source: </a:t>
-            </a:r>
-            <a:r>
-              <a:rPr lang="en-US" dirty="0">
-                <a:hlinkClick r:id="rId2"/>
-              </a:rPr>
-              <a:t>https://</a:t>
-            </a:r>
-            <a:r>
-              <a:rPr lang="en-US" dirty="0" err="1">
-                <a:hlinkClick r:id="rId2"/>
-              </a:rPr>
-              <a:t>github.com</a:t>
-            </a:r>
-            <a:r>
-              <a:rPr lang="en-US" dirty="0">
-                <a:hlinkClick r:id="rId2"/>
-              </a:rPr>
-              <a:t>/</a:t>
-            </a:r>
-            <a:r>
-              <a:rPr lang="en-US" dirty="0" err="1">
-                <a:hlinkClick r:id="rId2"/>
-              </a:rPr>
-              <a:t>CSSEGISandData</a:t>
-            </a:r>
-            <a:r>
-              <a:rPr lang="en-US" dirty="0">
-                <a:hlinkClick r:id="rId2"/>
-              </a:rPr>
-              <a:t>/COVID-19</a:t>
-            </a:r>
-            <a:r>
-              <a:rPr lang="en-US" dirty="0"/>
-              <a:t>, </a:t>
-            </a:r>
-            <a:r>
-              <a:rPr lang="en-US" dirty="0">
-                <a:hlinkClick r:id="rId3"/>
-              </a:rPr>
-              <a:t>https://</a:t>
-            </a:r>
-            <a:r>
-              <a:rPr lang="en-US" dirty="0" err="1">
-                <a:hlinkClick r:id="rId3"/>
-              </a:rPr>
-              <a:t>github.com</a:t>
-            </a:r>
-            <a:r>
-              <a:rPr lang="en-US" dirty="0">
-                <a:hlinkClick r:id="rId3"/>
-              </a:rPr>
-              <a:t>/</a:t>
-            </a:r>
-            <a:r>
-              <a:rPr lang="en-US" dirty="0" err="1">
-                <a:hlinkClick r:id="rId3"/>
-              </a:rPr>
-              <a:t>nytimes</a:t>
-            </a:r>
-            <a:r>
-              <a:rPr lang="en-US" dirty="0">
-                <a:hlinkClick r:id="rId3"/>
-              </a:rPr>
-              <a:t>/covid-19-data</a:t>
-            </a:r>
-            <a:endParaRPr lang="en-US" dirty="0"/>
-          </a:p>
-          <a:p>
-            <a:pPr marL="274320" lvl="1" indent="0">
-              <a:lnSpc>
-                <a:spcPct val="110000"/>
-              </a:lnSpc>
-              <a:spcBef>
-                <a:spcPts val="900"/>
-              </a:spcBef>
-              <a:buFont typeface="Garamond" pitchFamily="18" charset="0"/>
-              <a:buNone/>
-            </a:pPr>
-            <a:endParaRPr lang="en-US" sz="1900" dirty="0"/>
           </a:p>
         </p:txBody>
       </p:sp>
     </p:spTree>
     <p:extLst>
       <p:ext uri="{BB962C8B-B14F-4D97-AF65-F5344CB8AC3E}">
-        <p14:creationId xmlns:p14="http://schemas.microsoft.com/office/powerpoint/2010/main" val="4159077925"/>
+        <p14:creationId xmlns:p14="http://schemas.microsoft.com/office/powerpoint/2010/main" val="3243646147"/>
       </p:ext>
     </p:extLst>
   </p:cSld>
@@ -6017,7 +6048,7 @@
           <p:cNvPr id="2" name="Title 1">
             <a:extLst>
               <a:ext uri="{FF2B5EF4-FFF2-40B4-BE49-F238E27FC236}">
-                <a16:creationId xmlns:a16="http://schemas.microsoft.com/office/drawing/2014/main" id="{C9C7C910-9618-1347-A681-C805038890DB}"/>
+                <a16:creationId xmlns:a16="http://schemas.microsoft.com/office/drawing/2014/main" id="{3830A2B1-9E35-EF45-B515-647911F3232A}"/>
               </a:ext>
             </a:extLst>
           </p:cNvPr>
@@ -6030,10 +6061,38 @@
         </p:nvSpPr>
         <p:spPr>
           <a:xfrm>
-            <a:off x="528034" y="642594"/>
-            <a:ext cx="11101589" cy="1134691"/>
+            <a:off x="1066800" y="642594"/>
+            <a:ext cx="10058400" cy="1039061"/>
           </a:xfrm>
         </p:spPr>
+        <p:txBody>
+          <a:bodyPr/>
+          <a:lstStyle/>
+          <a:p>
+            <a:r>
+              <a:rPr lang="en-US" dirty="0"/>
+              <a:t>Description</a:t>
+            </a:r>
+          </a:p>
+        </p:txBody>
+      </p:sp>
+      <p:sp>
+        <p:nvSpPr>
+          <p:cNvPr id="3" name="Content Placeholder 2">
+            <a:extLst>
+              <a:ext uri="{FF2B5EF4-FFF2-40B4-BE49-F238E27FC236}">
+                <a16:creationId xmlns:a16="http://schemas.microsoft.com/office/drawing/2014/main" id="{94EDB890-7A1F-F749-88F5-1830073E8538}"/>
+              </a:ext>
+            </a:extLst>
+          </p:cNvPr>
+          <p:cNvSpPr>
+            <a:spLocks noGrp="1"/>
+          </p:cNvSpPr>
+          <p:nvPr>
+            <p:ph idx="1"/>
+          </p:nvPr>
+        </p:nvSpPr>
+        <p:spPr/>
         <p:txBody>
           <a:bodyPr>
             <a:normAutofit/>
@@ -6041,108 +6100,156 @@
           <a:lstStyle/>
           <a:p>
             <a:r>
+              <a:rPr lang="en-US" sz="1900" dirty="0"/>
+              <a:t>Interactive Data Visualization with various </a:t>
+            </a:r>
+            <a:r>
+              <a:rPr lang="en-US" sz="1900" dirty="0" err="1"/>
+              <a:t>js</a:t>
+            </a:r>
+            <a:r>
+              <a:rPr lang="en-US" sz="1900" dirty="0"/>
+              <a:t> visualization libraries, Python, and MongoDB to display the covid-19 cases around the globe and in United States</a:t>
+            </a:r>
+          </a:p>
+          <a:p>
+            <a:pPr marL="0" indent="0">
+              <a:buNone/>
+            </a:pPr>
+            <a:endParaRPr lang="en-US" sz="1900" dirty="0"/>
+          </a:p>
+          <a:p>
+            <a:r>
+              <a:rPr lang="en-US" b="1" dirty="0"/>
+              <a:t> The Dataset includes:</a:t>
+            </a:r>
+            <a:endParaRPr lang="en-US" dirty="0"/>
+          </a:p>
+          <a:p>
+            <a:pPr marL="0" indent="0">
+              <a:buNone/>
+            </a:pPr>
+            <a:r>
               <a:rPr lang="en-US" dirty="0"/>
-              <a:t>Libraries:</a:t>
-            </a:r>
-            <a:endParaRPr lang="en-US" b="0" dirty="0"/>
-          </a:p>
-        </p:txBody>
-      </p:sp>
-      <p:sp>
-        <p:nvSpPr>
-          <p:cNvPr id="6" name="Content Placeholder 2">
-            <a:extLst>
-              <a:ext uri="{FF2B5EF4-FFF2-40B4-BE49-F238E27FC236}">
-                <a16:creationId xmlns:a16="http://schemas.microsoft.com/office/drawing/2014/main" id="{18D03F61-F07C-314D-956C-42C0919CF418}"/>
-              </a:ext>
-            </a:extLst>
-          </p:cNvPr>
-          <p:cNvSpPr>
-            <a:spLocks noGrp="1"/>
-          </p:cNvSpPr>
-          <p:nvPr>
-            <p:ph idx="1"/>
-          </p:nvPr>
-        </p:nvSpPr>
-        <p:spPr>
-          <a:xfrm>
-            <a:off x="1066800" y="2103120"/>
-            <a:ext cx="10058400" cy="3057459"/>
-          </a:xfrm>
-        </p:spPr>
-        <p:txBody>
-          <a:bodyPr>
-            <a:normAutofit/>
-          </a:bodyPr>
-          <a:lstStyle/>
-          <a:p>
+              <a:t>     * Time Series Data From John Hopkins</a:t>
+            </a:r>
+          </a:p>
+          <a:p>
+            <a:pPr marL="0" indent="0">
+              <a:buNone/>
+            </a:pPr>
             <a:r>
               <a:rPr lang="en-US" dirty="0"/>
-              <a:t>D3, Leaflet, </a:t>
-            </a:r>
-            <a:r>
-              <a:rPr lang="en-US" dirty="0" err="1"/>
-              <a:t>Plotly</a:t>
-            </a:r>
+              <a:t>         * confirmed cases, death, recovered globally</a:t>
+            </a:r>
+          </a:p>
+          <a:p>
+            <a:pPr marL="0" indent="0">
+              <a:buNone/>
+            </a:pPr>
             <a:r>
               <a:rPr lang="en-US" dirty="0"/>
-              <a:t>, DC charts, google Charts (visualization)</a:t>
-            </a:r>
-          </a:p>
-          <a:p>
+              <a:t>         * confirmed and deaths in United States</a:t>
+            </a:r>
+          </a:p>
+          <a:p>
+            <a:pPr marL="0" indent="0">
+              <a:buNone/>
+            </a:pPr>
             <a:r>
               <a:rPr lang="en-US" dirty="0"/>
-              <a:t> </a:t>
-            </a:r>
-            <a:r>
-              <a:rPr lang="en-US" dirty="0" err="1"/>
-              <a:t>Axios</a:t>
-            </a:r>
+              <a:t>     * states and County data for united states from New York Times</a:t>
+            </a:r>
+          </a:p>
+          <a:p>
+            <a:pPr marL="0" indent="0">
+              <a:buNone/>
+            </a:pPr>
+            <a:endParaRPr lang="en-US" dirty="0"/>
+          </a:p>
+          <a:p>
+            <a:pPr marL="0" indent="0">
+              <a:buNone/>
+            </a:pPr>
             <a:r>
               <a:rPr lang="en-US" dirty="0"/>
-              <a:t> (library to call Promises in </a:t>
-            </a:r>
-            <a:r>
-              <a:rPr lang="en-US" dirty="0" err="1"/>
-              <a:t>js</a:t>
+              <a:t>Source: </a:t>
+            </a:r>
+            <a:r>
+              <a:rPr lang="en-US" dirty="0">
+                <a:hlinkClick r:id="rId2"/>
+              </a:rPr>
+              <a:t>https://</a:t>
+            </a:r>
+            <a:r>
+              <a:rPr lang="en-US" dirty="0" err="1">
+                <a:hlinkClick r:id="rId2"/>
+              </a:rPr>
+              <a:t>github.com</a:t>
+            </a:r>
+            <a:r>
+              <a:rPr lang="en-US" dirty="0">
+                <a:hlinkClick r:id="rId2"/>
+              </a:rPr>
+              <a:t>/</a:t>
+            </a:r>
+            <a:r>
+              <a:rPr lang="en-US" dirty="0" err="1">
+                <a:hlinkClick r:id="rId2"/>
+              </a:rPr>
+              <a:t>CSSEGISandData</a:t>
+            </a:r>
+            <a:r>
+              <a:rPr lang="en-US" dirty="0">
+                <a:hlinkClick r:id="rId2"/>
+              </a:rPr>
+              <a:t>/COVID-19</a:t>
             </a:r>
             <a:r>
               <a:rPr lang="en-US" dirty="0"/>
-              <a:t>), </a:t>
-            </a:r>
-            <a:r>
-              <a:rPr lang="en-US" dirty="0" err="1"/>
-              <a:t>Lodash</a:t>
-            </a:r>
-            <a:r>
-              <a:rPr lang="en-US" dirty="0"/>
-              <a:t> (helper functions)</a:t>
-            </a:r>
-          </a:p>
-          <a:p>
-            <a:r>
-              <a:rPr lang="en-US" dirty="0" err="1"/>
-              <a:t>pymongo</a:t>
-            </a:r>
-            <a:r>
-              <a:rPr lang="en-US" dirty="0"/>
-              <a:t> to interacting with MongoDB (Notebook)</a:t>
-            </a:r>
-          </a:p>
-          <a:p>
-            <a:r>
-              <a:rPr lang="en-US" dirty="0"/>
-              <a:t> Flask to build the server, for routing</a:t>
-            </a:r>
-          </a:p>
-          <a:p>
-            <a:r>
-              <a:rPr lang="en-US" dirty="0"/>
-              <a:t> utility files in python to grab csv and convert to json before pushing it to database</a:t>
-            </a:r>
-          </a:p>
-          <a:p>
-            <a:pPr marL="0" indent="0">
+              <a:t>, </a:t>
+            </a:r>
+            <a:r>
+              <a:rPr lang="en-US" dirty="0">
+                <a:hlinkClick r:id="rId3"/>
+              </a:rPr>
+              <a:t>https://</a:t>
+            </a:r>
+            <a:r>
+              <a:rPr lang="en-US" dirty="0" err="1">
+                <a:hlinkClick r:id="rId3"/>
+              </a:rPr>
+              <a:t>github.com</a:t>
+            </a:r>
+            <a:r>
+              <a:rPr lang="en-US" dirty="0">
+                <a:hlinkClick r:id="rId3"/>
+              </a:rPr>
+              <a:t>/</a:t>
+            </a:r>
+            <a:r>
+              <a:rPr lang="en-US" dirty="0" err="1">
+                <a:hlinkClick r:id="rId3"/>
+              </a:rPr>
+              <a:t>nytimes</a:t>
+            </a:r>
+            <a:r>
+              <a:rPr lang="en-US" dirty="0">
+                <a:hlinkClick r:id="rId3"/>
+              </a:rPr>
+              <a:t>/covid-19-data</a:t>
+            </a:r>
+            <a:endParaRPr lang="en-US" dirty="0"/>
+          </a:p>
+          <a:p>
+            <a:pPr marL="274320" lvl="1" indent="0">
+              <a:lnSpc>
+                <a:spcPct val="110000"/>
+              </a:lnSpc>
+              <a:spcBef>
+                <a:spcPts val="900"/>
+              </a:spcBef>
+              <a:buFont typeface="Garamond" pitchFamily="18" charset="0"/>
               <a:buNone/>
             </a:pPr>
             <a:endParaRPr lang="en-US" sz="1900" dirty="0"/>
@@ -6152,7 +6259,7 @@
     </p:spTree>
     <p:extLst>
       <p:ext uri="{BB962C8B-B14F-4D97-AF65-F5344CB8AC3E}">
-        <p14:creationId xmlns:p14="http://schemas.microsoft.com/office/powerpoint/2010/main" val="3100089833"/>
+        <p14:creationId xmlns:p14="http://schemas.microsoft.com/office/powerpoint/2010/main" val="4159077925"/>
       </p:ext>
     </p:extLst>
   </p:cSld>
@@ -6184,7 +6291,7 @@
           <p:cNvPr id="2" name="Title 1">
             <a:extLst>
               <a:ext uri="{FF2B5EF4-FFF2-40B4-BE49-F238E27FC236}">
-                <a16:creationId xmlns:a16="http://schemas.microsoft.com/office/drawing/2014/main" id="{B72B2628-531A-4946-9B08-3B13163E434C}"/>
+                <a16:creationId xmlns:a16="http://schemas.microsoft.com/office/drawing/2014/main" id="{C9C7C910-9618-1347-A681-C805038890DB}"/>
               </a:ext>
             </a:extLst>
           </p:cNvPr>
@@ -6195,51 +6302,131 @@
             <p:ph type="title"/>
           </p:nvPr>
         </p:nvSpPr>
-        <p:spPr/>
-        <p:txBody>
-          <a:bodyPr/>
+        <p:spPr>
+          <a:xfrm>
+            <a:off x="528034" y="642594"/>
+            <a:ext cx="11101589" cy="1134691"/>
+          </a:xfrm>
+        </p:spPr>
+        <p:txBody>
+          <a:bodyPr>
+            <a:normAutofit/>
+          </a:bodyPr>
           <a:lstStyle/>
           <a:p>
             <a:r>
               <a:rPr lang="en-US" dirty="0"/>
-              <a:t>Style Guide</a:t>
-            </a:r>
-          </a:p>
-        </p:txBody>
-      </p:sp>
-      <p:pic>
-        <p:nvPicPr>
-          <p:cNvPr id="7" name="Content Placeholder 6">
+              <a:t>Libraries:</a:t>
+            </a:r>
+            <a:endParaRPr lang="en-US" b="0" dirty="0"/>
+          </a:p>
+        </p:txBody>
+      </p:sp>
+      <p:sp>
+        <p:nvSpPr>
+          <p:cNvPr id="6" name="Content Placeholder 2">
             <a:extLst>
               <a:ext uri="{FF2B5EF4-FFF2-40B4-BE49-F238E27FC236}">
-                <a16:creationId xmlns:a16="http://schemas.microsoft.com/office/drawing/2014/main" id="{83454BCF-4811-194A-B42B-A91DEFAD421E}"/>
+                <a16:creationId xmlns:a16="http://schemas.microsoft.com/office/drawing/2014/main" id="{18D03F61-F07C-314D-956C-42C0919CF418}"/>
               </a:ext>
             </a:extLst>
           </p:cNvPr>
-          <p:cNvPicPr>
-            <a:picLocks noGrp="1" noChangeAspect="1"/>
-          </p:cNvPicPr>
+          <p:cNvSpPr>
+            <a:spLocks noGrp="1"/>
+          </p:cNvSpPr>
           <p:nvPr>
             <p:ph idx="1"/>
           </p:nvPr>
-        </p:nvPicPr>
-        <p:blipFill>
-          <a:blip r:embed="rId2"/>
-          <a:stretch>
-            <a:fillRect/>
-          </a:stretch>
-        </p:blipFill>
+        </p:nvSpPr>
         <p:spPr>
           <a:xfrm>
-            <a:off x="3689946" y="2103438"/>
-            <a:ext cx="4812108" cy="3849687"/>
+            <a:off x="1066800" y="2103120"/>
+            <a:ext cx="10058400" cy="3057459"/>
           </a:xfrm>
         </p:spPr>
-      </p:pic>
+        <p:txBody>
+          <a:bodyPr>
+            <a:normAutofit/>
+          </a:bodyPr>
+          <a:lstStyle/>
+          <a:p>
+            <a:r>
+              <a:rPr lang="en-US" dirty="0"/>
+              <a:t>D3, Leaflet, </a:t>
+            </a:r>
+            <a:r>
+              <a:rPr lang="en-US" dirty="0" err="1"/>
+              <a:t>Plotly</a:t>
+            </a:r>
+            <a:r>
+              <a:rPr lang="en-US" dirty="0"/>
+              <a:t>, DC charts, google Charts (visualization)</a:t>
+            </a:r>
+          </a:p>
+          <a:p>
+            <a:r>
+              <a:rPr lang="en-US" dirty="0"/>
+              <a:t> </a:t>
+            </a:r>
+            <a:r>
+              <a:rPr lang="en-US" dirty="0" err="1"/>
+              <a:t>Axios</a:t>
+            </a:r>
+            <a:r>
+              <a:rPr lang="en-US" dirty="0"/>
+              <a:t> (library to call Promises in </a:t>
+            </a:r>
+            <a:r>
+              <a:rPr lang="en-US" dirty="0" err="1"/>
+              <a:t>js</a:t>
+            </a:r>
+            <a:r>
+              <a:rPr lang="en-US" dirty="0"/>
+              <a:t>), </a:t>
+            </a:r>
+            <a:r>
+              <a:rPr lang="en-US" dirty="0" err="1"/>
+              <a:t>Lodash</a:t>
+            </a:r>
+            <a:r>
+              <a:rPr lang="en-US" dirty="0"/>
+              <a:t> (helper functions)</a:t>
+            </a:r>
+          </a:p>
+          <a:p>
+            <a:r>
+              <a:rPr lang="en-US" dirty="0" err="1"/>
+              <a:t>pymongo</a:t>
+            </a:r>
+            <a:r>
+              <a:rPr lang="en-US" dirty="0"/>
+              <a:t> to interacting with MongoDB (Notebook)</a:t>
+            </a:r>
+          </a:p>
+          <a:p>
+            <a:r>
+              <a:rPr lang="en-US" dirty="0"/>
+              <a:t> Flask to build the server, for routing</a:t>
+            </a:r>
+          </a:p>
+          <a:p>
+            <a:r>
+              <a:rPr lang="en-US" dirty="0"/>
+              <a:t> utility files in python to grab csv and convert to json before pushing it to database</a:t>
+            </a:r>
+          </a:p>
+          <a:p>
+            <a:pPr marL="0" indent="0">
+              <a:buNone/>
+            </a:pPr>
+            <a:endParaRPr lang="en-US" sz="1900" dirty="0"/>
+          </a:p>
+        </p:txBody>
+      </p:sp>
     </p:spTree>
     <p:extLst>
       <p:ext uri="{BB962C8B-B14F-4D97-AF65-F5344CB8AC3E}">
-        <p14:creationId xmlns:p14="http://schemas.microsoft.com/office/powerpoint/2010/main" val="2348358634"/>
+        <p14:creationId xmlns:p14="http://schemas.microsoft.com/office/powerpoint/2010/main" val="3100089833"/>
       </p:ext>
     </p:extLst>
   </p:cSld>
@@ -6271,7 +6458,7 @@
           <p:cNvPr id="2" name="Title 1">
             <a:extLst>
               <a:ext uri="{FF2B5EF4-FFF2-40B4-BE49-F238E27FC236}">
-                <a16:creationId xmlns:a16="http://schemas.microsoft.com/office/drawing/2014/main" id="{501E35ED-68B5-814F-BD1C-61A0A26E25DD}"/>
+                <a16:creationId xmlns:a16="http://schemas.microsoft.com/office/drawing/2014/main" id="{B72B2628-531A-4946-9B08-3B13163E434C}"/>
               </a:ext>
             </a:extLst>
           </p:cNvPr>
@@ -6289,14 +6476,7 @@
           <a:p>
             <a:r>
               <a:rPr lang="en-US" dirty="0"/>
-              <a:t>Initial </a:t>
-            </a:r>
-            <a:br>
-              <a:rPr lang="en-US" dirty="0"/>
-            </a:br>
-            <a:r>
-              <a:rPr lang="en-US" dirty="0"/>
-              <a:t>Wireframe</a:t>
+              <a:t>Style Guide</a:t>
             </a:r>
           </a:p>
         </p:txBody>
@@ -6306,7 +6486,7 @@
           <p:cNvPr id="7" name="Content Placeholder 6">
             <a:extLst>
               <a:ext uri="{FF2B5EF4-FFF2-40B4-BE49-F238E27FC236}">
-                <a16:creationId xmlns:a16="http://schemas.microsoft.com/office/drawing/2014/main" id="{6F4EE8F2-B2AD-0447-9E5D-B9B0C5A7F4CC}"/>
+                <a16:creationId xmlns:a16="http://schemas.microsoft.com/office/drawing/2014/main" id="{83454BCF-4811-194A-B42B-A91DEFAD421E}"/>
               </a:ext>
             </a:extLst>
           </p:cNvPr>
@@ -6318,22 +6498,22 @@
           </p:nvPr>
         </p:nvPicPr>
         <p:blipFill>
-          <a:blip r:embed="rId2"/>
+          <a:blip r:embed="rId3"/>
           <a:stretch>
             <a:fillRect/>
           </a:stretch>
         </p:blipFill>
         <p:spPr>
           <a:xfrm>
-            <a:off x="4928876" y="2103438"/>
-            <a:ext cx="2334248" cy="3849687"/>
+            <a:off x="3689946" y="2103438"/>
+            <a:ext cx="4812108" cy="3849687"/>
           </a:xfrm>
         </p:spPr>
       </p:pic>
     </p:spTree>
     <p:extLst>
       <p:ext uri="{BB962C8B-B14F-4D97-AF65-F5344CB8AC3E}">
-        <p14:creationId xmlns:p14="http://schemas.microsoft.com/office/powerpoint/2010/main" val="1635674364"/>
+        <p14:creationId xmlns:p14="http://schemas.microsoft.com/office/powerpoint/2010/main" val="2348358634"/>
       </p:ext>
     </p:extLst>
   </p:cSld>
@@ -6365,7 +6545,7 @@
           <p:cNvPr id="2" name="Title 1">
             <a:extLst>
               <a:ext uri="{FF2B5EF4-FFF2-40B4-BE49-F238E27FC236}">
-                <a16:creationId xmlns:a16="http://schemas.microsoft.com/office/drawing/2014/main" id="{E4A9BCD5-66D8-644C-9495-6D159C98592E}"/>
+                <a16:creationId xmlns:a16="http://schemas.microsoft.com/office/drawing/2014/main" id="{501E35ED-68B5-814F-BD1C-61A0A26E25DD}"/>
               </a:ext>
             </a:extLst>
           </p:cNvPr>
@@ -6382,45 +6562,52 @@
           <a:lstStyle/>
           <a:p>
             <a:r>
-              <a:rPr lang="en-US" b="0" dirty="0"/>
-              <a:t>Getting and understanding the data</a:t>
+              <a:rPr lang="en-US" dirty="0"/>
+              <a:t>Initial </a:t>
             </a:r>
             <a:br>
-              <a:rPr lang="en-US" b="0" dirty="0"/>
+              <a:rPr lang="en-US" dirty="0"/>
             </a:br>
-            <a:endParaRPr lang="en-US" dirty="0"/>
-          </a:p>
-        </p:txBody>
-      </p:sp>
-      <p:sp>
-        <p:nvSpPr>
-          <p:cNvPr id="3" name="Content Placeholder 2">
+            <a:r>
+              <a:rPr lang="en-US" dirty="0"/>
+              <a:t>Wireframe</a:t>
+            </a:r>
+          </a:p>
+        </p:txBody>
+      </p:sp>
+      <p:pic>
+        <p:nvPicPr>
+          <p:cNvPr id="7" name="Content Placeholder 6">
             <a:extLst>
               <a:ext uri="{FF2B5EF4-FFF2-40B4-BE49-F238E27FC236}">
-                <a16:creationId xmlns:a16="http://schemas.microsoft.com/office/drawing/2014/main" id="{33BEFF07-9FA1-4642-BAD3-A28D54D531C3}"/>
+                <a16:creationId xmlns:a16="http://schemas.microsoft.com/office/drawing/2014/main" id="{6F4EE8F2-B2AD-0447-9E5D-B9B0C5A7F4CC}"/>
               </a:ext>
             </a:extLst>
           </p:cNvPr>
-          <p:cNvSpPr>
-            <a:spLocks noGrp="1"/>
-          </p:cNvSpPr>
+          <p:cNvPicPr>
+            <a:picLocks noGrp="1" noChangeAspect="1"/>
+          </p:cNvPicPr>
           <p:nvPr>
             <p:ph idx="1"/>
           </p:nvPr>
-        </p:nvSpPr>
-        <p:spPr/>
-        <p:txBody>
-          <a:bodyPr/>
-          <a:lstStyle/>
-          <a:p>
-            <a:endParaRPr lang="en-US" dirty="0"/>
-          </a:p>
-        </p:txBody>
-      </p:sp>
+        </p:nvPicPr>
+        <p:blipFill>
+          <a:blip r:embed="rId2"/>
+          <a:stretch>
+            <a:fillRect/>
+          </a:stretch>
+        </p:blipFill>
+        <p:spPr>
+          <a:xfrm>
+            <a:off x="4928876" y="2103438"/>
+            <a:ext cx="2334248" cy="3849687"/>
+          </a:xfrm>
+        </p:spPr>
+      </p:pic>
     </p:spTree>
     <p:extLst>
       <p:ext uri="{BB962C8B-B14F-4D97-AF65-F5344CB8AC3E}">
-        <p14:creationId xmlns:p14="http://schemas.microsoft.com/office/powerpoint/2010/main" val="790925709"/>
+        <p14:creationId xmlns:p14="http://schemas.microsoft.com/office/powerpoint/2010/main" val="1635674364"/>
       </p:ext>
     </p:extLst>
   </p:cSld>
@@ -6452,7 +6639,7 @@
           <p:cNvPr id="2" name="Title 1">
             <a:extLst>
               <a:ext uri="{FF2B5EF4-FFF2-40B4-BE49-F238E27FC236}">
-                <a16:creationId xmlns:a16="http://schemas.microsoft.com/office/drawing/2014/main" id="{9189CFAF-A811-824E-B381-EE60838EAB41}"/>
+                <a16:creationId xmlns:a16="http://schemas.microsoft.com/office/drawing/2014/main" id="{E4A9BCD5-66D8-644C-9495-6D159C98592E}"/>
               </a:ext>
             </a:extLst>
           </p:cNvPr>
@@ -6465,24 +6652,13 @@
         </p:nvSpPr>
         <p:spPr/>
         <p:txBody>
-          <a:bodyPr>
-            <a:normAutofit fontScale="90000"/>
-          </a:bodyPr>
+          <a:bodyPr/>
           <a:lstStyle/>
           <a:p>
-            <a:br>
-              <a:rPr lang="en-US" sz="3100" b="0" dirty="0"/>
-            </a:br>
-            <a:br>
-              <a:rPr lang="en-US" sz="3100" b="0" dirty="0"/>
-            </a:br>
-            <a:r>
-              <a:rPr lang="en-US" sz="3100" b="0" dirty="0"/>
-              <a:t>Storing the data in MongoDB and Interacting with database using Python</a:t>
-            </a:r>
-            <a:br>
+            <a:r>
               <a:rPr lang="en-US" b="0" dirty="0"/>
-            </a:br>
+              <a:t>Getting and understanding the data</a:t>
+            </a:r>
             <a:br>
               <a:rPr lang="en-US" b="0" dirty="0"/>
             </a:br>
@@ -6495,7 +6671,7 @@
           <p:cNvPr id="3" name="Content Placeholder 2">
             <a:extLst>
               <a:ext uri="{FF2B5EF4-FFF2-40B4-BE49-F238E27FC236}">
-                <a16:creationId xmlns:a16="http://schemas.microsoft.com/office/drawing/2014/main" id="{34C28BEA-29DC-8C48-980F-54F4ED6A7248}"/>
+                <a16:creationId xmlns:a16="http://schemas.microsoft.com/office/drawing/2014/main" id="{33BEFF07-9FA1-4642-BAD3-A28D54D531C3}"/>
               </a:ext>
             </a:extLst>
           </p:cNvPr>
@@ -6511,14 +6687,17 @@
           <a:bodyPr/>
           <a:lstStyle/>
           <a:p>
-            <a:endParaRPr lang="en-US"/>
+            <a:pPr marL="0" indent="0">
+              <a:buNone/>
+            </a:pPr>
+            <a:endParaRPr lang="en-US" dirty="0"/>
           </a:p>
         </p:txBody>
       </p:sp>
     </p:spTree>
     <p:extLst>
       <p:ext uri="{BB962C8B-B14F-4D97-AF65-F5344CB8AC3E}">
-        <p14:creationId xmlns:p14="http://schemas.microsoft.com/office/powerpoint/2010/main" val="1538454024"/>
+        <p14:creationId xmlns:p14="http://schemas.microsoft.com/office/powerpoint/2010/main" val="790925709"/>
       </p:ext>
     </p:extLst>
   </p:cSld>
@@ -6550,7 +6729,7 @@
           <p:cNvPr id="2" name="Title 1">
             <a:extLst>
               <a:ext uri="{FF2B5EF4-FFF2-40B4-BE49-F238E27FC236}">
-                <a16:creationId xmlns:a16="http://schemas.microsoft.com/office/drawing/2014/main" id="{1C2CE2A7-5866-D546-A548-7FF7C474739F}"/>
+                <a16:creationId xmlns:a16="http://schemas.microsoft.com/office/drawing/2014/main" id="{9189CFAF-A811-824E-B381-EE60838EAB41}"/>
               </a:ext>
             </a:extLst>
           </p:cNvPr>
@@ -6563,13 +6742,24 @@
         </p:nvSpPr>
         <p:spPr/>
         <p:txBody>
-          <a:bodyPr/>
+          <a:bodyPr>
+            <a:normAutofit fontScale="90000"/>
+          </a:bodyPr>
           <a:lstStyle/>
           <a:p>
-            <a:r>
+            <a:br>
+              <a:rPr lang="en-US" sz="3100" b="0" dirty="0"/>
+            </a:br>
+            <a:br>
+              <a:rPr lang="en-US" sz="3100" b="0" dirty="0"/>
+            </a:br>
+            <a:r>
+              <a:rPr lang="en-US" sz="3100" b="0" dirty="0"/>
+              <a:t>Storing the data in MongoDB and Interacting with database using Python</a:t>
+            </a:r>
+            <a:br>
               <a:rPr lang="en-US" b="0" dirty="0"/>
-              <a:t>Building the server and Routes </a:t>
-            </a:r>
+            </a:br>
             <a:br>
               <a:rPr lang="en-US" b="0" dirty="0"/>
             </a:br>
@@ -6582,7 +6772,7 @@
           <p:cNvPr id="3" name="Content Placeholder 2">
             <a:extLst>
               <a:ext uri="{FF2B5EF4-FFF2-40B4-BE49-F238E27FC236}">
-                <a16:creationId xmlns:a16="http://schemas.microsoft.com/office/drawing/2014/main" id="{C62288B3-17FA-BC44-9433-51EE71818869}"/>
+                <a16:creationId xmlns:a16="http://schemas.microsoft.com/office/drawing/2014/main" id="{34C28BEA-29DC-8C48-980F-54F4ED6A7248}"/>
               </a:ext>
             </a:extLst>
           </p:cNvPr>
@@ -6598,14 +6788,14 @@
           <a:bodyPr/>
           <a:lstStyle/>
           <a:p>
-            <a:endParaRPr lang="en-US" dirty="0"/>
+            <a:endParaRPr lang="en-US"/>
           </a:p>
         </p:txBody>
       </p:sp>
     </p:spTree>
     <p:extLst>
       <p:ext uri="{BB962C8B-B14F-4D97-AF65-F5344CB8AC3E}">
-        <p14:creationId xmlns:p14="http://schemas.microsoft.com/office/powerpoint/2010/main" val="2694775439"/>
+        <p14:creationId xmlns:p14="http://schemas.microsoft.com/office/powerpoint/2010/main" val="1538454024"/>
       </p:ext>
     </p:extLst>
   </p:cSld>

--- a/Presentation/Project 1 Presentation.pptx
+++ b/Presentation/Project 1 Presentation.pptx
@@ -5162,6 +5162,14 @@
 <file path=ppt/slides/slide10.xml><?xml version="1.0" encoding="utf-8"?>
 <p:sld xmlns:a="http://schemas.openxmlformats.org/drawingml/2006/main" xmlns:r="http://schemas.openxmlformats.org/officeDocument/2006/relationships" xmlns:p="http://schemas.openxmlformats.org/presentationml/2006/main">
   <p:cSld>
+    <p:bg>
+      <p:bgPr>
+        <a:solidFill>
+          <a:schemeClr val="bg1"/>
+        </a:solidFill>
+        <a:effectLst/>
+      </p:bgPr>
+    </p:bg>
     <p:spTree>
       <p:nvGrpSpPr>
         <p:cNvPr id="1" name=""/>
@@ -5178,6 +5186,229 @@
       </p:grpSpPr>
       <p:sp>
         <p:nvSpPr>
+          <p:cNvPr id="25" name="Rectangle 18">
+            <a:extLst>
+              <a:ext uri="{FF2B5EF4-FFF2-40B4-BE49-F238E27FC236}">
+                <a16:creationId xmlns:a16="http://schemas.microsoft.com/office/drawing/2014/main" id="{B6EE7E08-B389-43E5-B019-1B0A8ACBBD93}"/>
+              </a:ext>
+              <a:ext uri="{C183D7F6-B498-43B3-948B-1728B52AA6E4}">
+                <adec:decorative xmlns:adec="http://schemas.microsoft.com/office/drawing/2017/decorative" val="1"/>
+              </a:ext>
+            </a:extLst>
+          </p:cNvPr>
+          <p:cNvSpPr>
+            <a:spLocks noGrp="1" noRot="1" noChangeAspect="1" noMove="1" noResize="1" noEditPoints="1" noAdjustHandles="1" noChangeArrowheads="1" noChangeShapeType="1" noTextEdit="1"/>
+          </p:cNvSpPr>
+          <p:nvPr>
+            <p:extLst>
+              <p:ext uri="{386F3935-93C4-4BCD-93E2-E3B085C9AB24}">
+                <p16:designElem xmlns:p16="http://schemas.microsoft.com/office/powerpoint/2015/main" val="1"/>
+              </p:ext>
+            </p:extLst>
+          </p:nvPr>
+        </p:nvSpPr>
+        <p:spPr>
+          <a:xfrm>
+            <a:off x="-1" y="0"/>
+            <a:ext cx="12192001" cy="6858000"/>
+          </a:xfrm>
+          <a:prstGeom prst="rect">
+            <a:avLst/>
+          </a:prstGeom>
+          <a:solidFill>
+            <a:srgbClr val="FFFFFF"/>
+          </a:solidFill>
+          <a:ln>
+            <a:noFill/>
+          </a:ln>
+        </p:spPr>
+        <p:style>
+          <a:lnRef idx="2">
+            <a:schemeClr val="accent1">
+              <a:shade val="50000"/>
+            </a:schemeClr>
+          </a:lnRef>
+          <a:fillRef idx="1">
+            <a:schemeClr val="accent1"/>
+          </a:fillRef>
+          <a:effectRef idx="0">
+            <a:schemeClr val="accent1"/>
+          </a:effectRef>
+          <a:fontRef idx="minor">
+            <a:schemeClr val="lt1"/>
+          </a:fontRef>
+        </p:style>
+        <p:txBody>
+          <a:bodyPr rtlCol="0" anchor="ctr"/>
+          <a:lstStyle/>
+          <a:p>
+            <a:pPr algn="ctr"/>
+            <a:endParaRPr lang="en-US"/>
+          </a:p>
+        </p:txBody>
+      </p:sp>
+      <p:pic>
+        <p:nvPicPr>
+          <p:cNvPr id="5" name="Picture 4" descr="A screenshot of a cell phone&#10;&#10;Description automatically generated">
+            <a:extLst>
+              <a:ext uri="{FF2B5EF4-FFF2-40B4-BE49-F238E27FC236}">
+                <a16:creationId xmlns:a16="http://schemas.microsoft.com/office/drawing/2014/main" id="{15F26818-CD45-9446-AF0F-38755EAB00F9}"/>
+              </a:ext>
+            </a:extLst>
+          </p:cNvPr>
+          <p:cNvPicPr>
+            <a:picLocks noChangeAspect="1"/>
+          </p:cNvPicPr>
+          <p:nvPr/>
+        </p:nvPicPr>
+        <p:blipFill rotWithShape="1">
+          <a:blip r:embed="rId2"/>
+          <a:srcRect t="11417"/>
+          <a:stretch/>
+        </p:blipFill>
+        <p:spPr>
+          <a:xfrm>
+            <a:off x="20" y="-1"/>
+            <a:ext cx="12191980" cy="6857999"/>
+          </a:xfrm>
+          <a:prstGeom prst="rect">
+            <a:avLst/>
+          </a:prstGeom>
+        </p:spPr>
+      </p:pic>
+      <p:sp>
+        <p:nvSpPr>
+          <p:cNvPr id="26" name="Rectangle 20">
+            <a:extLst>
+              <a:ext uri="{FF2B5EF4-FFF2-40B4-BE49-F238E27FC236}">
+                <a16:creationId xmlns:a16="http://schemas.microsoft.com/office/drawing/2014/main" id="{E60D94A5-8A09-4BAB-8F7C-69BC34C54DDE}"/>
+              </a:ext>
+              <a:ext uri="{C183D7F6-B498-43B3-948B-1728B52AA6E4}">
+                <adec:decorative xmlns:adec="http://schemas.microsoft.com/office/drawing/2017/decorative" val="1"/>
+              </a:ext>
+            </a:extLst>
+          </p:cNvPr>
+          <p:cNvSpPr>
+            <a:spLocks noGrp="1" noRot="1" noChangeAspect="1" noMove="1" noResize="1" noEditPoints="1" noAdjustHandles="1" noChangeArrowheads="1" noChangeShapeType="1" noTextEdit="1"/>
+          </p:cNvSpPr>
+          <p:nvPr>
+            <p:extLst>
+              <p:ext uri="{386F3935-93C4-4BCD-93E2-E3B085C9AB24}">
+                <p16:designElem xmlns:p16="http://schemas.microsoft.com/office/powerpoint/2015/main" val="1"/>
+              </p:ext>
+            </p:extLst>
+          </p:nvPr>
+        </p:nvSpPr>
+        <p:spPr>
+          <a:xfrm>
+            <a:off x="6211489" y="642594"/>
+            <a:ext cx="5342133" cy="5572812"/>
+          </a:xfrm>
+          <a:prstGeom prst="rect">
+            <a:avLst/>
+          </a:prstGeom>
+          <a:solidFill>
+            <a:schemeClr val="bg1">
+              <a:alpha val="94000"/>
+            </a:schemeClr>
+          </a:solidFill>
+          <a:ln>
+            <a:noFill/>
+          </a:ln>
+        </p:spPr>
+        <p:style>
+          <a:lnRef idx="2">
+            <a:schemeClr val="accent1">
+              <a:shade val="50000"/>
+            </a:schemeClr>
+          </a:lnRef>
+          <a:fillRef idx="1">
+            <a:schemeClr val="accent1"/>
+          </a:fillRef>
+          <a:effectRef idx="0">
+            <a:schemeClr val="accent1"/>
+          </a:effectRef>
+          <a:fontRef idx="minor">
+            <a:schemeClr val="lt1"/>
+          </a:fontRef>
+        </p:style>
+        <p:txBody>
+          <a:bodyPr rtlCol="0" anchor="ctr"/>
+          <a:lstStyle/>
+          <a:p>
+            <a:pPr algn="ctr"/>
+            <a:endParaRPr lang="en-US"/>
+          </a:p>
+        </p:txBody>
+      </p:sp>
+      <p:sp>
+        <p:nvSpPr>
+          <p:cNvPr id="27" name="Rectangle 22">
+            <a:extLst>
+              <a:ext uri="{FF2B5EF4-FFF2-40B4-BE49-F238E27FC236}">
+                <a16:creationId xmlns:a16="http://schemas.microsoft.com/office/drawing/2014/main" id="{7A1AE32B-3A6E-4C5E-8FEB-73861B9A26B5}"/>
+              </a:ext>
+              <a:ext uri="{C183D7F6-B498-43B3-948B-1728B52AA6E4}">
+                <adec:decorative xmlns:adec="http://schemas.microsoft.com/office/drawing/2017/decorative" val="1"/>
+              </a:ext>
+            </a:extLst>
+          </p:cNvPr>
+          <p:cNvSpPr>
+            <a:spLocks noGrp="1" noRot="1" noChangeAspect="1" noMove="1" noResize="1" noEditPoints="1" noAdjustHandles="1" noChangeArrowheads="1" noChangeShapeType="1" noTextEdit="1"/>
+          </p:cNvSpPr>
+          <p:nvPr>
+            <p:extLst>
+              <p:ext uri="{386F3935-93C4-4BCD-93E2-E3B085C9AB24}">
+                <p16:designElem xmlns:p16="http://schemas.microsoft.com/office/powerpoint/2015/main" val="1"/>
+              </p:ext>
+            </p:extLst>
+          </p:nvPr>
+        </p:nvSpPr>
+        <p:spPr>
+          <a:xfrm>
+            <a:off x="6377099" y="804672"/>
+            <a:ext cx="5010912" cy="5248656"/>
+          </a:xfrm>
+          <a:prstGeom prst="rect">
+            <a:avLst/>
+          </a:prstGeom>
+          <a:noFill/>
+          <a:ln w="6350">
+            <a:solidFill>
+              <a:schemeClr val="tx1">
+                <a:lumMod val="75000"/>
+                <a:lumOff val="25000"/>
+              </a:schemeClr>
+            </a:solidFill>
+          </a:ln>
+        </p:spPr>
+        <p:style>
+          <a:lnRef idx="2">
+            <a:schemeClr val="accent1">
+              <a:shade val="50000"/>
+            </a:schemeClr>
+          </a:lnRef>
+          <a:fillRef idx="1">
+            <a:schemeClr val="accent1"/>
+          </a:fillRef>
+          <a:effectRef idx="0">
+            <a:schemeClr val="accent1"/>
+          </a:effectRef>
+          <a:fontRef idx="minor">
+            <a:schemeClr val="lt1"/>
+          </a:fontRef>
+        </p:style>
+        <p:txBody>
+          <a:bodyPr rtlCol="0" anchor="ctr"/>
+          <a:lstStyle/>
+          <a:p>
+            <a:pPr algn="ctr"/>
+            <a:endParaRPr lang="en-US"/>
+          </a:p>
+        </p:txBody>
+      </p:sp>
+      <p:sp>
+        <p:nvSpPr>
           <p:cNvPr id="2" name="Title 1">
             <a:extLst>
               <a:ext uri="{FF2B5EF4-FFF2-40B4-BE49-F238E27FC236}">
@@ -5192,19 +5423,26 @@
             <p:ph type="title"/>
           </p:nvPr>
         </p:nvSpPr>
-        <p:spPr/>
-        <p:txBody>
-          <a:bodyPr/>
+        <p:spPr>
+          <a:xfrm>
+            <a:off x="6654304" y="1050247"/>
+            <a:ext cx="4472921" cy="1371600"/>
+          </a:xfrm>
+        </p:spPr>
+        <p:txBody>
+          <a:bodyPr>
+            <a:normAutofit/>
+          </a:bodyPr>
           <a:lstStyle/>
           <a:p>
             <a:r>
-              <a:rPr lang="en-US" b="0" dirty="0"/>
+              <a:rPr lang="en-US" sz="3100" b="0"/>
               <a:t>Building the server and Routes </a:t>
             </a:r>
             <a:br>
-              <a:rPr lang="en-US" b="0" dirty="0"/>
+              <a:rPr lang="en-US" sz="3100" b="0"/>
             </a:br>
-            <a:endParaRPr lang="en-US" dirty="0"/>
+            <a:endParaRPr lang="en-US" sz="3100"/>
           </a:p>
         </p:txBody>
       </p:sp>
@@ -5224,11 +5462,35 @@
             <p:ph idx="1"/>
           </p:nvPr>
         </p:nvSpPr>
-        <p:spPr/>
-        <p:txBody>
-          <a:bodyPr/>
+        <p:spPr>
+          <a:xfrm>
+            <a:off x="6654304" y="2605741"/>
+            <a:ext cx="4472922" cy="3131672"/>
+          </a:xfrm>
+        </p:spPr>
+        <p:txBody>
+          <a:bodyPr>
+            <a:normAutofit/>
+          </a:bodyPr>
           <a:lstStyle/>
           <a:p>
+            <a:r>
+              <a:rPr lang="en-US" dirty="0"/>
+              <a:t>We are using Python Flask for building a server that interact with MongoDB and render the html page that contains our charts. Modifying </a:t>
+            </a:r>
+            <a:r>
+              <a:rPr lang="en-US" dirty="0" err="1"/>
+              <a:t>app.py</a:t>
+            </a:r>
+            <a:r>
+              <a:rPr lang="en-US" dirty="0"/>
+              <a:t> folder to include the MongoDB query to retrieve all the records from MongoDB along the attributes using separate routes for each database.</a:t>
+            </a:r>
+          </a:p>
+          <a:p>
+            <a:pPr marL="0" indent="0">
+              <a:buNone/>
+            </a:pPr>
             <a:endParaRPr lang="en-US" dirty="0"/>
           </a:p>
         </p:txBody>
@@ -5249,6 +5511,14 @@
 <file path=ppt/slides/slide11.xml><?xml version="1.0" encoding="utf-8"?>
 <p:sld xmlns:a="http://schemas.openxmlformats.org/drawingml/2006/main" xmlns:r="http://schemas.openxmlformats.org/officeDocument/2006/relationships" xmlns:p="http://schemas.openxmlformats.org/presentationml/2006/main">
   <p:cSld>
+    <p:bg>
+      <p:bgPr>
+        <a:solidFill>
+          <a:schemeClr val="bg1"/>
+        </a:solidFill>
+        <a:effectLst/>
+      </p:bgPr>
+    </p:bg>
     <p:spTree>
       <p:nvGrpSpPr>
         <p:cNvPr id="1" name=""/>
@@ -5279,22 +5549,144 @@
             <p:ph type="title"/>
           </p:nvPr>
         </p:nvSpPr>
-        <p:spPr/>
-        <p:txBody>
-          <a:bodyPr/>
+        <p:spPr>
+          <a:xfrm>
+            <a:off x="6579450" y="727627"/>
+            <a:ext cx="4957553" cy="1645920"/>
+          </a:xfrm>
+        </p:spPr>
+        <p:txBody>
+          <a:bodyPr>
+            <a:normAutofit/>
+          </a:bodyPr>
           <a:lstStyle/>
           <a:p>
             <a:r>
-              <a:rPr lang="en-US" b="0" dirty="0"/>
+              <a:rPr lang="en-US" sz="3600" b="0"/>
               <a:t>Front-end side preparation</a:t>
             </a:r>
             <a:br>
-              <a:rPr lang="en-US" b="0" dirty="0"/>
+              <a:rPr lang="en-US" sz="3600" b="0"/>
             </a:br>
-            <a:endParaRPr lang="en-US" dirty="0"/>
-          </a:p>
-        </p:txBody>
-      </p:sp>
+            <a:endParaRPr lang="en-US" sz="3600"/>
+          </a:p>
+        </p:txBody>
+      </p:sp>
+      <p:sp>
+        <p:nvSpPr>
+          <p:cNvPr id="10" name="Rectangle 9">
+            <a:extLst>
+              <a:ext uri="{FF2B5EF4-FFF2-40B4-BE49-F238E27FC236}">
+                <a16:creationId xmlns:a16="http://schemas.microsoft.com/office/drawing/2014/main" id="{0BBB6B01-5B73-410C-B70E-8CF2FA470D11}"/>
+              </a:ext>
+              <a:ext uri="{C183D7F6-B498-43B3-948B-1728B52AA6E4}">
+                <adec:decorative xmlns:adec="http://schemas.microsoft.com/office/drawing/2017/decorative" val="1"/>
+              </a:ext>
+            </a:extLst>
+          </p:cNvPr>
+          <p:cNvSpPr>
+            <a:spLocks noGrp="1" noRot="1" noChangeAspect="1" noMove="1" noResize="1" noEditPoints="1" noAdjustHandles="1" noChangeArrowheads="1" noChangeShapeType="1" noTextEdit="1"/>
+          </p:cNvSpPr>
+          <p:nvPr>
+            <p:extLst>
+              <p:ext uri="{386F3935-93C4-4BCD-93E2-E3B085C9AB24}">
+                <p16:designElem xmlns:p16="http://schemas.microsoft.com/office/powerpoint/2015/main" val="1"/>
+              </p:ext>
+            </p:extLst>
+          </p:nvPr>
+        </p:nvSpPr>
+        <p:spPr>
+          <a:xfrm>
+            <a:off x="728836" y="721224"/>
+            <a:ext cx="5367164" cy="5415552"/>
+          </a:xfrm>
+          <a:prstGeom prst="rect">
+            <a:avLst/>
+          </a:prstGeom>
+          <a:solidFill>
+            <a:srgbClr val="FFFFFF"/>
+          </a:solidFill>
+          <a:ln w="6350" cap="flat" cmpd="sng" algn="ctr">
+            <a:noFill/>
+            <a:prstDash val="solid"/>
+          </a:ln>
+          <a:effectLst>
+            <a:softEdge rad="0"/>
+          </a:effectLst>
+        </p:spPr>
+      </p:sp>
+      <p:sp>
+        <p:nvSpPr>
+          <p:cNvPr id="12" name="Rectangle 11">
+            <a:extLst>
+              <a:ext uri="{FF2B5EF4-FFF2-40B4-BE49-F238E27FC236}">
+                <a16:creationId xmlns:a16="http://schemas.microsoft.com/office/drawing/2014/main" id="{8712F587-12D0-435C-8E3F-F44C36EE71B8}"/>
+              </a:ext>
+              <a:ext uri="{C183D7F6-B498-43B3-948B-1728B52AA6E4}">
+                <adec:decorative xmlns:adec="http://schemas.microsoft.com/office/drawing/2017/decorative" val="1"/>
+              </a:ext>
+            </a:extLst>
+          </p:cNvPr>
+          <p:cNvSpPr>
+            <a:spLocks noGrp="1" noRot="1" noChangeAspect="1" noMove="1" noResize="1" noEditPoints="1" noAdjustHandles="1" noChangeArrowheads="1" noChangeShapeType="1" noTextEdit="1"/>
+          </p:cNvSpPr>
+          <p:nvPr>
+            <p:extLst>
+              <p:ext uri="{386F3935-93C4-4BCD-93E2-E3B085C9AB24}">
+                <p16:designElem xmlns:p16="http://schemas.microsoft.com/office/powerpoint/2015/main" val="1"/>
+              </p:ext>
+            </p:extLst>
+          </p:nvPr>
+        </p:nvSpPr>
+        <p:spPr>
+          <a:xfrm>
+            <a:off x="885217" y="892220"/>
+            <a:ext cx="5054517" cy="5097085"/>
+          </a:xfrm>
+          <a:prstGeom prst="rect">
+            <a:avLst/>
+          </a:prstGeom>
+          <a:noFill/>
+          <a:ln w="6350" cap="sq" cmpd="sng" algn="ctr">
+            <a:solidFill>
+              <a:srgbClr val="404040"/>
+            </a:solidFill>
+            <a:prstDash val="solid"/>
+            <a:miter lim="800000"/>
+          </a:ln>
+          <a:effectLst/>
+        </p:spPr>
+      </p:sp>
+      <p:pic>
+        <p:nvPicPr>
+          <p:cNvPr id="5" name="Picture 4" descr="A screenshot of a cell phone&#10;&#10;Description automatically generated">
+            <a:extLst>
+              <a:ext uri="{FF2B5EF4-FFF2-40B4-BE49-F238E27FC236}">
+                <a16:creationId xmlns:a16="http://schemas.microsoft.com/office/drawing/2014/main" id="{FFCB5F41-4C30-A047-BDC2-9C9586B2D789}"/>
+              </a:ext>
+            </a:extLst>
+          </p:cNvPr>
+          <p:cNvPicPr>
+            <a:picLocks noChangeAspect="1"/>
+          </p:cNvPicPr>
+          <p:nvPr/>
+        </p:nvPicPr>
+        <p:blipFill>
+          <a:blip r:embed="rId2"/>
+          <a:stretch>
+            <a:fillRect/>
+          </a:stretch>
+        </p:blipFill>
+        <p:spPr>
+          <a:xfrm>
+            <a:off x="1515091" y="1206900"/>
+            <a:ext cx="3794767" cy="4462365"/>
+          </a:xfrm>
+          <a:prstGeom prst="rect">
+            <a:avLst/>
+          </a:prstGeom>
+        </p:spPr>
+      </p:pic>
       <p:sp>
         <p:nvSpPr>
           <p:cNvPr id="3" name="Content Placeholder 2">
@@ -5311,12 +5703,92 @@
             <p:ph idx="1"/>
           </p:nvPr>
         </p:nvSpPr>
-        <p:spPr/>
-        <p:txBody>
-          <a:bodyPr/>
+        <p:spPr>
+          <a:xfrm>
+            <a:off x="6579450" y="2538919"/>
+            <a:ext cx="4957554" cy="3496120"/>
+          </a:xfrm>
+        </p:spPr>
+        <p:txBody>
+          <a:bodyPr>
+            <a:normAutofit/>
+          </a:bodyPr>
           <a:lstStyle/>
           <a:p>
-            <a:endParaRPr lang="en-US"/>
+            <a:r>
+              <a:rPr lang="en-US" dirty="0"/>
+              <a:t>Now that we have the server side code and the MongoDB query ready, we will start building the front end code.</a:t>
+            </a:r>
+          </a:p>
+          <a:p>
+            <a:r>
+              <a:rPr lang="en-US" dirty="0"/>
+              <a:t>For building the charts, we will be mainly using  these list of </a:t>
+            </a:r>
+            <a:r>
+              <a:rPr lang="en-US" dirty="0" err="1"/>
+              <a:t>Javascript</a:t>
+            </a:r>
+            <a:r>
+              <a:rPr lang="en-US" dirty="0"/>
+              <a:t> libraries d3.js, </a:t>
+            </a:r>
+            <a:r>
+              <a:rPr lang="en-US" dirty="0" err="1"/>
+              <a:t>Leaflet.js</a:t>
+            </a:r>
+            <a:r>
+              <a:rPr lang="en-US" dirty="0"/>
+              <a:t>, </a:t>
+            </a:r>
+            <a:r>
+              <a:rPr lang="en-US" dirty="0" err="1"/>
+              <a:t>Plotly.js</a:t>
+            </a:r>
+            <a:r>
+              <a:rPr lang="en-US" dirty="0"/>
+              <a:t>, Google charts,</a:t>
+            </a:r>
+          </a:p>
+          <a:p>
+            <a:pPr marL="0" indent="0">
+              <a:buNone/>
+            </a:pPr>
+            <a:r>
+              <a:rPr lang="en-US" dirty="0"/>
+              <a:t>   dc Charts ( for filtering the data set)</a:t>
+            </a:r>
+          </a:p>
+          <a:p>
+            <a:r>
+              <a:rPr lang="en-US" dirty="0"/>
+              <a:t>We will also be using </a:t>
+            </a:r>
+            <a:r>
+              <a:rPr lang="en-US" dirty="0">
+                <a:hlinkClick r:id="rId3"/>
+              </a:rPr>
+              <a:t>Bootstrap</a:t>
+            </a:r>
+            <a:r>
+              <a:rPr lang="en-US" dirty="0"/>
+              <a:t> for responsiveness, CSS for styling</a:t>
+            </a:r>
+          </a:p>
+          <a:p>
+            <a:r>
+              <a:rPr lang="en-US" dirty="0"/>
+              <a:t>Below is the folder structure of our project :</a:t>
+            </a:r>
+          </a:p>
+          <a:p>
+            <a:pPr marL="0" indent="0">
+              <a:buNone/>
+            </a:pPr>
+            <a:endParaRPr lang="en-US" dirty="0"/>
+          </a:p>
+          <a:p>
+            <a:endParaRPr lang="en-US" dirty="0"/>
           </a:p>
         </p:txBody>
       </p:sp>
@@ -5403,10 +5875,46 @@
           <a:bodyPr/>
           <a:lstStyle/>
           <a:p>
+            <a:r>
+              <a:rPr lang="en-US" dirty="0"/>
+              <a:t>D3.json () promise calls to get the data from the routes to create individual charts :</a:t>
+            </a:r>
+          </a:p>
+          <a:p>
             <a:endParaRPr lang="en-US" dirty="0"/>
           </a:p>
         </p:txBody>
       </p:sp>
+      <p:pic>
+        <p:nvPicPr>
+          <p:cNvPr id="9" name="Picture 8" descr="A screen shot of a computer&#10;&#10;Description automatically generated">
+            <a:extLst>
+              <a:ext uri="{FF2B5EF4-FFF2-40B4-BE49-F238E27FC236}">
+                <a16:creationId xmlns:a16="http://schemas.microsoft.com/office/drawing/2014/main" id="{EB5FFD71-1E96-2245-985B-2EC495F6D50C}"/>
+              </a:ext>
+            </a:extLst>
+          </p:cNvPr>
+          <p:cNvPicPr>
+            <a:picLocks noChangeAspect="1"/>
+          </p:cNvPicPr>
+          <p:nvPr/>
+        </p:nvPicPr>
+        <p:blipFill>
+          <a:blip r:embed="rId2"/>
+          <a:stretch>
+            <a:fillRect/>
+          </a:stretch>
+        </p:blipFill>
+        <p:spPr>
+          <a:xfrm>
+            <a:off x="1368258" y="2634581"/>
+            <a:ext cx="6832600" cy="2070100"/>
+          </a:xfrm>
+          <a:prstGeom prst="rect">
+            <a:avLst/>
+          </a:prstGeom>
+        </p:spPr>
+      </p:pic>
     </p:spTree>
     <p:extLst>
       <p:ext uri="{BB962C8B-B14F-4D97-AF65-F5344CB8AC3E}">
@@ -6687,6 +7195,117 @@
           <a:bodyPr/>
           <a:lstStyle/>
           <a:p>
+            <a:pPr>
+              <a:buFontTx/>
+              <a:buChar char="-"/>
+            </a:pPr>
+            <a:r>
+              <a:rPr lang="en-US" dirty="0"/>
+              <a:t>After downloading the csv files from the JH and NYT </a:t>
+            </a:r>
+            <a:r>
+              <a:rPr lang="en-US" dirty="0" err="1"/>
+              <a:t>github</a:t>
+            </a:r>
+            <a:r>
+              <a:rPr lang="en-US" dirty="0"/>
+              <a:t> page, used python script to grab the files and convert to json.</a:t>
+            </a:r>
+          </a:p>
+          <a:p>
+            <a:pPr>
+              <a:buFontTx/>
+              <a:buChar char="-"/>
+            </a:pPr>
+            <a:r>
+              <a:rPr lang="en-US" dirty="0"/>
+              <a:t>The attributes being used is :</a:t>
+            </a:r>
+          </a:p>
+          <a:p>
+            <a:pPr marL="0" indent="0">
+              <a:buNone/>
+            </a:pPr>
+            <a:r>
+              <a:rPr lang="en-US" dirty="0"/>
+              <a:t>      time series dates till now, Country, </a:t>
+            </a:r>
+            <a:r>
+              <a:rPr lang="en-US" dirty="0" err="1"/>
+              <a:t>Provice_State</a:t>
+            </a:r>
+            <a:r>
+              <a:rPr lang="en-US" dirty="0"/>
+              <a:t>, Counties, confirmed cases, Death and Recovered.</a:t>
+            </a:r>
+          </a:p>
+          <a:p>
+            <a:pPr>
+              <a:buFontTx/>
+              <a:buChar char="-"/>
+            </a:pPr>
+            <a:r>
+              <a:rPr lang="en-US" dirty="0"/>
+              <a:t>Now that we have the data, next step is  storing and querying the data using MongoDB :</a:t>
+            </a:r>
+          </a:p>
+          <a:p>
+            <a:pPr marL="0" indent="0">
+              <a:buNone/>
+            </a:pPr>
+            <a:r>
+              <a:rPr lang="en-US" dirty="0"/>
+              <a:t>     - separate databases for confirmed, deaths, recovered global data till date</a:t>
+            </a:r>
+          </a:p>
+          <a:p>
+            <a:pPr marL="0" indent="0">
+              <a:buNone/>
+            </a:pPr>
+            <a:r>
+              <a:rPr lang="en-US" dirty="0"/>
+              <a:t>     - separate database for confirmed and deaths for United States till now</a:t>
+            </a:r>
+          </a:p>
+          <a:p>
+            <a:pPr marL="0" indent="0">
+              <a:buNone/>
+            </a:pPr>
+            <a:r>
+              <a:rPr lang="en-US" dirty="0"/>
+              <a:t>     - separate database for counties and States of US</a:t>
+            </a:r>
+          </a:p>
+          <a:p>
+            <a:pPr marL="0" indent="0">
+              <a:buNone/>
+            </a:pPr>
+            <a:endParaRPr lang="en-US" dirty="0"/>
+          </a:p>
+          <a:p>
+            <a:pPr marL="0" indent="0">
+              <a:buNone/>
+            </a:pPr>
+            <a:r>
+              <a:rPr lang="en-US" dirty="0"/>
+              <a:t>- Used </a:t>
+            </a:r>
+            <a:r>
+              <a:rPr lang="en-US" dirty="0" err="1"/>
+              <a:t>PyMongo</a:t>
+            </a:r>
+            <a:r>
+              <a:rPr lang="en-US" dirty="0"/>
+              <a:t> for connecting to MongoDB and querying the data</a:t>
+            </a:r>
+          </a:p>
+          <a:p>
+            <a:pPr marL="0" indent="0">
+              <a:buNone/>
+            </a:pPr>
+            <a:endParaRPr lang="en-US" dirty="0"/>
+          </a:p>
+          <a:p>
             <a:pPr marL="0" indent="0">
               <a:buNone/>
             </a:pPr>
@@ -6767,31 +7386,35 @@
           </a:p>
         </p:txBody>
       </p:sp>
-      <p:sp>
-        <p:nvSpPr>
-          <p:cNvPr id="3" name="Content Placeholder 2">
+      <p:pic>
+        <p:nvPicPr>
+          <p:cNvPr id="5" name="Content Placeholder 4" descr="A screenshot of a social media post&#10;&#10;Description automatically generated">
             <a:extLst>
               <a:ext uri="{FF2B5EF4-FFF2-40B4-BE49-F238E27FC236}">
-                <a16:creationId xmlns:a16="http://schemas.microsoft.com/office/drawing/2014/main" id="{34C28BEA-29DC-8C48-980F-54F4ED6A7248}"/>
+                <a16:creationId xmlns:a16="http://schemas.microsoft.com/office/drawing/2014/main" id="{A78B164F-3C64-3847-B3D6-55D29E365D13}"/>
               </a:ext>
             </a:extLst>
           </p:cNvPr>
-          <p:cNvSpPr>
-            <a:spLocks noGrp="1"/>
-          </p:cNvSpPr>
+          <p:cNvPicPr>
+            <a:picLocks noGrp="1" noChangeAspect="1"/>
+          </p:cNvPicPr>
           <p:nvPr>
             <p:ph idx="1"/>
           </p:nvPr>
-        </p:nvSpPr>
-        <p:spPr/>
-        <p:txBody>
-          <a:bodyPr/>
-          <a:lstStyle/>
-          <a:p>
-            <a:endParaRPr lang="en-US"/>
-          </a:p>
-        </p:txBody>
-      </p:sp>
+        </p:nvPicPr>
+        <p:blipFill>
+          <a:blip r:embed="rId2"/>
+          <a:stretch>
+            <a:fillRect/>
+          </a:stretch>
+        </p:blipFill>
+        <p:spPr>
+          <a:xfrm>
+            <a:off x="2589245" y="2103438"/>
+            <a:ext cx="7013510" cy="3849687"/>
+          </a:xfrm>
+        </p:spPr>
+      </p:pic>
     </p:spTree>
     <p:extLst>
       <p:ext uri="{BB962C8B-B14F-4D97-AF65-F5344CB8AC3E}">

--- a/Presentation/Project 1 Presentation.pptx
+++ b/Presentation/Project 1 Presentation.pptx
@@ -5,7 +5,7 @@
     <p:sldMasterId id="2147483719" r:id="rId1"/>
   </p:sldMasterIdLst>
   <p:notesMasterIdLst>
-    <p:notesMasterId r:id="rId16"/>
+    <p:notesMasterId r:id="rId18"/>
   </p:notesMasterIdLst>
   <p:sldIdLst>
     <p:sldId id="256" r:id="rId2"/>
@@ -20,8 +20,10 @@
     <p:sldId id="280" r:id="rId11"/>
     <p:sldId id="281" r:id="rId12"/>
     <p:sldId id="282" r:id="rId13"/>
-    <p:sldId id="283" r:id="rId14"/>
-    <p:sldId id="274" r:id="rId15"/>
+    <p:sldId id="285" r:id="rId14"/>
+    <p:sldId id="286" r:id="rId15"/>
+    <p:sldId id="283" r:id="rId16"/>
+    <p:sldId id="274" r:id="rId17"/>
   </p:sldIdLst>
   <p:sldSz cx="12192000" cy="6858000"/>
   <p:notesSz cx="6858000" cy="9144000"/>
@@ -5747,16 +5749,7 @@
             </a:r>
             <a:r>
               <a:rPr lang="en-US" dirty="0"/>
-              <a:t>, Google charts,</a:t>
-            </a:r>
-          </a:p>
-          <a:p>
-            <a:pPr marL="0" indent="0">
-              <a:buNone/>
-            </a:pPr>
-            <a:r>
-              <a:rPr lang="en-US" dirty="0"/>
-              <a:t>   dc Charts ( for filtering the data set)</a:t>
+              <a:t>, Google charts, dc Charts ( for filtering the data set) and D3 to do header   animation</a:t>
             </a:r>
           </a:p>
           <a:p>
@@ -5950,6 +5943,249 @@
           <p:cNvPr id="2" name="Title 1">
             <a:extLst>
               <a:ext uri="{FF2B5EF4-FFF2-40B4-BE49-F238E27FC236}">
+                <a16:creationId xmlns:a16="http://schemas.microsoft.com/office/drawing/2014/main" id="{7C5414D2-8E8E-7945-84F5-BAE104269181}"/>
+              </a:ext>
+            </a:extLst>
+          </p:cNvPr>
+          <p:cNvSpPr>
+            <a:spLocks noGrp="1"/>
+          </p:cNvSpPr>
+          <p:nvPr>
+            <p:ph type="title"/>
+          </p:nvPr>
+        </p:nvSpPr>
+        <p:spPr/>
+        <p:txBody>
+          <a:bodyPr/>
+          <a:lstStyle/>
+          <a:p>
+            <a:r>
+              <a:rPr lang="en-US" b="0" dirty="0"/>
+              <a:t>Building the charts ( continued)</a:t>
+            </a:r>
+            <a:endParaRPr lang="en-US" dirty="0"/>
+          </a:p>
+        </p:txBody>
+      </p:sp>
+      <p:pic>
+        <p:nvPicPr>
+          <p:cNvPr id="5" name="Content Placeholder 4" descr="A screenshot of a cell phone&#10;&#10;Description automatically generated">
+            <a:extLst>
+              <a:ext uri="{FF2B5EF4-FFF2-40B4-BE49-F238E27FC236}">
+                <a16:creationId xmlns:a16="http://schemas.microsoft.com/office/drawing/2014/main" id="{7020ABB7-E015-EE44-8FA4-E717BB5BEABC}"/>
+              </a:ext>
+            </a:extLst>
+          </p:cNvPr>
+          <p:cNvPicPr>
+            <a:picLocks noGrp="1" noChangeAspect="1"/>
+          </p:cNvPicPr>
+          <p:nvPr>
+            <p:ph idx="1"/>
+          </p:nvPr>
+        </p:nvPicPr>
+        <p:blipFill>
+          <a:blip r:embed="rId2"/>
+          <a:stretch>
+            <a:fillRect/>
+          </a:stretch>
+        </p:blipFill>
+        <p:spPr>
+          <a:xfrm>
+            <a:off x="588206" y="2242845"/>
+            <a:ext cx="5507794" cy="3051050"/>
+          </a:xfrm>
+        </p:spPr>
+      </p:pic>
+      <p:pic>
+        <p:nvPicPr>
+          <p:cNvPr id="7" name="Picture 6" descr="A close up of a map&#10;&#10;Description automatically generated">
+            <a:extLst>
+              <a:ext uri="{FF2B5EF4-FFF2-40B4-BE49-F238E27FC236}">
+                <a16:creationId xmlns:a16="http://schemas.microsoft.com/office/drawing/2014/main" id="{B24FF0D1-DEE3-3B42-895F-194C11009152}"/>
+              </a:ext>
+            </a:extLst>
+          </p:cNvPr>
+          <p:cNvPicPr>
+            <a:picLocks noChangeAspect="1"/>
+          </p:cNvPicPr>
+          <p:nvPr/>
+        </p:nvPicPr>
+        <p:blipFill>
+          <a:blip r:embed="rId3"/>
+          <a:stretch>
+            <a:fillRect/>
+          </a:stretch>
+        </p:blipFill>
+        <p:spPr>
+          <a:xfrm>
+            <a:off x="6311626" y="2242845"/>
+            <a:ext cx="5292168" cy="3051050"/>
+          </a:xfrm>
+          <a:prstGeom prst="rect">
+            <a:avLst/>
+          </a:prstGeom>
+        </p:spPr>
+      </p:pic>
+    </p:spTree>
+    <p:extLst>
+      <p:ext uri="{BB962C8B-B14F-4D97-AF65-F5344CB8AC3E}">
+        <p14:creationId xmlns:p14="http://schemas.microsoft.com/office/powerpoint/2010/main" val="844959091"/>
+      </p:ext>
+    </p:extLst>
+  </p:cSld>
+  <p:clrMapOvr>
+    <a:masterClrMapping/>
+  </p:clrMapOvr>
+</p:sld>
+</file>
+
+<file path=ppt/slides/slide14.xml><?xml version="1.0" encoding="utf-8"?>
+<p:sld xmlns:a="http://schemas.openxmlformats.org/drawingml/2006/main" xmlns:r="http://schemas.openxmlformats.org/officeDocument/2006/relationships" xmlns:p="http://schemas.openxmlformats.org/presentationml/2006/main">
+  <p:cSld>
+    <p:spTree>
+      <p:nvGrpSpPr>
+        <p:cNvPr id="1" name=""/>
+        <p:cNvGrpSpPr/>
+        <p:nvPr/>
+      </p:nvGrpSpPr>
+      <p:grpSpPr>
+        <a:xfrm>
+          <a:off x="0" y="0"/>
+          <a:ext cx="0" cy="0"/>
+          <a:chOff x="0" y="0"/>
+          <a:chExt cx="0" cy="0"/>
+        </a:xfrm>
+      </p:grpSpPr>
+      <p:sp>
+        <p:nvSpPr>
+          <p:cNvPr id="2" name="Title 1">
+            <a:extLst>
+              <a:ext uri="{FF2B5EF4-FFF2-40B4-BE49-F238E27FC236}">
+                <a16:creationId xmlns:a16="http://schemas.microsoft.com/office/drawing/2014/main" id="{DBF25253-9737-314E-A405-B2D75088E596}"/>
+              </a:ext>
+            </a:extLst>
+          </p:cNvPr>
+          <p:cNvSpPr>
+            <a:spLocks noGrp="1"/>
+          </p:cNvSpPr>
+          <p:nvPr>
+            <p:ph type="title"/>
+          </p:nvPr>
+        </p:nvSpPr>
+        <p:spPr/>
+        <p:txBody>
+          <a:bodyPr/>
+          <a:lstStyle/>
+          <a:p>
+            <a:r>
+              <a:rPr lang="en-US" b="0" dirty="0"/>
+              <a:t>Building the charts with filtering </a:t>
+            </a:r>
+            <a:br>
+              <a:rPr lang="en-US" b="0" dirty="0"/>
+            </a:br>
+            <a:r>
+              <a:rPr lang="en-US" b="0" dirty="0"/>
+              <a:t>( continued)</a:t>
+            </a:r>
+            <a:endParaRPr lang="en-US" dirty="0"/>
+          </a:p>
+        </p:txBody>
+      </p:sp>
+      <p:pic>
+        <p:nvPicPr>
+          <p:cNvPr id="5" name="Content Placeholder 4" descr="A screenshot of a cell phone&#10;&#10;Description automatically generated">
+            <a:extLst>
+              <a:ext uri="{FF2B5EF4-FFF2-40B4-BE49-F238E27FC236}">
+                <a16:creationId xmlns:a16="http://schemas.microsoft.com/office/drawing/2014/main" id="{CF9FBE16-B331-0346-8666-DE6A29A62CB2}"/>
+              </a:ext>
+            </a:extLst>
+          </p:cNvPr>
+          <p:cNvPicPr>
+            <a:picLocks noGrp="1" noChangeAspect="1"/>
+          </p:cNvPicPr>
+          <p:nvPr>
+            <p:ph idx="1"/>
+          </p:nvPr>
+        </p:nvPicPr>
+        <p:blipFill>
+          <a:blip r:embed="rId2"/>
+          <a:stretch>
+            <a:fillRect/>
+          </a:stretch>
+        </p:blipFill>
+        <p:spPr>
+          <a:xfrm>
+            <a:off x="466124" y="2211723"/>
+            <a:ext cx="5407324" cy="3226552"/>
+          </a:xfrm>
+        </p:spPr>
+      </p:pic>
+      <p:pic>
+        <p:nvPicPr>
+          <p:cNvPr id="7" name="Picture 6" descr="A screenshot of a cell phone&#10;&#10;Description automatically generated">
+            <a:extLst>
+              <a:ext uri="{FF2B5EF4-FFF2-40B4-BE49-F238E27FC236}">
+                <a16:creationId xmlns:a16="http://schemas.microsoft.com/office/drawing/2014/main" id="{E15396DA-58CD-134A-BA1E-502668997D55}"/>
+              </a:ext>
+            </a:extLst>
+          </p:cNvPr>
+          <p:cNvPicPr>
+            <a:picLocks noChangeAspect="1"/>
+          </p:cNvPicPr>
+          <p:nvPr/>
+        </p:nvPicPr>
+        <p:blipFill>
+          <a:blip r:embed="rId3"/>
+          <a:stretch>
+            <a:fillRect/>
+          </a:stretch>
+        </p:blipFill>
+        <p:spPr>
+          <a:xfrm>
+            <a:off x="6190415" y="2211723"/>
+            <a:ext cx="5535461" cy="3226552"/>
+          </a:xfrm>
+          <a:prstGeom prst="rect">
+            <a:avLst/>
+          </a:prstGeom>
+        </p:spPr>
+      </p:pic>
+    </p:spTree>
+    <p:extLst>
+      <p:ext uri="{BB962C8B-B14F-4D97-AF65-F5344CB8AC3E}">
+        <p14:creationId xmlns:p14="http://schemas.microsoft.com/office/powerpoint/2010/main" val="1090864901"/>
+      </p:ext>
+    </p:extLst>
+  </p:cSld>
+  <p:clrMapOvr>
+    <a:masterClrMapping/>
+  </p:clrMapOvr>
+</p:sld>
+</file>
+
+<file path=ppt/slides/slide15.xml><?xml version="1.0" encoding="utf-8"?>
+<p:sld xmlns:a="http://schemas.openxmlformats.org/drawingml/2006/main" xmlns:r="http://schemas.openxmlformats.org/officeDocument/2006/relationships" xmlns:p="http://schemas.openxmlformats.org/presentationml/2006/main">
+  <p:cSld>
+    <p:spTree>
+      <p:nvGrpSpPr>
+        <p:cNvPr id="1" name=""/>
+        <p:cNvGrpSpPr/>
+        <p:nvPr/>
+      </p:nvGrpSpPr>
+      <p:grpSpPr>
+        <a:xfrm>
+          <a:off x="0" y="0"/>
+          <a:ext cx="0" cy="0"/>
+          <a:chOff x="0" y="0"/>
+          <a:chExt cx="0" cy="0"/>
+        </a:xfrm>
+      </p:grpSpPr>
+      <p:sp>
+        <p:nvSpPr>
+          <p:cNvPr id="2" name="Title 1">
+            <a:extLst>
+              <a:ext uri="{FF2B5EF4-FFF2-40B4-BE49-F238E27FC236}">
                 <a16:creationId xmlns:a16="http://schemas.microsoft.com/office/drawing/2014/main" id="{39B23943-76F7-C14E-96F6-89EAED829F2E}"/>
               </a:ext>
             </a:extLst>
@@ -6015,7 +6251,7 @@
 </p:sld>
 </file>
 
-<file path=ppt/slides/slide14.xml><?xml version="1.0" encoding="utf-8"?>
+<file path=ppt/slides/slide16.xml><?xml version="1.0" encoding="utf-8"?>
 <p:sld xmlns:a="http://schemas.openxmlformats.org/drawingml/2006/main" xmlns:r="http://schemas.openxmlformats.org/officeDocument/2006/relationships" xmlns:p="http://schemas.openxmlformats.org/presentationml/2006/main">
   <p:cSld>
     <p:bg>

--- a/Presentation/Project 1 Presentation.pptx
+++ b/Presentation/Project 1 Presentation.pptx
@@ -6853,7 +6853,16 @@
             </a:r>
             <a:r>
               <a:rPr lang="en-US" sz="1900" dirty="0"/>
-              <a:t> visualization libraries, Python, and MongoDB to display the covid-19 cases around the globe and in United States</a:t>
+              <a:t> libraries, Python, and MongoDB to display the </a:t>
+            </a:r>
+          </a:p>
+          <a:p>
+            <a:pPr marL="0" indent="0">
+              <a:buNone/>
+            </a:pPr>
+            <a:r>
+              <a:rPr lang="en-US" sz="1900" dirty="0"/>
+              <a:t> covid-19 cases around the globe and in United States</a:t>
             </a:r>
           </a:p>
           <a:p>
@@ -7104,7 +7113,7 @@
             </a:r>
             <a:r>
               <a:rPr lang="en-US" dirty="0"/>
-              <a:t>, DC charts, google Charts (visualization)</a:t>
+              <a:t>, DC charts, Google Charts (visualization)</a:t>
             </a:r>
           </a:p>
           <a:p>
@@ -7144,13 +7153,13 @@
             </a:r>
             <a:r>
               <a:rPr lang="en-US" dirty="0"/>
-              <a:t> to interacting with MongoDB (Notebook)</a:t>
+              <a:t> to interact with MongoDB (Notebook)</a:t>
             </a:r>
           </a:p>
           <a:p>
             <a:r>
               <a:rPr lang="en-US" dirty="0"/>
-              <a:t> Flask to build the server, for routing</a:t>
+              <a:t> Flask to build the server and routing</a:t>
             </a:r>
           </a:p>
           <a:p>

--- a/Presentation/Project 1 Presentation.pptx
+++ b/Presentation/Project 1 Presentation.pptx
@@ -554,6 +554,90 @@
     <p:extLst>
       <p:ext uri="{BB962C8B-B14F-4D97-AF65-F5344CB8AC3E}">
         <p14:creationId xmlns:p14="http://schemas.microsoft.com/office/powerpoint/2010/main" val="1165800202"/>
+      </p:ext>
+    </p:extLst>
+  </p:cSld>
+  <p:clrMapOvr>
+    <a:masterClrMapping/>
+  </p:clrMapOvr>
+</p:notes>
+</file>
+
+<file path=ppt/notesSlides/notesSlide2.xml><?xml version="1.0" encoding="utf-8"?>
+<p:notes xmlns:a="http://schemas.openxmlformats.org/drawingml/2006/main" xmlns:r="http://schemas.openxmlformats.org/officeDocument/2006/relationships" xmlns:p="http://schemas.openxmlformats.org/presentationml/2006/main">
+  <p:cSld>
+    <p:spTree>
+      <p:nvGrpSpPr>
+        <p:cNvPr id="1" name=""/>
+        <p:cNvGrpSpPr/>
+        <p:nvPr/>
+      </p:nvGrpSpPr>
+      <p:grpSpPr>
+        <a:xfrm>
+          <a:off x="0" y="0"/>
+          <a:ext cx="0" cy="0"/>
+          <a:chOff x="0" y="0"/>
+          <a:chExt cx="0" cy="0"/>
+        </a:xfrm>
+      </p:grpSpPr>
+      <p:sp>
+        <p:nvSpPr>
+          <p:cNvPr id="2" name="Slide Image Placeholder 1"/>
+          <p:cNvSpPr>
+            <a:spLocks noGrp="1" noRot="1" noChangeAspect="1"/>
+          </p:cNvSpPr>
+          <p:nvPr>
+            <p:ph type="sldImg"/>
+          </p:nvPr>
+        </p:nvSpPr>
+        <p:spPr/>
+      </p:sp>
+      <p:sp>
+        <p:nvSpPr>
+          <p:cNvPr id="3" name="Notes Placeholder 2"/>
+          <p:cNvSpPr>
+            <a:spLocks noGrp="1"/>
+          </p:cNvSpPr>
+          <p:nvPr>
+            <p:ph type="body" idx="1"/>
+          </p:nvPr>
+        </p:nvSpPr>
+        <p:spPr/>
+        <p:txBody>
+          <a:bodyPr/>
+          <a:lstStyle/>
+          <a:p>
+            <a:endParaRPr lang="en-US" dirty="0"/>
+          </a:p>
+        </p:txBody>
+      </p:sp>
+      <p:sp>
+        <p:nvSpPr>
+          <p:cNvPr id="4" name="Slide Number Placeholder 3"/>
+          <p:cNvSpPr>
+            <a:spLocks noGrp="1"/>
+          </p:cNvSpPr>
+          <p:nvPr>
+            <p:ph type="sldNum" sz="quarter" idx="5"/>
+          </p:nvPr>
+        </p:nvSpPr>
+        <p:spPr/>
+        <p:txBody>
+          <a:bodyPr/>
+          <a:lstStyle/>
+          <a:p>
+            <a:fld id="{91B5946F-1EBA-3E43-AD0A-6E228CF90309}" type="slidenum">
+              <a:rPr lang="en-US" smtClean="0"/>
+              <a:t>8</a:t>
+            </a:fld>
+            <a:endParaRPr lang="en-US"/>
+          </a:p>
+        </p:txBody>
+      </p:sp>
+    </p:spTree>
+    <p:extLst>
+      <p:ext uri="{BB962C8B-B14F-4D97-AF65-F5344CB8AC3E}">
+        <p14:creationId xmlns:p14="http://schemas.microsoft.com/office/powerpoint/2010/main" val="950076699"/>
       </p:ext>
     </p:extLst>
   </p:cSld>
@@ -7619,7 +7703,11 @@
             </a:br>
             <a:r>
               <a:rPr lang="en-US" sz="3100" b="0" dirty="0"/>
-              <a:t>Storing the data in MongoDB and Interacting with database using Python</a:t>
+              <a:t>Storing the data in MongoDB and Interacting with database using </a:t>
+            </a:r>
+            <a:r>
+              <a:rPr lang="en-US" sz="3100" b="0" dirty="0" err="1"/>
+              <a:t>PyMongo</a:t>
             </a:r>
             <a:br>
               <a:rPr lang="en-US" b="0" dirty="0"/>

--- a/Presentation/Project 1 Presentation.pptx
+++ b/Presentation/Project 1 Presentation.pptx
@@ -128,6 +128,104 @@
     </p:ext>
   </p:extLst>
 </p:presentation>
+</file>
+
+<file path=ppt/revisionInfo.xml><?xml version="1.0" encoding="utf-8"?>
+<p1510:revInfo xmlns:a="http://schemas.openxmlformats.org/drawingml/2006/main" xmlns:r="http://schemas.openxmlformats.org/officeDocument/2006/relationships" xmlns:p1510="http://schemas.microsoft.com/office/powerpoint/2015/10/main">
+  <p1510:revLst>
+    <p1510:client id="{BFA4FF2B-A1B5-114E-AA3F-FEA301CD5D67}" v="9" dt="2020-04-07T02:47:49.062"/>
+  </p1510:revLst>
+</p1510:revInfo>
+</file>
+
+<file path=ppt/changesInfos/changesInfo1.xml><?xml version="1.0" encoding="utf-8"?>
+<pc:chgInfo xmlns:a="http://schemas.openxmlformats.org/drawingml/2006/main" xmlns:r="http://schemas.openxmlformats.org/officeDocument/2006/relationships" xmlns:ac="http://schemas.microsoft.com/office/drawing/2013/main/command" xmlns:pc="http://schemas.microsoft.com/office/powerpoint/2013/main/command">
+  <pc:docChgLst>
+    <pc:chgData name="Alexis Perumal" userId="6bacb2ee70178176" providerId="LiveId" clId="{BFA4FF2B-A1B5-114E-AA3F-FEA301CD5D67}"/>
+    <pc:docChg chg="undo custSel modSld">
+      <pc:chgData name="Alexis Perumal" userId="6bacb2ee70178176" providerId="LiveId" clId="{BFA4FF2B-A1B5-114E-AA3F-FEA301CD5D67}" dt="2020-04-07T02:47:49.062" v="170" actId="207"/>
+      <pc:docMkLst>
+        <pc:docMk/>
+      </pc:docMkLst>
+      <pc:sldChg chg="addSp modSp">
+        <pc:chgData name="Alexis Perumal" userId="6bacb2ee70178176" providerId="LiveId" clId="{BFA4FF2B-A1B5-114E-AA3F-FEA301CD5D67}" dt="2020-04-07T02:00:42.809" v="40" actId="1076"/>
+        <pc:sldMkLst>
+          <pc:docMk/>
+          <pc:sldMk cId="1871487841" sldId="256"/>
+        </pc:sldMkLst>
+        <pc:spChg chg="mod">
+          <ac:chgData name="Alexis Perumal" userId="6bacb2ee70178176" providerId="LiveId" clId="{BFA4FF2B-A1B5-114E-AA3F-FEA301CD5D67}" dt="2020-04-07T02:00:07.169" v="4" actId="20577"/>
+          <ac:spMkLst>
+            <pc:docMk/>
+            <pc:sldMk cId="1871487841" sldId="256"/>
+            <ac:spMk id="2" creationId="{2C86C59D-40FB-0E48-993C-822CE8547ABB}"/>
+          </ac:spMkLst>
+        </pc:spChg>
+        <pc:spChg chg="add mod">
+          <ac:chgData name="Alexis Perumal" userId="6bacb2ee70178176" providerId="LiveId" clId="{BFA4FF2B-A1B5-114E-AA3F-FEA301CD5D67}" dt="2020-04-07T02:00:42.809" v="40" actId="1076"/>
+          <ac:spMkLst>
+            <pc:docMk/>
+            <pc:sldMk cId="1871487841" sldId="256"/>
+            <ac:spMk id="4" creationId="{717A170A-5C26-2F47-9EA6-AC22E3174246}"/>
+          </ac:spMkLst>
+        </pc:spChg>
+      </pc:sldChg>
+      <pc:sldChg chg="modSp">
+        <pc:chgData name="Alexis Perumal" userId="6bacb2ee70178176" providerId="LiveId" clId="{BFA4FF2B-A1B5-114E-AA3F-FEA301CD5D67}" dt="2020-04-07T02:03:58.698" v="106" actId="6549"/>
+        <pc:sldMkLst>
+          <pc:docMk/>
+          <pc:sldMk cId="4159077925" sldId="257"/>
+        </pc:sldMkLst>
+        <pc:spChg chg="mod">
+          <ac:chgData name="Alexis Perumal" userId="6bacb2ee70178176" providerId="LiveId" clId="{BFA4FF2B-A1B5-114E-AA3F-FEA301CD5D67}" dt="2020-04-07T02:03:58.698" v="106" actId="6549"/>
+          <ac:spMkLst>
+            <pc:docMk/>
+            <pc:sldMk cId="4159077925" sldId="257"/>
+            <ac:spMk id="3" creationId="{94EDB890-7A1F-F749-88F5-1830073E8538}"/>
+          </ac:spMkLst>
+        </pc:spChg>
+      </pc:sldChg>
+      <pc:sldChg chg="addSp modSp">
+        <pc:chgData name="Alexis Perumal" userId="6bacb2ee70178176" providerId="LiveId" clId="{BFA4FF2B-A1B5-114E-AA3F-FEA301CD5D67}" dt="2020-04-07T02:47:49.062" v="170" actId="207"/>
+        <pc:sldMkLst>
+          <pc:docMk/>
+          <pc:sldMk cId="3524609305" sldId="270"/>
+        </pc:sldMkLst>
+        <pc:spChg chg="add mod">
+          <ac:chgData name="Alexis Perumal" userId="6bacb2ee70178176" providerId="LiveId" clId="{BFA4FF2B-A1B5-114E-AA3F-FEA301CD5D67}" dt="2020-04-07T02:47:49.062" v="170" actId="207"/>
+          <ac:spMkLst>
+            <pc:docMk/>
+            <pc:sldMk cId="3524609305" sldId="270"/>
+            <ac:spMk id="2" creationId="{D2821902-7152-C440-8EA6-90230D465B5E}"/>
+          </ac:spMkLst>
+        </pc:spChg>
+        <pc:spChg chg="mod">
+          <ac:chgData name="Alexis Perumal" userId="6bacb2ee70178176" providerId="LiveId" clId="{BFA4FF2B-A1B5-114E-AA3F-FEA301CD5D67}" dt="2020-04-07T02:03:06.477" v="101" actId="20577"/>
+          <ac:spMkLst>
+            <pc:docMk/>
+            <pc:sldMk cId="3524609305" sldId="270"/>
+            <ac:spMk id="3" creationId="{0AE583CC-2A2B-DC4F-92C9-ADE3575749D3}"/>
+          </ac:spMkLst>
+        </pc:spChg>
+      </pc:sldChg>
+      <pc:sldChg chg="addSp modSp">
+        <pc:chgData name="Alexis Perumal" userId="6bacb2ee70178176" providerId="LiveId" clId="{BFA4FF2B-A1B5-114E-AA3F-FEA301CD5D67}" dt="2020-04-07T02:05:45.853" v="109" actId="1076"/>
+        <pc:sldMkLst>
+          <pc:docMk/>
+          <pc:sldMk cId="3100089833" sldId="277"/>
+        </pc:sldMkLst>
+        <pc:spChg chg="add mod">
+          <ac:chgData name="Alexis Perumal" userId="6bacb2ee70178176" providerId="LiveId" clId="{BFA4FF2B-A1B5-114E-AA3F-FEA301CD5D67}" dt="2020-04-07T02:05:45.853" v="109" actId="1076"/>
+          <ac:spMkLst>
+            <pc:docMk/>
+            <pc:sldMk cId="3100089833" sldId="277"/>
+            <ac:spMk id="3" creationId="{73B8402F-ABF0-0F42-9FB4-278E68AC3DCB}"/>
+          </ac:spMkLst>
+        </pc:spChg>
+      </pc:sldChg>
+    </pc:docChg>
+  </pc:docChgLst>
+</pc:chgInfo>
 </file>
 
 <file path=ppt/notesMasters/notesMaster1.xml><?xml version="1.0" encoding="utf-8"?>
@@ -5082,7 +5180,7 @@
             </a:br>
             <a:r>
               <a:rPr lang="en-US" sz="5800" dirty="0"/>
-              <a:t>Data Visualization of the Outbreak</a:t>
+              <a:t>Data Visualization of the 2020 Outbreak</a:t>
             </a:r>
             <a:endParaRPr lang="en-US" sz="5800" u="sng" dirty="0"/>
           </a:p>
@@ -5231,6 +5329,41 @@
           </a:ln>
           <a:effectLst/>
         </p:spPr>
+      </p:sp>
+      <p:sp>
+        <p:nvSpPr>
+          <p:cNvPr id="4" name="TextBox 3">
+            <a:extLst>
+              <a:ext uri="{FF2B5EF4-FFF2-40B4-BE49-F238E27FC236}">
+                <a16:creationId xmlns:a16="http://schemas.microsoft.com/office/drawing/2014/main" id="{717A170A-5C26-2F47-9EA6-AC22E3174246}"/>
+              </a:ext>
+            </a:extLst>
+          </p:cNvPr>
+          <p:cNvSpPr txBox="1"/>
+          <p:nvPr/>
+        </p:nvSpPr>
+        <p:spPr>
+          <a:xfrm>
+            <a:off x="9920867" y="6459851"/>
+            <a:ext cx="2084225" cy="253916"/>
+          </a:xfrm>
+          <a:prstGeom prst="rect">
+            <a:avLst/>
+          </a:prstGeom>
+          <a:noFill/>
+        </p:spPr>
+        <p:txBody>
+          <a:bodyPr wrap="none" rtlCol="0">
+            <a:spAutoFit/>
+          </a:bodyPr>
+          <a:lstStyle/>
+          <a:p>
+            <a:r>
+              <a:rPr lang="en-US" sz="1050" dirty="0"/>
+              <a:t>UCSD Data Bootcamp, 4/8/2020</a:t>
+            </a:r>
+          </a:p>
+        </p:txBody>
       </p:sp>
     </p:spTree>
     <p:extLst>
@@ -6595,7 +6728,7 @@
         </p:spPr>
         <p:txBody>
           <a:bodyPr>
-            <a:normAutofit lnSpcReduction="10000"/>
+            <a:normAutofit fontScale="92500" lnSpcReduction="20000"/>
           </a:bodyPr>
           <a:lstStyle/>
           <a:p>
@@ -6623,7 +6756,24 @@
             </a:r>
             <a:r>
               <a:rPr lang="en-US" sz="2000" dirty="0"/>
-              <a:t>1. Goal, </a:t>
+              <a:t>1. The </a:t>
+            </a:r>
+            <a:r>
+              <a:rPr lang="en-US" sz="2000" dirty="0" err="1"/>
+              <a:t>Covid</a:t>
+            </a:r>
+            <a:r>
+              <a:rPr lang="en-US" sz="2000" dirty="0"/>
+              <a:t> Pandemic</a:t>
+            </a:r>
+          </a:p>
+          <a:p>
+            <a:pPr marL="0" indent="0">
+              <a:buNone/>
+            </a:pPr>
+            <a:r>
+              <a:rPr lang="en-US" sz="2000" dirty="0"/>
+              <a:t>Goal, </a:t>
             </a:r>
             <a:r>
               <a:rPr lang="en-US" sz="1800" dirty="0"/>
@@ -6740,6 +6890,51 @@
           </a:fontRef>
         </p:style>
       </p:cxnSp>
+      <p:sp>
+        <p:nvSpPr>
+          <p:cNvPr id="2" name="TextBox 1">
+            <a:extLst>
+              <a:ext uri="{FF2B5EF4-FFF2-40B4-BE49-F238E27FC236}">
+                <a16:creationId xmlns:a16="http://schemas.microsoft.com/office/drawing/2014/main" id="{D2821902-7152-C440-8EA6-90230D465B5E}"/>
+              </a:ext>
+            </a:extLst>
+          </p:cNvPr>
+          <p:cNvSpPr txBox="1"/>
+          <p:nvPr/>
+        </p:nvSpPr>
+        <p:spPr>
+          <a:xfrm>
+            <a:off x="6096000" y="905256"/>
+            <a:ext cx="5279715" cy="369332"/>
+          </a:xfrm>
+          <a:prstGeom prst="rect">
+            <a:avLst/>
+          </a:prstGeom>
+          <a:solidFill>
+            <a:srgbClr val="FFC000"/>
+          </a:solidFill>
+        </p:spPr>
+        <p:txBody>
+          <a:bodyPr wrap="none" rtlCol="0">
+            <a:spAutoFit/>
+          </a:bodyPr>
+          <a:lstStyle/>
+          <a:p>
+            <a:r>
+              <a:rPr lang="en-US" dirty="0"/>
+              <a:t>Add reference to static and flask/</a:t>
+            </a:r>
+            <a:r>
+              <a:rPr lang="en-US" dirty="0" err="1"/>
+              <a:t>mongoDB</a:t>
+            </a:r>
+            <a:r>
+              <a:rPr lang="en-US" dirty="0"/>
+              <a:t> variants.</a:t>
+            </a:r>
+          </a:p>
+        </p:txBody>
+      </p:sp>
     </p:spTree>
     <p:extLst>
       <p:ext uri="{BB962C8B-B14F-4D97-AF65-F5344CB8AC3E}">
@@ -6995,7 +7190,7 @@
             </a:pPr>
             <a:r>
               <a:rPr lang="en-US" dirty="0"/>
-              <a:t>     * states and County data for united states from New York Times</a:t>
+              <a:t>     * US States and County data for united states from New York Times</a:t>
             </a:r>
           </a:p>
           <a:p>
@@ -7257,6 +7452,47 @@
               <a:buNone/>
             </a:pPr>
             <a:endParaRPr lang="en-US" sz="1900" dirty="0"/>
+          </a:p>
+        </p:txBody>
+      </p:sp>
+      <p:sp>
+        <p:nvSpPr>
+          <p:cNvPr id="3" name="Rectangle 2">
+            <a:extLst>
+              <a:ext uri="{FF2B5EF4-FFF2-40B4-BE49-F238E27FC236}">
+                <a16:creationId xmlns:a16="http://schemas.microsoft.com/office/drawing/2014/main" id="{73B8402F-ABF0-0F42-9FB4-278E68AC3DCB}"/>
+              </a:ext>
+            </a:extLst>
+          </p:cNvPr>
+          <p:cNvSpPr/>
+          <p:nvPr/>
+        </p:nvSpPr>
+        <p:spPr>
+          <a:xfrm>
+            <a:off x="3922791" y="5376710"/>
+            <a:ext cx="4080412" cy="369332"/>
+          </a:xfrm>
+          <a:prstGeom prst="rect">
+            <a:avLst/>
+          </a:prstGeom>
+        </p:spPr>
+        <p:txBody>
+          <a:bodyPr wrap="none">
+            <a:spAutoFit/>
+          </a:bodyPr>
+          <a:lstStyle/>
+          <a:p>
+            <a:r>
+              <a:rPr lang="en-US" u="sng" dirty="0">
+                <a:solidFill>
+                  <a:srgbClr val="0366D6"/>
+                </a:solidFill>
+                <a:latin typeface="-apple-system"/>
+                <a:hlinkClick r:id="rId2"/>
+              </a:rPr>
+              <a:t>https://alexisperumal.github.io/covid-19/</a:t>
+            </a:r>
+            <a:endParaRPr lang="en-US" dirty="0"/>
           </a:p>
         </p:txBody>
       </p:sp>

--- a/Presentation/Project 1 Presentation.pptx
+++ b/Presentation/Project 1 Presentation.pptx
@@ -8,10 +8,10 @@
     <p:notesMasterId r:id="rId18"/>
   </p:notesMasterIdLst>
   <p:sldIdLst>
-    <p:sldId id="256" r:id="rId2"/>
-    <p:sldId id="270" r:id="rId3"/>
-    <p:sldId id="284" r:id="rId4"/>
-    <p:sldId id="257" r:id="rId5"/>
+    <p:sldId id="291" r:id="rId2"/>
+    <p:sldId id="304" r:id="rId3"/>
+    <p:sldId id="302" r:id="rId4"/>
+    <p:sldId id="303" r:id="rId5"/>
     <p:sldId id="277" r:id="rId6"/>
     <p:sldId id="275" r:id="rId7"/>
     <p:sldId id="269" r:id="rId8"/>
@@ -22,8 +22,8 @@
     <p:sldId id="282" r:id="rId13"/>
     <p:sldId id="285" r:id="rId14"/>
     <p:sldId id="286" r:id="rId15"/>
-    <p:sldId id="283" r:id="rId16"/>
-    <p:sldId id="274" r:id="rId17"/>
+    <p:sldId id="274" r:id="rId16"/>
+    <p:sldId id="256" r:id="rId17"/>
   </p:sldIdLst>
   <p:sldSz cx="12192000" cy="6858000"/>
   <p:notesSz cx="6858000" cy="9144000"/>
@@ -133,7 +133,7 @@
 <file path=ppt/revisionInfo.xml><?xml version="1.0" encoding="utf-8"?>
 <p1510:revInfo xmlns:a="http://schemas.openxmlformats.org/drawingml/2006/main" xmlns:r="http://schemas.openxmlformats.org/officeDocument/2006/relationships" xmlns:p1510="http://schemas.microsoft.com/office/powerpoint/2015/10/main">
   <p1510:revLst>
-    <p1510:client id="{BFA4FF2B-A1B5-114E-AA3F-FEA301CD5D67}" v="9" dt="2020-04-07T02:47:49.062"/>
+    <p1510:client id="{BFA4FF2B-A1B5-114E-AA3F-FEA301CD5D67}" v="232" dt="2020-04-08T04:57:28.417"/>
   </p1510:revLst>
 </p1510:revInfo>
 </file>
@@ -142,36 +142,76 @@
 <pc:chgInfo xmlns:a="http://schemas.openxmlformats.org/drawingml/2006/main" xmlns:r="http://schemas.openxmlformats.org/officeDocument/2006/relationships" xmlns:ac="http://schemas.microsoft.com/office/drawing/2013/main/command" xmlns:pc="http://schemas.microsoft.com/office/powerpoint/2013/main/command">
   <pc:docChgLst>
     <pc:chgData name="Alexis Perumal" userId="6bacb2ee70178176" providerId="LiveId" clId="{BFA4FF2B-A1B5-114E-AA3F-FEA301CD5D67}"/>
-    <pc:docChg chg="undo custSel modSld">
-      <pc:chgData name="Alexis Perumal" userId="6bacb2ee70178176" providerId="LiveId" clId="{BFA4FF2B-A1B5-114E-AA3F-FEA301CD5D67}" dt="2020-04-07T02:47:49.062" v="170" actId="207"/>
+    <pc:docChg chg="undo custSel mod addSld delSld modSld sldOrd modMainMaster">
+      <pc:chgData name="Alexis Perumal" userId="6bacb2ee70178176" providerId="LiveId" clId="{BFA4FF2B-A1B5-114E-AA3F-FEA301CD5D67}" dt="2020-04-08T04:58:11.528" v="1026" actId="478"/>
       <pc:docMkLst>
         <pc:docMk/>
       </pc:docMkLst>
-      <pc:sldChg chg="addSp modSp">
-        <pc:chgData name="Alexis Perumal" userId="6bacb2ee70178176" providerId="LiveId" clId="{BFA4FF2B-A1B5-114E-AA3F-FEA301CD5D67}" dt="2020-04-07T02:00:42.809" v="40" actId="1076"/>
+      <pc:sldChg chg="addSp delSp modSp ord delDesignElem">
+        <pc:chgData name="Alexis Perumal" userId="6bacb2ee70178176" providerId="LiveId" clId="{BFA4FF2B-A1B5-114E-AA3F-FEA301CD5D67}" dt="2020-04-08T04:58:11.528" v="1026" actId="478"/>
         <pc:sldMkLst>
           <pc:docMk/>
           <pc:sldMk cId="1871487841" sldId="256"/>
         </pc:sldMkLst>
-        <pc:spChg chg="mod">
-          <ac:chgData name="Alexis Perumal" userId="6bacb2ee70178176" providerId="LiveId" clId="{BFA4FF2B-A1B5-114E-AA3F-FEA301CD5D67}" dt="2020-04-07T02:00:07.169" v="4" actId="20577"/>
+        <pc:spChg chg="del mod">
+          <ac:chgData name="Alexis Perumal" userId="6bacb2ee70178176" providerId="LiveId" clId="{BFA4FF2B-A1B5-114E-AA3F-FEA301CD5D67}" dt="2020-04-08T04:58:04.232" v="1024" actId="478"/>
           <ac:spMkLst>
             <pc:docMk/>
             <pc:sldMk cId="1871487841" sldId="256"/>
             <ac:spMk id="2" creationId="{2C86C59D-40FB-0E48-993C-822CE8547ABB}"/>
           </ac:spMkLst>
         </pc:spChg>
-        <pc:spChg chg="add mod">
-          <ac:chgData name="Alexis Perumal" userId="6bacb2ee70178176" providerId="LiveId" clId="{BFA4FF2B-A1B5-114E-AA3F-FEA301CD5D67}" dt="2020-04-07T02:00:42.809" v="40" actId="1076"/>
+        <pc:spChg chg="del mod">
+          <ac:chgData name="Alexis Perumal" userId="6bacb2ee70178176" providerId="LiveId" clId="{BFA4FF2B-A1B5-114E-AA3F-FEA301CD5D67}" dt="2020-04-08T04:58:11.528" v="1026" actId="478"/>
+          <ac:spMkLst>
+            <pc:docMk/>
+            <pc:sldMk cId="1871487841" sldId="256"/>
+            <ac:spMk id="3" creationId="{C69B6AD8-77FA-3441-894B-90F9D57B865C}"/>
+          </ac:spMkLst>
+        </pc:spChg>
+        <pc:spChg chg="add del mod">
+          <ac:chgData name="Alexis Perumal" userId="6bacb2ee70178176" providerId="LiveId" clId="{BFA4FF2B-A1B5-114E-AA3F-FEA301CD5D67}" dt="2020-04-08T04:58:07.264" v="1025" actId="478"/>
           <ac:spMkLst>
             <pc:docMk/>
             <pc:sldMk cId="1871487841" sldId="256"/>
             <ac:spMk id="4" creationId="{717A170A-5C26-2F47-9EA6-AC22E3174246}"/>
           </ac:spMkLst>
         </pc:spChg>
+        <pc:spChg chg="del">
+          <ac:chgData name="Alexis Perumal" userId="6bacb2ee70178176" providerId="LiveId" clId="{BFA4FF2B-A1B5-114E-AA3F-FEA301CD5D67}" dt="2020-04-08T03:41:48.721" v="278"/>
+          <ac:spMkLst>
+            <pc:docMk/>
+            <pc:sldMk cId="1871487841" sldId="256"/>
+            <ac:spMk id="38" creationId="{6F40FBDA-CEB1-40F0-9AB9-BD9C402D70FE}"/>
+          </ac:spMkLst>
+        </pc:spChg>
+        <pc:spChg chg="del">
+          <ac:chgData name="Alexis Perumal" userId="6bacb2ee70178176" providerId="LiveId" clId="{BFA4FF2B-A1B5-114E-AA3F-FEA301CD5D67}" dt="2020-04-08T03:41:48.721" v="278"/>
+          <ac:spMkLst>
+            <pc:docMk/>
+            <pc:sldMk cId="1871487841" sldId="256"/>
+            <ac:spMk id="40" creationId="{0344D4FE-ABEF-4230-9E4E-AD5782FC78AC}"/>
+          </ac:spMkLst>
+        </pc:spChg>
+        <pc:spChg chg="del">
+          <ac:chgData name="Alexis Perumal" userId="6bacb2ee70178176" providerId="LiveId" clId="{BFA4FF2B-A1B5-114E-AA3F-FEA301CD5D67}" dt="2020-04-08T03:41:48.721" v="278"/>
+          <ac:spMkLst>
+            <pc:docMk/>
+            <pc:sldMk cId="1871487841" sldId="256"/>
+            <ac:spMk id="42" creationId="{9325F979-D3F9-4926-81B7-7ACCB31A501B}"/>
+          </ac:spMkLst>
+        </pc:spChg>
+        <pc:picChg chg="mod">
+          <ac:chgData name="Alexis Perumal" userId="6bacb2ee70178176" providerId="LiveId" clId="{BFA4FF2B-A1B5-114E-AA3F-FEA301CD5D67}" dt="2020-04-08T03:47:12.039" v="375" actId="14100"/>
+          <ac:picMkLst>
+            <pc:docMk/>
+            <pc:sldMk cId="1871487841" sldId="256"/>
+            <ac:picMk id="5" creationId="{FC68B89D-57AC-3C4D-A7C8-4DDFE03E0910}"/>
+          </ac:picMkLst>
+        </pc:picChg>
       </pc:sldChg>
-      <pc:sldChg chg="modSp">
-        <pc:chgData name="Alexis Perumal" userId="6bacb2ee70178176" providerId="LiveId" clId="{BFA4FF2B-A1B5-114E-AA3F-FEA301CD5D67}" dt="2020-04-07T02:03:58.698" v="106" actId="6549"/>
+      <pc:sldChg chg="modSp del">
+        <pc:chgData name="Alexis Perumal" userId="6bacb2ee70178176" providerId="LiveId" clId="{BFA4FF2B-A1B5-114E-AA3F-FEA301CD5D67}" dt="2020-04-08T04:26:37.423" v="661" actId="2696"/>
         <pc:sldMkLst>
           <pc:docMk/>
           <pc:sldMk cId="4159077925" sldId="257"/>
@@ -185,8 +225,8 @@
           </ac:spMkLst>
         </pc:spChg>
       </pc:sldChg>
-      <pc:sldChg chg="addSp modSp">
-        <pc:chgData name="Alexis Perumal" userId="6bacb2ee70178176" providerId="LiveId" clId="{BFA4FF2B-A1B5-114E-AA3F-FEA301CD5D67}" dt="2020-04-07T02:47:49.062" v="170" actId="207"/>
+      <pc:sldChg chg="addSp modSp del">
+        <pc:chgData name="Alexis Perumal" userId="6bacb2ee70178176" providerId="LiveId" clId="{BFA4FF2B-A1B5-114E-AA3F-FEA301CD5D67}" dt="2020-04-08T04:26:37.389" v="659" actId="2696"/>
         <pc:sldMkLst>
           <pc:docMk/>
           <pc:sldMk cId="3524609305" sldId="270"/>
@@ -223,6 +263,874 @@
           </ac:spMkLst>
         </pc:spChg>
       </pc:sldChg>
+      <pc:sldChg chg="del">
+        <pc:chgData name="Alexis Perumal" userId="6bacb2ee70178176" providerId="LiveId" clId="{BFA4FF2B-A1B5-114E-AA3F-FEA301CD5D67}" dt="2020-04-08T04:57:45.081" v="1023" actId="2696"/>
+        <pc:sldMkLst>
+          <pc:docMk/>
+          <pc:sldMk cId="746613825" sldId="283"/>
+        </pc:sldMkLst>
+      </pc:sldChg>
+      <pc:sldChg chg="del">
+        <pc:chgData name="Alexis Perumal" userId="6bacb2ee70178176" providerId="LiveId" clId="{BFA4FF2B-A1B5-114E-AA3F-FEA301CD5D67}" dt="2020-04-08T04:26:37.401" v="660" actId="2696"/>
+        <pc:sldMkLst>
+          <pc:docMk/>
+          <pc:sldMk cId="3243646147" sldId="284"/>
+        </pc:sldMkLst>
+      </pc:sldChg>
+      <pc:sldChg chg="modSp add del ord">
+        <pc:chgData name="Alexis Perumal" userId="6bacb2ee70178176" providerId="LiveId" clId="{BFA4FF2B-A1B5-114E-AA3F-FEA301CD5D67}" dt="2020-04-08T04:25:17.911" v="658" actId="2696"/>
+        <pc:sldMkLst>
+          <pc:docMk/>
+          <pc:sldMk cId="1000026265" sldId="287"/>
+        </pc:sldMkLst>
+        <pc:spChg chg="mod">
+          <ac:chgData name="Alexis Perumal" userId="6bacb2ee70178176" providerId="LiveId" clId="{BFA4FF2B-A1B5-114E-AA3F-FEA301CD5D67}" dt="2020-04-08T03:48:16.369" v="379" actId="20577"/>
+          <ac:spMkLst>
+            <pc:docMk/>
+            <pc:sldMk cId="1000026265" sldId="287"/>
+            <ac:spMk id="2" creationId="{BC5DDA51-F6C6-B147-BF89-2EC41B3E4FEB}"/>
+          </ac:spMkLst>
+        </pc:spChg>
+        <pc:spChg chg="mod">
+          <ac:chgData name="Alexis Perumal" userId="6bacb2ee70178176" providerId="LiveId" clId="{BFA4FF2B-A1B5-114E-AA3F-FEA301CD5D67}" dt="2020-04-08T03:06:05.438" v="217" actId="20577"/>
+          <ac:spMkLst>
+            <pc:docMk/>
+            <pc:sldMk cId="1000026265" sldId="287"/>
+            <ac:spMk id="3" creationId="{ADB61A3E-A892-6449-8C3D-522EF8738787}"/>
+          </ac:spMkLst>
+        </pc:spChg>
+      </pc:sldChg>
+      <pc:sldChg chg="add del">
+        <pc:chgData name="Alexis Perumal" userId="6bacb2ee70178176" providerId="LiveId" clId="{BFA4FF2B-A1B5-114E-AA3F-FEA301CD5D67}" dt="2020-04-08T04:26:42.160" v="663" actId="2696"/>
+        <pc:sldMkLst>
+          <pc:docMk/>
+          <pc:sldMk cId="3344438039" sldId="288"/>
+        </pc:sldMkLst>
+      </pc:sldChg>
+      <pc:sldChg chg="modSp add del ord modNotesTx">
+        <pc:chgData name="Alexis Perumal" userId="6bacb2ee70178176" providerId="LiveId" clId="{BFA4FF2B-A1B5-114E-AA3F-FEA301CD5D67}" dt="2020-04-08T04:26:37.432" v="662" actId="2696"/>
+        <pc:sldMkLst>
+          <pc:docMk/>
+          <pc:sldMk cId="3576231843" sldId="289"/>
+        </pc:sldMkLst>
+        <pc:spChg chg="mod">
+          <ac:chgData name="Alexis Perumal" userId="6bacb2ee70178176" providerId="LiveId" clId="{BFA4FF2B-A1B5-114E-AA3F-FEA301CD5D67}" dt="2020-04-08T03:06:53.464" v="250" actId="20577"/>
+          <ac:spMkLst>
+            <pc:docMk/>
+            <pc:sldMk cId="3576231843" sldId="289"/>
+            <ac:spMk id="2" creationId="{BC5DDA51-F6C6-B147-BF89-2EC41B3E4FEB}"/>
+          </ac:spMkLst>
+        </pc:spChg>
+        <pc:spChg chg="mod">
+          <ac:chgData name="Alexis Perumal" userId="6bacb2ee70178176" providerId="LiveId" clId="{BFA4FF2B-A1B5-114E-AA3F-FEA301CD5D67}" dt="2020-04-08T03:07:06.397" v="256" actId="20577"/>
+          <ac:spMkLst>
+            <pc:docMk/>
+            <pc:sldMk cId="3576231843" sldId="289"/>
+            <ac:spMk id="3" creationId="{ADB61A3E-A892-6449-8C3D-522EF8738787}"/>
+          </ac:spMkLst>
+        </pc:spChg>
+      </pc:sldChg>
+      <pc:sldChg chg="add del">
+        <pc:chgData name="Alexis Perumal" userId="6bacb2ee70178176" providerId="LiveId" clId="{BFA4FF2B-A1B5-114E-AA3F-FEA301CD5D67}" dt="2020-04-08T03:50:09.517" v="420" actId="2696"/>
+        <pc:sldMkLst>
+          <pc:docMk/>
+          <pc:sldMk cId="2517473180" sldId="290"/>
+        </pc:sldMkLst>
+      </pc:sldChg>
+      <pc:sldChg chg="addSp delSp modSp add mod setBg setClrOvrMap">
+        <pc:chgData name="Alexis Perumal" userId="6bacb2ee70178176" providerId="LiveId" clId="{BFA4FF2B-A1B5-114E-AA3F-FEA301CD5D67}" dt="2020-04-08T04:56:12.110" v="1018" actId="207"/>
+        <pc:sldMkLst>
+          <pc:docMk/>
+          <pc:sldMk cId="942085001" sldId="291"/>
+        </pc:sldMkLst>
+        <pc:spChg chg="mod ord">
+          <ac:chgData name="Alexis Perumal" userId="6bacb2ee70178176" providerId="LiveId" clId="{BFA4FF2B-A1B5-114E-AA3F-FEA301CD5D67}" dt="2020-04-08T04:56:12.110" v="1018" actId="207"/>
+          <ac:spMkLst>
+            <pc:docMk/>
+            <pc:sldMk cId="942085001" sldId="291"/>
+            <ac:spMk id="2" creationId="{F291AFCA-B7CC-4B4F-9744-8814CB52B727}"/>
+          </ac:spMkLst>
+        </pc:spChg>
+        <pc:spChg chg="add mod ord">
+          <ac:chgData name="Alexis Perumal" userId="6bacb2ee70178176" providerId="LiveId" clId="{BFA4FF2B-A1B5-114E-AA3F-FEA301CD5D67}" dt="2020-04-08T04:51:27.421" v="980" actId="207"/>
+          <ac:spMkLst>
+            <pc:docMk/>
+            <pc:sldMk cId="942085001" sldId="291"/>
+            <ac:spMk id="5" creationId="{EA371769-8E8A-4B48-8A5E-E9683DA17CD5}"/>
+          </ac:spMkLst>
+        </pc:spChg>
+        <pc:spChg chg="add mod">
+          <ac:chgData name="Alexis Perumal" userId="6bacb2ee70178176" providerId="LiveId" clId="{BFA4FF2B-A1B5-114E-AA3F-FEA301CD5D67}" dt="2020-04-08T04:51:35.315" v="982" actId="207"/>
+          <ac:spMkLst>
+            <pc:docMk/>
+            <pc:sldMk cId="942085001" sldId="291"/>
+            <ac:spMk id="7" creationId="{A52CEDE5-3273-D440-AC95-0821D969FC9F}"/>
+          </ac:spMkLst>
+        </pc:spChg>
+        <pc:spChg chg="add mod">
+          <ac:chgData name="Alexis Perumal" userId="6bacb2ee70178176" providerId="LiveId" clId="{BFA4FF2B-A1B5-114E-AA3F-FEA301CD5D67}" dt="2020-04-08T04:51:31.770" v="981" actId="207"/>
+          <ac:spMkLst>
+            <pc:docMk/>
+            <pc:sldMk cId="942085001" sldId="291"/>
+            <ac:spMk id="9" creationId="{53D74E68-FCBC-B441-9F8C-7B0AD5B8228F}"/>
+          </ac:spMkLst>
+        </pc:spChg>
+        <pc:spChg chg="add del mod">
+          <ac:chgData name="Alexis Perumal" userId="6bacb2ee70178176" providerId="LiveId" clId="{BFA4FF2B-A1B5-114E-AA3F-FEA301CD5D67}" dt="2020-04-08T04:28:51.524" v="681"/>
+          <ac:spMkLst>
+            <pc:docMk/>
+            <pc:sldMk cId="942085001" sldId="291"/>
+            <ac:spMk id="10" creationId="{A63B5B87-3AB2-5C4F-AE8E-F9FFE85F2ABB}"/>
+          </ac:spMkLst>
+        </pc:spChg>
+        <pc:spChg chg="add">
+          <ac:chgData name="Alexis Perumal" userId="6bacb2ee70178176" providerId="LiveId" clId="{BFA4FF2B-A1B5-114E-AA3F-FEA301CD5D67}" dt="2020-04-08T04:31:58.816" v="685" actId="26606"/>
+          <ac:spMkLst>
+            <pc:docMk/>
+            <pc:sldMk cId="942085001" sldId="291"/>
+            <ac:spMk id="14" creationId="{904DB13E-F722-4ED6-BB00-556651E95281}"/>
+          </ac:spMkLst>
+        </pc:spChg>
+        <pc:spChg chg="add">
+          <ac:chgData name="Alexis Perumal" userId="6bacb2ee70178176" providerId="LiveId" clId="{BFA4FF2B-A1B5-114E-AA3F-FEA301CD5D67}" dt="2020-04-08T04:31:58.816" v="685" actId="26606"/>
+          <ac:spMkLst>
+            <pc:docMk/>
+            <pc:sldMk cId="942085001" sldId="291"/>
+            <ac:spMk id="16" creationId="{1D91E3E1-5159-4DA9-8C1A-3897E909473B}"/>
+          </ac:spMkLst>
+        </pc:spChg>
+        <pc:spChg chg="add">
+          <ac:chgData name="Alexis Perumal" userId="6bacb2ee70178176" providerId="LiveId" clId="{BFA4FF2B-A1B5-114E-AA3F-FEA301CD5D67}" dt="2020-04-08T04:31:58.816" v="685" actId="26606"/>
+          <ac:spMkLst>
+            <pc:docMk/>
+            <pc:sldMk cId="942085001" sldId="291"/>
+            <ac:spMk id="18" creationId="{A9EF7E53-E975-4A5C-BF5D-D874044856E9}"/>
+          </ac:spMkLst>
+        </pc:spChg>
+        <pc:spChg chg="add">
+          <ac:chgData name="Alexis Perumal" userId="6bacb2ee70178176" providerId="LiveId" clId="{BFA4FF2B-A1B5-114E-AA3F-FEA301CD5D67}" dt="2020-04-08T04:31:58.816" v="685" actId="26606"/>
+          <ac:spMkLst>
+            <pc:docMk/>
+            <pc:sldMk cId="942085001" sldId="291"/>
+            <ac:spMk id="20" creationId="{D5C53263-995C-49EE-9CA6-FE769A768880}"/>
+          </ac:spMkLst>
+        </pc:spChg>
+        <pc:spChg chg="add del mod">
+          <ac:chgData name="Alexis Perumal" userId="6bacb2ee70178176" providerId="LiveId" clId="{BFA4FF2B-A1B5-114E-AA3F-FEA301CD5D67}" dt="2020-04-08T04:34:09.387" v="705" actId="478"/>
+          <ac:spMkLst>
+            <pc:docMk/>
+            <pc:sldMk cId="942085001" sldId="291"/>
+            <ac:spMk id="26" creationId="{818E0DFE-F127-2E44-AA75-6D02E52FC1B0}"/>
+          </ac:spMkLst>
+        </pc:spChg>
+        <pc:spChg chg="add">
+          <ac:chgData name="Alexis Perumal" userId="6bacb2ee70178176" providerId="LiveId" clId="{BFA4FF2B-A1B5-114E-AA3F-FEA301CD5D67}" dt="2020-04-08T04:31:58.816" v="685" actId="26606"/>
+          <ac:spMkLst>
+            <pc:docMk/>
+            <pc:sldMk cId="942085001" sldId="291"/>
+            <ac:spMk id="27" creationId="{0E7CA313-2F4B-4574-8399-12EF6A1BF292}"/>
+          </ac:spMkLst>
+        </pc:spChg>
+        <pc:spChg chg="add mod">
+          <ac:chgData name="Alexis Perumal" userId="6bacb2ee70178176" providerId="LiveId" clId="{BFA4FF2B-A1B5-114E-AA3F-FEA301CD5D67}" dt="2020-04-08T04:45:13.983" v="882" actId="1036"/>
+          <ac:spMkLst>
+            <pc:docMk/>
+            <pc:sldMk cId="942085001" sldId="291"/>
+            <ac:spMk id="28" creationId="{6E0841A6-B6D2-7E46-821E-B1B2A681F67B}"/>
+          </ac:spMkLst>
+        </pc:spChg>
+        <pc:spChg chg="add">
+          <ac:chgData name="Alexis Perumal" userId="6bacb2ee70178176" providerId="LiveId" clId="{BFA4FF2B-A1B5-114E-AA3F-FEA301CD5D67}" dt="2020-04-08T04:31:58.816" v="685" actId="26606"/>
+          <ac:spMkLst>
+            <pc:docMk/>
+            <pc:sldMk cId="942085001" sldId="291"/>
+            <ac:spMk id="29" creationId="{2644B391-9BFE-445C-A9EC-F544BB85FBC7}"/>
+          </ac:spMkLst>
+        </pc:spChg>
+        <pc:spChg chg="add mod">
+          <ac:chgData name="Alexis Perumal" userId="6bacb2ee70178176" providerId="LiveId" clId="{BFA4FF2B-A1B5-114E-AA3F-FEA301CD5D67}" dt="2020-04-08T04:52:24.287" v="990" actId="207"/>
+          <ac:spMkLst>
+            <pc:docMk/>
+            <pc:sldMk cId="942085001" sldId="291"/>
+            <ac:spMk id="30" creationId="{7AE2918A-6B2E-D24C-B3CE-DF90BEA20A58}"/>
+          </ac:spMkLst>
+        </pc:spChg>
+        <pc:spChg chg="add">
+          <ac:chgData name="Alexis Perumal" userId="6bacb2ee70178176" providerId="LiveId" clId="{BFA4FF2B-A1B5-114E-AA3F-FEA301CD5D67}" dt="2020-04-08T04:31:58.816" v="685" actId="26606"/>
+          <ac:spMkLst>
+            <pc:docMk/>
+            <pc:sldMk cId="942085001" sldId="291"/>
+            <ac:spMk id="31" creationId="{80F26E69-87D9-4655-AE7B-280A87AA3CAD}"/>
+          </ac:spMkLst>
+        </pc:spChg>
+        <pc:spChg chg="add mod">
+          <ac:chgData name="Alexis Perumal" userId="6bacb2ee70178176" providerId="LiveId" clId="{BFA4FF2B-A1B5-114E-AA3F-FEA301CD5D67}" dt="2020-04-08T04:52:27.822" v="991" actId="207"/>
+          <ac:spMkLst>
+            <pc:docMk/>
+            <pc:sldMk cId="942085001" sldId="291"/>
+            <ac:spMk id="32" creationId="{55712276-B1A0-0546-9859-6D17F5BE97F3}"/>
+          </ac:spMkLst>
+        </pc:spChg>
+        <pc:spChg chg="add mod">
+          <ac:chgData name="Alexis Perumal" userId="6bacb2ee70178176" providerId="LiveId" clId="{BFA4FF2B-A1B5-114E-AA3F-FEA301CD5D67}" dt="2020-04-08T04:52:32.139" v="992" actId="207"/>
+          <ac:spMkLst>
+            <pc:docMk/>
+            <pc:sldMk cId="942085001" sldId="291"/>
+            <ac:spMk id="33" creationId="{E704EE12-1A6A-BA4F-B79D-4162D971BB5F}"/>
+          </ac:spMkLst>
+        </pc:spChg>
+        <pc:grpChg chg="add">
+          <ac:chgData name="Alexis Perumal" userId="6bacb2ee70178176" providerId="LiveId" clId="{BFA4FF2B-A1B5-114E-AA3F-FEA301CD5D67}" dt="2020-04-08T04:31:58.816" v="685" actId="26606"/>
+          <ac:grpSpMkLst>
+            <pc:docMk/>
+            <pc:sldMk cId="942085001" sldId="291"/>
+            <ac:grpSpMk id="22" creationId="{E26428D7-C6F3-473D-A360-A3F5C3E8728C}"/>
+          </ac:grpSpMkLst>
+        </pc:grpChg>
+        <pc:picChg chg="add del">
+          <ac:chgData name="Alexis Perumal" userId="6bacb2ee70178176" providerId="LiveId" clId="{BFA4FF2B-A1B5-114E-AA3F-FEA301CD5D67}" dt="2020-04-08T04:11:41.755" v="422" actId="478"/>
+          <ac:picMkLst>
+            <pc:docMk/>
+            <pc:sldMk cId="942085001" sldId="291"/>
+            <ac:picMk id="3" creationId="{6324520B-072B-AC4F-8779-9D3072CFF388}"/>
+          </ac:picMkLst>
+        </pc:picChg>
+        <pc:picChg chg="add mod">
+          <ac:chgData name="Alexis Perumal" userId="6bacb2ee70178176" providerId="LiveId" clId="{BFA4FF2B-A1B5-114E-AA3F-FEA301CD5D67}" dt="2020-04-08T04:51:13.406" v="978" actId="14100"/>
+          <ac:picMkLst>
+            <pc:docMk/>
+            <pc:sldMk cId="942085001" sldId="291"/>
+            <ac:picMk id="4" creationId="{31130F41-9048-D543-A70D-7C193B469607}"/>
+          </ac:picMkLst>
+        </pc:picChg>
+        <pc:picChg chg="add mod">
+          <ac:chgData name="Alexis Perumal" userId="6bacb2ee70178176" providerId="LiveId" clId="{BFA4FF2B-A1B5-114E-AA3F-FEA301CD5D67}" dt="2020-04-08T04:51:17.949" v="979" actId="14100"/>
+          <ac:picMkLst>
+            <pc:docMk/>
+            <pc:sldMk cId="942085001" sldId="291"/>
+            <ac:picMk id="6" creationId="{93D72CF6-4404-1047-BEA4-A0AF211757FB}"/>
+          </ac:picMkLst>
+        </pc:picChg>
+        <pc:picChg chg="add mod ord">
+          <ac:chgData name="Alexis Perumal" userId="6bacb2ee70178176" providerId="LiveId" clId="{BFA4FF2B-A1B5-114E-AA3F-FEA301CD5D67}" dt="2020-04-08T04:37:19.223" v="770"/>
+          <ac:picMkLst>
+            <pc:docMk/>
+            <pc:sldMk cId="942085001" sldId="291"/>
+            <ac:picMk id="8" creationId="{9CF95171-EC79-7345-8F4E-F680999572A9}"/>
+          </ac:picMkLst>
+        </pc:picChg>
+      </pc:sldChg>
+      <pc:sldChg chg="addSp delSp modSp add del">
+        <pc:chgData name="Alexis Perumal" userId="6bacb2ee70178176" providerId="LiveId" clId="{BFA4FF2B-A1B5-114E-AA3F-FEA301CD5D67}" dt="2020-04-08T04:49:28.551" v="963" actId="2696"/>
+        <pc:sldMkLst>
+          <pc:docMk/>
+          <pc:sldMk cId="3354882434" sldId="292"/>
+        </pc:sldMkLst>
+        <pc:spChg chg="add del mod">
+          <ac:chgData name="Alexis Perumal" userId="6bacb2ee70178176" providerId="LiveId" clId="{BFA4FF2B-A1B5-114E-AA3F-FEA301CD5D67}" dt="2020-04-08T04:24:58.351" v="652" actId="478"/>
+          <ac:spMkLst>
+            <pc:docMk/>
+            <pc:sldMk cId="3354882434" sldId="292"/>
+            <ac:spMk id="3" creationId="{22873DF9-2595-F448-86B8-D6A662449D7D}"/>
+          </ac:spMkLst>
+        </pc:spChg>
+        <pc:spChg chg="mod">
+          <ac:chgData name="Alexis Perumal" userId="6bacb2ee70178176" providerId="LiveId" clId="{BFA4FF2B-A1B5-114E-AA3F-FEA301CD5D67}" dt="2020-04-08T04:20:49.393" v="614" actId="207"/>
+          <ac:spMkLst>
+            <pc:docMk/>
+            <pc:sldMk cId="3354882434" sldId="292"/>
+            <ac:spMk id="7" creationId="{A52CEDE5-3273-D440-AC95-0821D969FC9F}"/>
+          </ac:spMkLst>
+        </pc:spChg>
+        <pc:spChg chg="mod">
+          <ac:chgData name="Alexis Perumal" userId="6bacb2ee70178176" providerId="LiveId" clId="{BFA4FF2B-A1B5-114E-AA3F-FEA301CD5D67}" dt="2020-04-08T04:20:13.503" v="580" actId="14861"/>
+          <ac:spMkLst>
+            <pc:docMk/>
+            <pc:sldMk cId="3354882434" sldId="292"/>
+            <ac:spMk id="9" creationId="{53D74E68-FCBC-B441-9F8C-7B0AD5B8228F}"/>
+          </ac:spMkLst>
+        </pc:spChg>
+        <pc:spChg chg="add mod">
+          <ac:chgData name="Alexis Perumal" userId="6bacb2ee70178176" providerId="LiveId" clId="{BFA4FF2B-A1B5-114E-AA3F-FEA301CD5D67}" dt="2020-04-08T04:23:20.214" v="634" actId="207"/>
+          <ac:spMkLst>
+            <pc:docMk/>
+            <pc:sldMk cId="3354882434" sldId="292"/>
+            <ac:spMk id="10" creationId="{4DE9579E-CA47-6446-BF1C-B41D0B9F155F}"/>
+          </ac:spMkLst>
+        </pc:spChg>
+        <pc:spChg chg="add mod">
+          <ac:chgData name="Alexis Perumal" userId="6bacb2ee70178176" providerId="LiveId" clId="{BFA4FF2B-A1B5-114E-AA3F-FEA301CD5D67}" dt="2020-04-08T04:24:31.905" v="648" actId="14100"/>
+          <ac:spMkLst>
+            <pc:docMk/>
+            <pc:sldMk cId="3354882434" sldId="292"/>
+            <ac:spMk id="11" creationId="{0F816034-2875-C048-8A95-FB89B7F8CBBE}"/>
+          </ac:spMkLst>
+        </pc:spChg>
+        <pc:picChg chg="mod">
+          <ac:chgData name="Alexis Perumal" userId="6bacb2ee70178176" providerId="LiveId" clId="{BFA4FF2B-A1B5-114E-AA3F-FEA301CD5D67}" dt="2020-04-08T04:20:26.002" v="613" actId="14861"/>
+          <ac:picMkLst>
+            <pc:docMk/>
+            <pc:sldMk cId="3354882434" sldId="292"/>
+            <ac:picMk id="4" creationId="{31130F41-9048-D543-A70D-7C193B469607}"/>
+          </ac:picMkLst>
+        </pc:picChg>
+        <pc:picChg chg="mod">
+          <ac:chgData name="Alexis Perumal" userId="6bacb2ee70178176" providerId="LiveId" clId="{BFA4FF2B-A1B5-114E-AA3F-FEA301CD5D67}" dt="2020-04-08T04:24:08.367" v="642" actId="14100"/>
+          <ac:picMkLst>
+            <pc:docMk/>
+            <pc:sldMk cId="3354882434" sldId="292"/>
+            <ac:picMk id="6" creationId="{93D72CF6-4404-1047-BEA4-A0AF211757FB}"/>
+          </ac:picMkLst>
+        </pc:picChg>
+        <pc:picChg chg="mod">
+          <ac:chgData name="Alexis Perumal" userId="6bacb2ee70178176" providerId="LiveId" clId="{BFA4FF2B-A1B5-114E-AA3F-FEA301CD5D67}" dt="2020-04-08T04:20:13.503" v="580" actId="14861"/>
+          <ac:picMkLst>
+            <pc:docMk/>
+            <pc:sldMk cId="3354882434" sldId="292"/>
+            <ac:picMk id="8" creationId="{9CF95171-EC79-7345-8F4E-F680999572A9}"/>
+          </ac:picMkLst>
+        </pc:picChg>
+      </pc:sldChg>
+      <pc:sldChg chg="add del">
+        <pc:chgData name="Alexis Perumal" userId="6bacb2ee70178176" providerId="LiveId" clId="{BFA4FF2B-A1B5-114E-AA3F-FEA301CD5D67}" dt="2020-04-08T04:25:17.896" v="656" actId="2696"/>
+        <pc:sldMkLst>
+          <pc:docMk/>
+          <pc:sldMk cId="1028153752" sldId="293"/>
+        </pc:sldMkLst>
+      </pc:sldChg>
+      <pc:sldChg chg="add del">
+        <pc:chgData name="Alexis Perumal" userId="6bacb2ee70178176" providerId="LiveId" clId="{BFA4FF2B-A1B5-114E-AA3F-FEA301CD5D67}" dt="2020-04-08T04:25:17.904" v="657" actId="2696"/>
+        <pc:sldMkLst>
+          <pc:docMk/>
+          <pc:sldMk cId="1311283420" sldId="294"/>
+        </pc:sldMkLst>
+      </pc:sldChg>
+      <pc:sldChg chg="delSp add del">
+        <pc:chgData name="Alexis Perumal" userId="6bacb2ee70178176" providerId="LiveId" clId="{BFA4FF2B-A1B5-114E-AA3F-FEA301CD5D67}" dt="2020-04-08T04:49:28.559" v="964" actId="2696"/>
+        <pc:sldMkLst>
+          <pc:docMk/>
+          <pc:sldMk cId="856905067" sldId="295"/>
+        </pc:sldMkLst>
+        <pc:spChg chg="del">
+          <ac:chgData name="Alexis Perumal" userId="6bacb2ee70178176" providerId="LiveId" clId="{BFA4FF2B-A1B5-114E-AA3F-FEA301CD5D67}" dt="2020-04-08T04:25:01.197" v="653" actId="478"/>
+          <ac:spMkLst>
+            <pc:docMk/>
+            <pc:sldMk cId="856905067" sldId="295"/>
+            <ac:spMk id="11" creationId="{0F816034-2875-C048-8A95-FB89B7F8CBBE}"/>
+          </ac:spMkLst>
+        </pc:spChg>
+      </pc:sldChg>
+      <pc:sldChg chg="delSp add del">
+        <pc:chgData name="Alexis Perumal" userId="6bacb2ee70178176" providerId="LiveId" clId="{BFA4FF2B-A1B5-114E-AA3F-FEA301CD5D67}" dt="2020-04-08T04:49:28.567" v="965" actId="2696"/>
+        <pc:sldMkLst>
+          <pc:docMk/>
+          <pc:sldMk cId="173937705" sldId="296"/>
+        </pc:sldMkLst>
+        <pc:spChg chg="del">
+          <ac:chgData name="Alexis Perumal" userId="6bacb2ee70178176" providerId="LiveId" clId="{BFA4FF2B-A1B5-114E-AA3F-FEA301CD5D67}" dt="2020-04-08T04:25:05.894" v="654" actId="478"/>
+          <ac:spMkLst>
+            <pc:docMk/>
+            <pc:sldMk cId="173937705" sldId="296"/>
+            <ac:spMk id="10" creationId="{4DE9579E-CA47-6446-BF1C-B41D0B9F155F}"/>
+          </ac:spMkLst>
+        </pc:spChg>
+      </pc:sldChg>
+      <pc:sldChg chg="add del">
+        <pc:chgData name="Alexis Perumal" userId="6bacb2ee70178176" providerId="LiveId" clId="{BFA4FF2B-A1B5-114E-AA3F-FEA301CD5D67}" dt="2020-04-08T04:25:17.885" v="655" actId="2696"/>
+        <pc:sldMkLst>
+          <pc:docMk/>
+          <pc:sldMk cId="3469615612" sldId="297"/>
+        </pc:sldMkLst>
+      </pc:sldChg>
+      <pc:sldChg chg="addSp delSp modSp add del">
+        <pc:chgData name="Alexis Perumal" userId="6bacb2ee70178176" providerId="LiveId" clId="{BFA4FF2B-A1B5-114E-AA3F-FEA301CD5D67}" dt="2020-04-08T04:49:28.345" v="959" actId="2696"/>
+        <pc:sldMkLst>
+          <pc:docMk/>
+          <pc:sldMk cId="3525277653" sldId="297"/>
+        </pc:sldMkLst>
+        <pc:spChg chg="add del mod">
+          <ac:chgData name="Alexis Perumal" userId="6bacb2ee70178176" providerId="LiveId" clId="{BFA4FF2B-A1B5-114E-AA3F-FEA301CD5D67}" dt="2020-04-08T04:36:01.926" v="727" actId="478"/>
+          <ac:spMkLst>
+            <pc:docMk/>
+            <pc:sldMk cId="3525277653" sldId="297"/>
+            <ac:spMk id="21" creationId="{5C4F277C-E685-7A4D-9BE6-4E0B709C0540}"/>
+          </ac:spMkLst>
+        </pc:spChg>
+        <pc:spChg chg="mod">
+          <ac:chgData name="Alexis Perumal" userId="6bacb2ee70178176" providerId="LiveId" clId="{BFA4FF2B-A1B5-114E-AA3F-FEA301CD5D67}" dt="2020-04-08T04:35:25.258" v="718" actId="14100"/>
+          <ac:spMkLst>
+            <pc:docMk/>
+            <pc:sldMk cId="3525277653" sldId="297"/>
+            <ac:spMk id="26" creationId="{818E0DFE-F127-2E44-AA75-6D02E52FC1B0}"/>
+          </ac:spMkLst>
+        </pc:spChg>
+        <pc:spChg chg="add mod">
+          <ac:chgData name="Alexis Perumal" userId="6bacb2ee70178176" providerId="LiveId" clId="{BFA4FF2B-A1B5-114E-AA3F-FEA301CD5D67}" dt="2020-04-08T04:35:00.958" v="715" actId="14100"/>
+          <ac:spMkLst>
+            <pc:docMk/>
+            <pc:sldMk cId="3525277653" sldId="297"/>
+            <ac:spMk id="28" creationId="{5AE3B686-8A82-664A-AFFA-10753B353086}"/>
+          </ac:spMkLst>
+        </pc:spChg>
+      </pc:sldChg>
+      <pc:sldChg chg="delSp add del setBg delDesignElem">
+        <pc:chgData name="Alexis Perumal" userId="6bacb2ee70178176" providerId="LiveId" clId="{BFA4FF2B-A1B5-114E-AA3F-FEA301CD5D67}" dt="2020-04-08T04:49:28.535" v="961" actId="2696"/>
+        <pc:sldMkLst>
+          <pc:docMk/>
+          <pc:sldMk cId="1174463553" sldId="298"/>
+        </pc:sldMkLst>
+        <pc:spChg chg="del">
+          <ac:chgData name="Alexis Perumal" userId="6bacb2ee70178176" providerId="LiveId" clId="{BFA4FF2B-A1B5-114E-AA3F-FEA301CD5D67}" dt="2020-04-08T04:35:35.261" v="720"/>
+          <ac:spMkLst>
+            <pc:docMk/>
+            <pc:sldMk cId="1174463553" sldId="298"/>
+            <ac:spMk id="14" creationId="{904DB13E-F722-4ED6-BB00-556651E95281}"/>
+          </ac:spMkLst>
+        </pc:spChg>
+        <pc:spChg chg="del">
+          <ac:chgData name="Alexis Perumal" userId="6bacb2ee70178176" providerId="LiveId" clId="{BFA4FF2B-A1B5-114E-AA3F-FEA301CD5D67}" dt="2020-04-08T04:35:35.261" v="720"/>
+          <ac:spMkLst>
+            <pc:docMk/>
+            <pc:sldMk cId="1174463553" sldId="298"/>
+            <ac:spMk id="16" creationId="{1D91E3E1-5159-4DA9-8C1A-3897E909473B}"/>
+          </ac:spMkLst>
+        </pc:spChg>
+        <pc:spChg chg="del">
+          <ac:chgData name="Alexis Perumal" userId="6bacb2ee70178176" providerId="LiveId" clId="{BFA4FF2B-A1B5-114E-AA3F-FEA301CD5D67}" dt="2020-04-08T04:35:35.261" v="720"/>
+          <ac:spMkLst>
+            <pc:docMk/>
+            <pc:sldMk cId="1174463553" sldId="298"/>
+            <ac:spMk id="18" creationId="{A9EF7E53-E975-4A5C-BF5D-D874044856E9}"/>
+          </ac:spMkLst>
+        </pc:spChg>
+        <pc:spChg chg="del">
+          <ac:chgData name="Alexis Perumal" userId="6bacb2ee70178176" providerId="LiveId" clId="{BFA4FF2B-A1B5-114E-AA3F-FEA301CD5D67}" dt="2020-04-08T04:35:35.261" v="720"/>
+          <ac:spMkLst>
+            <pc:docMk/>
+            <pc:sldMk cId="1174463553" sldId="298"/>
+            <ac:spMk id="20" creationId="{D5C53263-995C-49EE-9CA6-FE769A768880}"/>
+          </ac:spMkLst>
+        </pc:spChg>
+        <pc:spChg chg="del">
+          <ac:chgData name="Alexis Perumal" userId="6bacb2ee70178176" providerId="LiveId" clId="{BFA4FF2B-A1B5-114E-AA3F-FEA301CD5D67}" dt="2020-04-08T04:35:35.261" v="720"/>
+          <ac:spMkLst>
+            <pc:docMk/>
+            <pc:sldMk cId="1174463553" sldId="298"/>
+            <ac:spMk id="27" creationId="{0E7CA313-2F4B-4574-8399-12EF6A1BF292}"/>
+          </ac:spMkLst>
+        </pc:spChg>
+        <pc:spChg chg="del">
+          <ac:chgData name="Alexis Perumal" userId="6bacb2ee70178176" providerId="LiveId" clId="{BFA4FF2B-A1B5-114E-AA3F-FEA301CD5D67}" dt="2020-04-08T04:35:35.261" v="720"/>
+          <ac:spMkLst>
+            <pc:docMk/>
+            <pc:sldMk cId="1174463553" sldId="298"/>
+            <ac:spMk id="29" creationId="{2644B391-9BFE-445C-A9EC-F544BB85FBC7}"/>
+          </ac:spMkLst>
+        </pc:spChg>
+        <pc:spChg chg="del">
+          <ac:chgData name="Alexis Perumal" userId="6bacb2ee70178176" providerId="LiveId" clId="{BFA4FF2B-A1B5-114E-AA3F-FEA301CD5D67}" dt="2020-04-08T04:35:35.261" v="720"/>
+          <ac:spMkLst>
+            <pc:docMk/>
+            <pc:sldMk cId="1174463553" sldId="298"/>
+            <ac:spMk id="31" creationId="{80F26E69-87D9-4655-AE7B-280A87AA3CAD}"/>
+          </ac:spMkLst>
+        </pc:spChg>
+        <pc:grpChg chg="del">
+          <ac:chgData name="Alexis Perumal" userId="6bacb2ee70178176" providerId="LiveId" clId="{BFA4FF2B-A1B5-114E-AA3F-FEA301CD5D67}" dt="2020-04-08T04:35:35.261" v="720"/>
+          <ac:grpSpMkLst>
+            <pc:docMk/>
+            <pc:sldMk cId="1174463553" sldId="298"/>
+            <ac:grpSpMk id="22" creationId="{E26428D7-C6F3-473D-A360-A3F5C3E8728C}"/>
+          </ac:grpSpMkLst>
+        </pc:grpChg>
+      </pc:sldChg>
+      <pc:sldChg chg="delSp add del setBg delDesignElem">
+        <pc:chgData name="Alexis Perumal" userId="6bacb2ee70178176" providerId="LiveId" clId="{BFA4FF2B-A1B5-114E-AA3F-FEA301CD5D67}" dt="2020-04-08T04:49:28.543" v="962" actId="2696"/>
+        <pc:sldMkLst>
+          <pc:docMk/>
+          <pc:sldMk cId="3906926426" sldId="299"/>
+        </pc:sldMkLst>
+        <pc:spChg chg="del">
+          <ac:chgData name="Alexis Perumal" userId="6bacb2ee70178176" providerId="LiveId" clId="{BFA4FF2B-A1B5-114E-AA3F-FEA301CD5D67}" dt="2020-04-08T04:35:36.128" v="722"/>
+          <ac:spMkLst>
+            <pc:docMk/>
+            <pc:sldMk cId="3906926426" sldId="299"/>
+            <ac:spMk id="14" creationId="{904DB13E-F722-4ED6-BB00-556651E95281}"/>
+          </ac:spMkLst>
+        </pc:spChg>
+        <pc:spChg chg="del">
+          <ac:chgData name="Alexis Perumal" userId="6bacb2ee70178176" providerId="LiveId" clId="{BFA4FF2B-A1B5-114E-AA3F-FEA301CD5D67}" dt="2020-04-08T04:35:36.128" v="722"/>
+          <ac:spMkLst>
+            <pc:docMk/>
+            <pc:sldMk cId="3906926426" sldId="299"/>
+            <ac:spMk id="16" creationId="{1D91E3E1-5159-4DA9-8C1A-3897E909473B}"/>
+          </ac:spMkLst>
+        </pc:spChg>
+        <pc:spChg chg="del">
+          <ac:chgData name="Alexis Perumal" userId="6bacb2ee70178176" providerId="LiveId" clId="{BFA4FF2B-A1B5-114E-AA3F-FEA301CD5D67}" dt="2020-04-08T04:35:36.128" v="722"/>
+          <ac:spMkLst>
+            <pc:docMk/>
+            <pc:sldMk cId="3906926426" sldId="299"/>
+            <ac:spMk id="18" creationId="{A9EF7E53-E975-4A5C-BF5D-D874044856E9}"/>
+          </ac:spMkLst>
+        </pc:spChg>
+        <pc:spChg chg="del">
+          <ac:chgData name="Alexis Perumal" userId="6bacb2ee70178176" providerId="LiveId" clId="{BFA4FF2B-A1B5-114E-AA3F-FEA301CD5D67}" dt="2020-04-08T04:35:36.128" v="722"/>
+          <ac:spMkLst>
+            <pc:docMk/>
+            <pc:sldMk cId="3906926426" sldId="299"/>
+            <ac:spMk id="20" creationId="{D5C53263-995C-49EE-9CA6-FE769A768880}"/>
+          </ac:spMkLst>
+        </pc:spChg>
+        <pc:spChg chg="del">
+          <ac:chgData name="Alexis Perumal" userId="6bacb2ee70178176" providerId="LiveId" clId="{BFA4FF2B-A1B5-114E-AA3F-FEA301CD5D67}" dt="2020-04-08T04:35:36.128" v="722"/>
+          <ac:spMkLst>
+            <pc:docMk/>
+            <pc:sldMk cId="3906926426" sldId="299"/>
+            <ac:spMk id="27" creationId="{0E7CA313-2F4B-4574-8399-12EF6A1BF292}"/>
+          </ac:spMkLst>
+        </pc:spChg>
+        <pc:spChg chg="del">
+          <ac:chgData name="Alexis Perumal" userId="6bacb2ee70178176" providerId="LiveId" clId="{BFA4FF2B-A1B5-114E-AA3F-FEA301CD5D67}" dt="2020-04-08T04:35:36.128" v="722"/>
+          <ac:spMkLst>
+            <pc:docMk/>
+            <pc:sldMk cId="3906926426" sldId="299"/>
+            <ac:spMk id="29" creationId="{2644B391-9BFE-445C-A9EC-F544BB85FBC7}"/>
+          </ac:spMkLst>
+        </pc:spChg>
+        <pc:spChg chg="del">
+          <ac:chgData name="Alexis Perumal" userId="6bacb2ee70178176" providerId="LiveId" clId="{BFA4FF2B-A1B5-114E-AA3F-FEA301CD5D67}" dt="2020-04-08T04:35:36.128" v="722"/>
+          <ac:spMkLst>
+            <pc:docMk/>
+            <pc:sldMk cId="3906926426" sldId="299"/>
+            <ac:spMk id="31" creationId="{80F26E69-87D9-4655-AE7B-280A87AA3CAD}"/>
+          </ac:spMkLst>
+        </pc:spChg>
+        <pc:grpChg chg="del">
+          <ac:chgData name="Alexis Perumal" userId="6bacb2ee70178176" providerId="LiveId" clId="{BFA4FF2B-A1B5-114E-AA3F-FEA301CD5D67}" dt="2020-04-08T04:35:36.128" v="722"/>
+          <ac:grpSpMkLst>
+            <pc:docMk/>
+            <pc:sldMk cId="3906926426" sldId="299"/>
+            <ac:grpSpMk id="22" creationId="{E26428D7-C6F3-473D-A360-A3F5C3E8728C}"/>
+          </ac:grpSpMkLst>
+        </pc:grpChg>
+      </pc:sldChg>
+      <pc:sldChg chg="addSp delSp modSp add del setBg">
+        <pc:chgData name="Alexis Perumal" userId="6bacb2ee70178176" providerId="LiveId" clId="{BFA4FF2B-A1B5-114E-AA3F-FEA301CD5D67}" dt="2020-04-08T04:49:28.525" v="960" actId="2696"/>
+        <pc:sldMkLst>
+          <pc:docMk/>
+          <pc:sldMk cId="1345540743" sldId="300"/>
+        </pc:sldMkLst>
+        <pc:spChg chg="add del">
+          <ac:chgData name="Alexis Perumal" userId="6bacb2ee70178176" providerId="LiveId" clId="{BFA4FF2B-A1B5-114E-AA3F-FEA301CD5D67}" dt="2020-04-08T04:37:35.889" v="771" actId="478"/>
+          <ac:spMkLst>
+            <pc:docMk/>
+            <pc:sldMk cId="1345540743" sldId="300"/>
+            <ac:spMk id="28" creationId="{5AE3B686-8A82-664A-AFFA-10753B353086}"/>
+          </ac:spMkLst>
+        </pc:spChg>
+        <pc:picChg chg="mod">
+          <ac:chgData name="Alexis Perumal" userId="6bacb2ee70178176" providerId="LiveId" clId="{BFA4FF2B-A1B5-114E-AA3F-FEA301CD5D67}" dt="2020-04-08T04:37:57.511" v="783"/>
+          <ac:picMkLst>
+            <pc:docMk/>
+            <pc:sldMk cId="1345540743" sldId="300"/>
+            <ac:picMk id="8" creationId="{9CF95171-EC79-7345-8F4E-F680999572A9}"/>
+          </ac:picMkLst>
+        </pc:picChg>
+      </pc:sldChg>
+      <pc:sldChg chg="delSp modSp add del ord">
+        <pc:chgData name="Alexis Perumal" userId="6bacb2ee70178176" providerId="LiveId" clId="{BFA4FF2B-A1B5-114E-AA3F-FEA301CD5D67}" dt="2020-04-08T04:49:28.329" v="958" actId="2696"/>
+        <pc:sldMkLst>
+          <pc:docMk/>
+          <pc:sldMk cId="2904033535" sldId="301"/>
+        </pc:sldMkLst>
+        <pc:spChg chg="mod">
+          <ac:chgData name="Alexis Perumal" userId="6bacb2ee70178176" providerId="LiveId" clId="{BFA4FF2B-A1B5-114E-AA3F-FEA301CD5D67}" dt="2020-04-08T04:39:27.528" v="792" actId="404"/>
+          <ac:spMkLst>
+            <pc:docMk/>
+            <pc:sldMk cId="2904033535" sldId="301"/>
+            <ac:spMk id="5" creationId="{EA371769-8E8A-4B48-8A5E-E9683DA17CD5}"/>
+          </ac:spMkLst>
+        </pc:spChg>
+        <pc:spChg chg="del">
+          <ac:chgData name="Alexis Perumal" userId="6bacb2ee70178176" providerId="LiveId" clId="{BFA4FF2B-A1B5-114E-AA3F-FEA301CD5D67}" dt="2020-04-08T04:35:54.881" v="725" actId="478"/>
+          <ac:spMkLst>
+            <pc:docMk/>
+            <pc:sldMk cId="2904033535" sldId="301"/>
+            <ac:spMk id="26" creationId="{818E0DFE-F127-2E44-AA75-6D02E52FC1B0}"/>
+          </ac:spMkLst>
+        </pc:spChg>
+      </pc:sldChg>
+      <pc:sldChg chg="addSp delSp modSp add">
+        <pc:chgData name="Alexis Perumal" userId="6bacb2ee70178176" providerId="LiveId" clId="{BFA4FF2B-A1B5-114E-AA3F-FEA301CD5D67}" dt="2020-04-08T04:53:57.605" v="1003" actId="207"/>
+        <pc:sldMkLst>
+          <pc:docMk/>
+          <pc:sldMk cId="2657588141" sldId="302"/>
+        </pc:sldMkLst>
+        <pc:spChg chg="mod">
+          <ac:chgData name="Alexis Perumal" userId="6bacb2ee70178176" providerId="LiveId" clId="{BFA4FF2B-A1B5-114E-AA3F-FEA301CD5D67}" dt="2020-04-08T04:53:28.069" v="999" actId="207"/>
+          <ac:spMkLst>
+            <pc:docMk/>
+            <pc:sldMk cId="2657588141" sldId="302"/>
+            <ac:spMk id="5" creationId="{EA371769-8E8A-4B48-8A5E-E9683DA17CD5}"/>
+          </ac:spMkLst>
+        </pc:spChg>
+        <pc:spChg chg="add del mod">
+          <ac:chgData name="Alexis Perumal" userId="6bacb2ee70178176" providerId="LiveId" clId="{BFA4FF2B-A1B5-114E-AA3F-FEA301CD5D67}" dt="2020-04-08T04:53:21.566" v="998" actId="478"/>
+          <ac:spMkLst>
+            <pc:docMk/>
+            <pc:sldMk cId="2657588141" sldId="302"/>
+            <ac:spMk id="26" creationId="{B7E97BA1-A778-A54F-AE2A-D66DCA50D08C}"/>
+          </ac:spMkLst>
+        </pc:spChg>
+        <pc:spChg chg="mod">
+          <ac:chgData name="Alexis Perumal" userId="6bacb2ee70178176" providerId="LiveId" clId="{BFA4FF2B-A1B5-114E-AA3F-FEA301CD5D67}" dt="2020-04-08T04:53:32.457" v="1000" actId="207"/>
+          <ac:spMkLst>
+            <pc:docMk/>
+            <pc:sldMk cId="2657588141" sldId="302"/>
+            <ac:spMk id="28" creationId="{6E0841A6-B6D2-7E46-821E-B1B2A681F67B}"/>
+          </ac:spMkLst>
+        </pc:spChg>
+        <pc:spChg chg="mod">
+          <ac:chgData name="Alexis Perumal" userId="6bacb2ee70178176" providerId="LiveId" clId="{BFA4FF2B-A1B5-114E-AA3F-FEA301CD5D67}" dt="2020-04-08T04:53:46.994" v="1001" actId="207"/>
+          <ac:spMkLst>
+            <pc:docMk/>
+            <pc:sldMk cId="2657588141" sldId="302"/>
+            <ac:spMk id="30" creationId="{7AE2918A-6B2E-D24C-B3CE-DF90BEA20A58}"/>
+          </ac:spMkLst>
+        </pc:spChg>
+        <pc:spChg chg="mod">
+          <ac:chgData name="Alexis Perumal" userId="6bacb2ee70178176" providerId="LiveId" clId="{BFA4FF2B-A1B5-114E-AA3F-FEA301CD5D67}" dt="2020-04-08T04:53:52.877" v="1002" actId="207"/>
+          <ac:spMkLst>
+            <pc:docMk/>
+            <pc:sldMk cId="2657588141" sldId="302"/>
+            <ac:spMk id="32" creationId="{55712276-B1A0-0546-9859-6D17F5BE97F3}"/>
+          </ac:spMkLst>
+        </pc:spChg>
+        <pc:spChg chg="mod">
+          <ac:chgData name="Alexis Perumal" userId="6bacb2ee70178176" providerId="LiveId" clId="{BFA4FF2B-A1B5-114E-AA3F-FEA301CD5D67}" dt="2020-04-08T04:53:57.605" v="1003" actId="207"/>
+          <ac:spMkLst>
+            <pc:docMk/>
+            <pc:sldMk cId="2657588141" sldId="302"/>
+            <ac:spMk id="33" creationId="{E704EE12-1A6A-BA4F-B79D-4162D971BB5F}"/>
+          </ac:spMkLst>
+        </pc:spChg>
+        <pc:spChg chg="add mod">
+          <ac:chgData name="Alexis Perumal" userId="6bacb2ee70178176" providerId="LiveId" clId="{BFA4FF2B-A1B5-114E-AA3F-FEA301CD5D67}" dt="2020-04-08T04:50:47.328" v="974" actId="14100"/>
+          <ac:spMkLst>
+            <pc:docMk/>
+            <pc:sldMk cId="2657588141" sldId="302"/>
+            <ac:spMk id="34" creationId="{1B51A22D-32A4-8849-8671-E08D446A66BF}"/>
+          </ac:spMkLst>
+        </pc:spChg>
+        <pc:spChg chg="add mod">
+          <ac:chgData name="Alexis Perumal" userId="6bacb2ee70178176" providerId="LiveId" clId="{BFA4FF2B-A1B5-114E-AA3F-FEA301CD5D67}" dt="2020-04-08T04:50:38.902" v="973" actId="14100"/>
+          <ac:spMkLst>
+            <pc:docMk/>
+            <pc:sldMk cId="2657588141" sldId="302"/>
+            <ac:spMk id="35" creationId="{B8D086AF-1786-B149-A490-A868D528D63B}"/>
+          </ac:spMkLst>
+        </pc:spChg>
+      </pc:sldChg>
+      <pc:sldChg chg="delSp modSp add del">
+        <pc:chgData name="Alexis Perumal" userId="6bacb2ee70178176" providerId="LiveId" clId="{BFA4FF2B-A1B5-114E-AA3F-FEA301CD5D67}" dt="2020-04-08T04:52:18.997" v="987" actId="2696"/>
+        <pc:sldMkLst>
+          <pc:docMk/>
+          <pc:sldMk cId="1993322445" sldId="303"/>
+        </pc:sldMkLst>
+        <pc:spChg chg="mod">
+          <ac:chgData name="Alexis Perumal" userId="6bacb2ee70178176" providerId="LiveId" clId="{BFA4FF2B-A1B5-114E-AA3F-FEA301CD5D67}" dt="2020-04-08T04:52:09.871" v="986" actId="207"/>
+          <ac:spMkLst>
+            <pc:docMk/>
+            <pc:sldMk cId="1993322445" sldId="303"/>
+            <ac:spMk id="2" creationId="{F291AFCA-B7CC-4B4F-9744-8814CB52B727}"/>
+          </ac:spMkLst>
+        </pc:spChg>
+        <pc:spChg chg="del">
+          <ac:chgData name="Alexis Perumal" userId="6bacb2ee70178176" providerId="LiveId" clId="{BFA4FF2B-A1B5-114E-AA3F-FEA301CD5D67}" dt="2020-04-08T04:51:50.786" v="983" actId="478"/>
+          <ac:spMkLst>
+            <pc:docMk/>
+            <pc:sldMk cId="1993322445" sldId="303"/>
+            <ac:spMk id="26" creationId="{B7E97BA1-A778-A54F-AE2A-D66DCA50D08C}"/>
+          </ac:spMkLst>
+        </pc:spChg>
+        <pc:spChg chg="mod">
+          <ac:chgData name="Alexis Perumal" userId="6bacb2ee70178176" providerId="LiveId" clId="{BFA4FF2B-A1B5-114E-AA3F-FEA301CD5D67}" dt="2020-04-08T04:51:58.482" v="984" actId="207"/>
+          <ac:spMkLst>
+            <pc:docMk/>
+            <pc:sldMk cId="1993322445" sldId="303"/>
+            <ac:spMk id="30" creationId="{7AE2918A-6B2E-D24C-B3CE-DF90BEA20A58}"/>
+          </ac:spMkLst>
+        </pc:spChg>
+        <pc:spChg chg="mod">
+          <ac:chgData name="Alexis Perumal" userId="6bacb2ee70178176" providerId="LiveId" clId="{BFA4FF2B-A1B5-114E-AA3F-FEA301CD5D67}" dt="2020-04-08T04:52:05.513" v="985" actId="207"/>
+          <ac:spMkLst>
+            <pc:docMk/>
+            <pc:sldMk cId="1993322445" sldId="303"/>
+            <ac:spMk id="32" creationId="{55712276-B1A0-0546-9859-6D17F5BE97F3}"/>
+          </ac:spMkLst>
+        </pc:spChg>
+      </pc:sldChg>
+      <pc:sldChg chg="delSp modSp add">
+        <pc:chgData name="Alexis Perumal" userId="6bacb2ee70178176" providerId="LiveId" clId="{BFA4FF2B-A1B5-114E-AA3F-FEA301CD5D67}" dt="2020-04-08T04:54:40.105" v="1008" actId="207"/>
+        <pc:sldMkLst>
+          <pc:docMk/>
+          <pc:sldMk cId="3872068371" sldId="303"/>
+        </pc:sldMkLst>
+        <pc:spChg chg="mod">
+          <ac:chgData name="Alexis Perumal" userId="6bacb2ee70178176" providerId="LiveId" clId="{BFA4FF2B-A1B5-114E-AA3F-FEA301CD5D67}" dt="2020-04-08T04:54:22.548" v="1006" actId="207"/>
+          <ac:spMkLst>
+            <pc:docMk/>
+            <pc:sldMk cId="3872068371" sldId="303"/>
+            <ac:spMk id="9" creationId="{53D74E68-FCBC-B441-9F8C-7B0AD5B8228F}"/>
+          </ac:spMkLst>
+        </pc:spChg>
+        <pc:spChg chg="mod">
+          <ac:chgData name="Alexis Perumal" userId="6bacb2ee70178176" providerId="LiveId" clId="{BFA4FF2B-A1B5-114E-AA3F-FEA301CD5D67}" dt="2020-04-08T04:54:34.872" v="1007" actId="207"/>
+          <ac:spMkLst>
+            <pc:docMk/>
+            <pc:sldMk cId="3872068371" sldId="303"/>
+            <ac:spMk id="28" creationId="{6E0841A6-B6D2-7E46-821E-B1B2A681F67B}"/>
+          </ac:spMkLst>
+        </pc:spChg>
+        <pc:spChg chg="mod">
+          <ac:chgData name="Alexis Perumal" userId="6bacb2ee70178176" providerId="LiveId" clId="{BFA4FF2B-A1B5-114E-AA3F-FEA301CD5D67}" dt="2020-04-08T04:54:18.373" v="1005" actId="207"/>
+          <ac:spMkLst>
+            <pc:docMk/>
+            <pc:sldMk cId="3872068371" sldId="303"/>
+            <ac:spMk id="30" creationId="{7AE2918A-6B2E-D24C-B3CE-DF90BEA20A58}"/>
+          </ac:spMkLst>
+        </pc:spChg>
+        <pc:spChg chg="mod">
+          <ac:chgData name="Alexis Perumal" userId="6bacb2ee70178176" providerId="LiveId" clId="{BFA4FF2B-A1B5-114E-AA3F-FEA301CD5D67}" dt="2020-04-08T04:54:40.105" v="1008" actId="207"/>
+          <ac:spMkLst>
+            <pc:docMk/>
+            <pc:sldMk cId="3872068371" sldId="303"/>
+            <ac:spMk id="32" creationId="{55712276-B1A0-0546-9859-6D17F5BE97F3}"/>
+          </ac:spMkLst>
+        </pc:spChg>
+        <pc:spChg chg="del">
+          <ac:chgData name="Alexis Perumal" userId="6bacb2ee70178176" providerId="LiveId" clId="{BFA4FF2B-A1B5-114E-AA3F-FEA301CD5D67}" dt="2020-04-08T04:54:12.639" v="1004" actId="478"/>
+          <ac:spMkLst>
+            <pc:docMk/>
+            <pc:sldMk cId="3872068371" sldId="303"/>
+            <ac:spMk id="34" creationId="{1B51A22D-32A4-8849-8671-E08D446A66BF}"/>
+          </ac:spMkLst>
+        </pc:spChg>
+      </pc:sldChg>
+      <pc:sldChg chg="add">
+        <pc:chgData name="Alexis Perumal" userId="6bacb2ee70178176" providerId="LiveId" clId="{BFA4FF2B-A1B5-114E-AA3F-FEA301CD5D67}" dt="2020-04-08T04:57:28.416" v="1022"/>
+        <pc:sldMkLst>
+          <pc:docMk/>
+          <pc:sldMk cId="2258911787" sldId="304"/>
+        </pc:sldMkLst>
+      </pc:sldChg>
+      <pc:sldChg chg="delSp modSp add del">
+        <pc:chgData name="Alexis Perumal" userId="6bacb2ee70178176" providerId="LiveId" clId="{BFA4FF2B-A1B5-114E-AA3F-FEA301CD5D67}" dt="2020-04-08T04:56:50.151" v="1019" actId="2696"/>
+        <pc:sldMkLst>
+          <pc:docMk/>
+          <pc:sldMk cId="2323424265" sldId="304"/>
+        </pc:sldMkLst>
+        <pc:spChg chg="mod">
+          <ac:chgData name="Alexis Perumal" userId="6bacb2ee70178176" providerId="LiveId" clId="{BFA4FF2B-A1B5-114E-AA3F-FEA301CD5D67}" dt="2020-04-08T04:55:04.963" v="1013" actId="207"/>
+          <ac:spMkLst>
+            <pc:docMk/>
+            <pc:sldMk cId="2323424265" sldId="304"/>
+            <ac:spMk id="7" creationId="{A52CEDE5-3273-D440-AC95-0821D969FC9F}"/>
+          </ac:spMkLst>
+        </pc:spChg>
+        <pc:spChg chg="mod">
+          <ac:chgData name="Alexis Perumal" userId="6bacb2ee70178176" providerId="LiveId" clId="{BFA4FF2B-A1B5-114E-AA3F-FEA301CD5D67}" dt="2020-04-08T04:54:52.766" v="1010" actId="207"/>
+          <ac:spMkLst>
+            <pc:docMk/>
+            <pc:sldMk cId="2323424265" sldId="304"/>
+            <ac:spMk id="28" creationId="{6E0841A6-B6D2-7E46-821E-B1B2A681F67B}"/>
+          </ac:spMkLst>
+        </pc:spChg>
+        <pc:spChg chg="mod">
+          <ac:chgData name="Alexis Perumal" userId="6bacb2ee70178176" providerId="LiveId" clId="{BFA4FF2B-A1B5-114E-AA3F-FEA301CD5D67}" dt="2020-04-08T04:54:56.050" v="1011" actId="207"/>
+          <ac:spMkLst>
+            <pc:docMk/>
+            <pc:sldMk cId="2323424265" sldId="304"/>
+            <ac:spMk id="30" creationId="{7AE2918A-6B2E-D24C-B3CE-DF90BEA20A58}"/>
+          </ac:spMkLst>
+        </pc:spChg>
+        <pc:spChg chg="mod">
+          <ac:chgData name="Alexis Perumal" userId="6bacb2ee70178176" providerId="LiveId" clId="{BFA4FF2B-A1B5-114E-AA3F-FEA301CD5D67}" dt="2020-04-08T04:55:01.421" v="1012" actId="207"/>
+          <ac:spMkLst>
+            <pc:docMk/>
+            <pc:sldMk cId="2323424265" sldId="304"/>
+            <ac:spMk id="32" creationId="{55712276-B1A0-0546-9859-6D17F5BE97F3}"/>
+          </ac:spMkLst>
+        </pc:spChg>
+        <pc:spChg chg="del">
+          <ac:chgData name="Alexis Perumal" userId="6bacb2ee70178176" providerId="LiveId" clId="{BFA4FF2B-A1B5-114E-AA3F-FEA301CD5D67}" dt="2020-04-08T04:54:45.234" v="1009" actId="478"/>
+          <ac:spMkLst>
+            <pc:docMk/>
+            <pc:sldMk cId="2323424265" sldId="304"/>
+            <ac:spMk id="35" creationId="{B8D086AF-1786-B149-A490-A868D528D63B}"/>
+          </ac:spMkLst>
+        </pc:spChg>
+        <pc:picChg chg="mod">
+          <ac:chgData name="Alexis Perumal" userId="6bacb2ee70178176" providerId="LiveId" clId="{BFA4FF2B-A1B5-114E-AA3F-FEA301CD5D67}" dt="2020-04-08T04:55:39.749" v="1017"/>
+          <ac:picMkLst>
+            <pc:docMk/>
+            <pc:sldMk cId="2323424265" sldId="304"/>
+            <ac:picMk id="8" creationId="{9CF95171-EC79-7345-8F4E-F680999572A9}"/>
+          </ac:picMkLst>
+        </pc:picChg>
+      </pc:sldChg>
+      <pc:sldChg chg="add del">
+        <pc:chgData name="Alexis Perumal" userId="6bacb2ee70178176" providerId="LiveId" clId="{BFA4FF2B-A1B5-114E-AA3F-FEA301CD5D67}" dt="2020-04-08T04:52:19.188" v="988" actId="2696"/>
+        <pc:sldMkLst>
+          <pc:docMk/>
+          <pc:sldMk cId="2815395807" sldId="304"/>
+        </pc:sldMkLst>
+      </pc:sldChg>
+      <pc:sldChg chg="add del">
+        <pc:chgData name="Alexis Perumal" userId="6bacb2ee70178176" providerId="LiveId" clId="{BFA4FF2B-A1B5-114E-AA3F-FEA301CD5D67}" dt="2020-04-08T04:52:19.377" v="989" actId="2696"/>
+        <pc:sldMkLst>
+          <pc:docMk/>
+          <pc:sldMk cId="2973258052" sldId="305"/>
+        </pc:sldMkLst>
+      </pc:sldChg>
+      <pc:sldChg chg="add del">
+        <pc:chgData name="Alexis Perumal" userId="6bacb2ee70178176" providerId="LiveId" clId="{BFA4FF2B-A1B5-114E-AA3F-FEA301CD5D67}" dt="2020-04-08T04:56:50.351" v="1020" actId="2696"/>
+        <pc:sldMkLst>
+          <pc:docMk/>
+          <pc:sldMk cId="3772451177" sldId="305"/>
+        </pc:sldMkLst>
+      </pc:sldChg>
+      <pc:sldChg chg="add del">
+        <pc:chgData name="Alexis Perumal" userId="6bacb2ee70178176" providerId="LiveId" clId="{BFA4FF2B-A1B5-114E-AA3F-FEA301CD5D67}" dt="2020-04-08T04:56:50.547" v="1021" actId="2696"/>
+        <pc:sldMkLst>
+          <pc:docMk/>
+          <pc:sldMk cId="3284553060" sldId="306"/>
+        </pc:sldMkLst>
+      </pc:sldChg>
+      <pc:sldMasterChg chg="modSp modSldLayout">
+        <pc:chgData name="Alexis Perumal" userId="6bacb2ee70178176" providerId="LiveId" clId="{BFA4FF2B-A1B5-114E-AA3F-FEA301CD5D67}" dt="2020-04-08T04:31:10.358" v="684" actId="207"/>
+        <pc:sldMasterMkLst>
+          <pc:docMk/>
+          <pc:sldMasterMk cId="3882318753" sldId="2147483719"/>
+        </pc:sldMasterMkLst>
+        <pc:spChg chg="mod">
+          <ac:chgData name="Alexis Perumal" userId="6bacb2ee70178176" providerId="LiveId" clId="{BFA4FF2B-A1B5-114E-AA3F-FEA301CD5D67}" dt="2020-04-08T04:31:10.358" v="684" actId="207"/>
+          <ac:spMkLst>
+            <pc:docMk/>
+            <pc:sldMasterMk cId="3882318753" sldId="2147483719"/>
+            <ac:spMk id="9" creationId="{1E94681D-2A4C-4A8D-B9B5-31D440D0328D}"/>
+          </ac:spMkLst>
+        </pc:spChg>
+        <pc:sldLayoutChg chg="setBg">
+          <pc:chgData name="Alexis Perumal" userId="6bacb2ee70178176" providerId="LiveId" clId="{BFA4FF2B-A1B5-114E-AA3F-FEA301CD5D67}" dt="2020-04-08T04:30:53.703" v="682"/>
+          <pc:sldLayoutMkLst>
+            <pc:docMk/>
+            <pc:sldMasterMk cId="3882318753" sldId="2147483719"/>
+            <pc:sldLayoutMk cId="3163122186" sldId="2147483725"/>
+          </pc:sldLayoutMkLst>
+        </pc:sldLayoutChg>
+      </pc:sldMasterChg>
     </pc:docChg>
   </pc:docChgLst>
 </pc:chgInfo>
@@ -310,7 +1218,7 @@
           <a:p>
             <a:fld id="{4F26F593-1DB7-4648-9FC4-CE251E2DBA00}" type="datetimeFigureOut">
               <a:rPr lang="en-US" smtClean="0"/>
-              <a:t>4/6/20</a:t>
+              <a:t>4/7/20</a:t>
             </a:fld>
             <a:endParaRPr lang="en-US"/>
           </a:p>
@@ -1214,7 +2122,7 @@
           <a:p>
             <a:fld id="{EA0C0817-A112-4847-8014-A94B7D2A4EA3}" type="datetime1">
               <a:rPr lang="en-US" smtClean="0"/>
-              <a:t>4/6/20</a:t>
+              <a:t>4/7/20</a:t>
             </a:fld>
             <a:endParaRPr lang="en-US" dirty="0"/>
           </a:p>
@@ -1416,7 +2324,7 @@
           <a:p>
             <a:fld id="{134F40B7-36AB-4376-BE14-EF7004D79BB9}" type="datetime1">
               <a:rPr lang="en-US" smtClean="0"/>
-              <a:t>4/6/20</a:t>
+              <a:t>4/7/20</a:t>
             </a:fld>
             <a:endParaRPr lang="en-US"/>
           </a:p>
@@ -1596,7 +2504,7 @@
           <a:p>
             <a:fld id="{FF87CAB8-DCAE-46A5-AADA-B3FAD11A54E0}" type="datetime1">
               <a:rPr lang="en-US" smtClean="0"/>
-              <a:t>4/6/20</a:t>
+              <a:t>4/7/20</a:t>
             </a:fld>
             <a:endParaRPr lang="en-US"/>
           </a:p>
@@ -1766,7 +2674,7 @@
           <a:p>
             <a:fld id="{7332B432-ACDA-4023-A761-2BAB76577B62}" type="datetime1">
               <a:rPr lang="en-US" smtClean="0"/>
-              <a:t>4/6/20</a:t>
+              <a:t>4/7/20</a:t>
             </a:fld>
             <a:endParaRPr lang="en-US"/>
           </a:p>
@@ -2365,7 +3273,7 @@
           <a:p>
             <a:fld id="{D9C646AA-F36E-4540-911D-FFFC0A0EF24A}" type="datetime1">
               <a:rPr lang="en-US" smtClean="0"/>
-              <a:t>4/6/20</a:t>
+              <a:t>4/7/20</a:t>
             </a:fld>
             <a:endParaRPr lang="en-US" dirty="0"/>
           </a:p>
@@ -2685,7 +3593,7 @@
           <a:p>
             <a:fld id="{69186D26-FA5F-4637-B602-B7C2DC34CFD4}" type="datetime1">
               <a:rPr lang="en-US" smtClean="0"/>
-              <a:t>4/6/20</a:t>
+              <a:t>4/7/20</a:t>
             </a:fld>
             <a:endParaRPr lang="en-US"/>
           </a:p>
@@ -3120,7 +4028,7 @@
           <a:p>
             <a:fld id="{8A7F15D8-96D1-4781-BC50-CA8A088B2FE4}" type="datetime1">
               <a:rPr lang="en-US" smtClean="0"/>
-              <a:t>4/6/20</a:t>
+              <a:t>4/7/20</a:t>
             </a:fld>
             <a:endParaRPr lang="en-US"/>
           </a:p>
@@ -3184,6 +4092,14 @@
 <file path=ppt/slideLayouts/slideLayout6.xml><?xml version="1.0" encoding="utf-8"?>
 <p:sldLayout xmlns:a="http://schemas.openxmlformats.org/drawingml/2006/main" xmlns:r="http://schemas.openxmlformats.org/officeDocument/2006/relationships" xmlns:p="http://schemas.openxmlformats.org/presentationml/2006/main" type="titleOnly" preserve="1">
   <p:cSld name="Title Only">
+    <p:bg>
+      <p:bgPr>
+        <a:solidFill>
+          <a:schemeClr val="tx1"/>
+        </a:solidFill>
+        <a:effectLst/>
+      </p:bgPr>
+    </p:bg>
     <p:spTree>
       <p:nvGrpSpPr>
         <p:cNvPr id="1" name=""/>
@@ -3238,7 +4154,7 @@
           <a:p>
             <a:fld id="{F9A96C99-B8F8-4528-BD05-0E16E943DC09}" type="datetime1">
               <a:rPr lang="en-US" smtClean="0"/>
-              <a:t>4/6/20</a:t>
+              <a:t>4/7/20</a:t>
             </a:fld>
             <a:endParaRPr lang="en-US"/>
           </a:p>
@@ -3333,7 +4249,7 @@
           <a:p>
             <a:fld id="{03636942-C211-4B28-8DBD-C953E00AF71B}" type="datetime1">
               <a:rPr lang="en-US" smtClean="0"/>
-              <a:t>4/6/20</a:t>
+              <a:t>4/7/20</a:t>
             </a:fld>
             <a:endParaRPr lang="en-US"/>
           </a:p>
@@ -3750,7 +4666,7 @@
           <a:p>
             <a:fld id="{7E8D12A6-918A-48BD-8CB9-CA713993B0EA}" type="datetime1">
               <a:rPr lang="en-US" smtClean="0"/>
-              <a:t>4/6/20</a:t>
+              <a:t>4/7/20</a:t>
             </a:fld>
             <a:endParaRPr lang="en-US"/>
           </a:p>
@@ -4012,7 +4928,7 @@
             <a:fld id="{E778CE86-875F-4587-BCF6-FA054AFC0D53}" type="datetime1">
               <a:rPr lang="en-US" smtClean="0"/>
               <a:pPr/>
-              <a:t>4/6/20</a:t>
+              <a:t>4/7/20</a:t>
             </a:fld>
             <a:endParaRPr lang="en-US" dirty="0"/>
           </a:p>
@@ -4291,7 +5207,7 @@
           <a:chExt cx="0" cy="0"/>
         </a:xfrm>
       </p:grpSpPr>
-      <p:sp useBgFill="1">
+      <p:sp>
         <p:nvSpPr>
           <p:cNvPr id="9" name="Rectangle 8">
             <a:extLst>
@@ -4311,6 +5227,9 @@
           <a:prstGeom prst="rect">
             <a:avLst/>
           </a:prstGeom>
+          <a:solidFill>
+            <a:schemeClr val="bg1"/>
+          </a:solidFill>
           <a:ln>
             <a:noFill/>
           </a:ln>
@@ -4528,7 +5447,7 @@
           <a:p>
             <a:fld id="{F6FA2B21-3FCD-4721-B95C-427943F61125}" type="datetime1">
               <a:rPr lang="en-US" smtClean="0"/>
-              <a:t>4/6/20</a:t>
+              <a:t>4/7/20</a:t>
             </a:fld>
             <a:endParaRPr lang="en-US"/>
           </a:p>
@@ -5005,12 +5924,12 @@
           <a:chExt cx="0" cy="0"/>
         </a:xfrm>
       </p:grpSpPr>
-      <p:sp useBgFill="1">
-        <p:nvSpPr>
-          <p:cNvPr id="38" name="Rectangle 37">
+      <p:sp>
+        <p:nvSpPr>
+          <p:cNvPr id="14" name="Rectangle 13">
             <a:extLst>
               <a:ext uri="{FF2B5EF4-FFF2-40B4-BE49-F238E27FC236}">
-                <a16:creationId xmlns:a16="http://schemas.microsoft.com/office/drawing/2014/main" id="{6F40FBDA-CEB1-40F0-9AB9-BD9C402D70FE}"/>
+                <a16:creationId xmlns:a16="http://schemas.microsoft.com/office/drawing/2014/main" id="{904DB13E-F722-4ED6-BB00-556651E95281}"/>
               </a:ext>
               <a:ext uri="{C183D7F6-B498-43B3-948B-1728B52AA6E4}">
                 <adec:decorative xmlns:adec="http://schemas.microsoft.com/office/drawing/2017/decorative" val="1"/>
@@ -5036,6 +5955,12 @@
           <a:prstGeom prst="rect">
             <a:avLst/>
           </a:prstGeom>
+          <a:solidFill>
+            <a:schemeClr val="tx1">
+              <a:lumMod val="65000"/>
+              <a:lumOff val="35000"/>
+            </a:schemeClr>
+          </a:solidFill>
           <a:ln>
             <a:noFill/>
           </a:ln>
@@ -5065,43 +5990,12 @@
           </a:p>
         </p:txBody>
       </p:sp>
-      <p:pic>
-        <p:nvPicPr>
-          <p:cNvPr id="5" name="Picture 4" descr="A picture containing cup, looking, sitting, close&#10;&#10;Description automatically generated">
+      <p:sp useBgFill="1">
+        <p:nvSpPr>
+          <p:cNvPr id="16" name="Rectangle 15">
             <a:extLst>
               <a:ext uri="{FF2B5EF4-FFF2-40B4-BE49-F238E27FC236}">
-                <a16:creationId xmlns:a16="http://schemas.microsoft.com/office/drawing/2014/main" id="{FC68B89D-57AC-3C4D-A7C8-4DDFE03E0910}"/>
-              </a:ext>
-            </a:extLst>
-          </p:cNvPr>
-          <p:cNvPicPr>
-            <a:picLocks noChangeAspect="1"/>
-          </p:cNvPicPr>
-          <p:nvPr/>
-        </p:nvPicPr>
-        <p:blipFill rotWithShape="1">
-          <a:blip r:embed="rId2">
-            <a:alphaModFix amt="45000"/>
-          </a:blip>
-          <a:srcRect l="19592" r="4407" b="-1"/>
-          <a:stretch/>
-        </p:blipFill>
-        <p:spPr>
-          <a:xfrm>
-            <a:off x="20" y="10"/>
-            <a:ext cx="12191980" cy="6857990"/>
-          </a:xfrm>
-          <a:prstGeom prst="rect">
-            <a:avLst/>
-          </a:prstGeom>
-        </p:spPr>
-      </p:pic>
-      <p:sp>
-        <p:nvSpPr>
-          <p:cNvPr id="40" name="Rectangle 39">
-            <a:extLst>
-              <a:ext uri="{FF2B5EF4-FFF2-40B4-BE49-F238E27FC236}">
-                <a16:creationId xmlns:a16="http://schemas.microsoft.com/office/drawing/2014/main" id="{0344D4FE-ABEF-4230-9E4E-AD5782FC78AC}"/>
+                <a16:creationId xmlns:a16="http://schemas.microsoft.com/office/drawing/2014/main" id="{1D91E3E1-5159-4DA9-8C1A-3897E909473B}"/>
               </a:ext>
               <a:ext uri="{C183D7F6-B498-43B3-948B-1728B52AA6E4}">
                 <adec:decorative xmlns:adec="http://schemas.microsoft.com/office/drawing/2017/decorative" val="1"/>
@@ -5127,8 +6021,53 @@
           <a:prstGeom prst="rect">
             <a:avLst/>
           </a:prstGeom>
+          <a:ln w="6350" cap="flat" cmpd="sng" algn="ctr">
+            <a:noFill/>
+            <a:prstDash val="solid"/>
+          </a:ln>
+          <a:effectLst>
+            <a:outerShdw blurRad="50800" algn="ctr" rotWithShape="0">
+              <a:prstClr val="black">
+                <a:alpha val="66000"/>
+              </a:prstClr>
+            </a:outerShdw>
+            <a:softEdge rad="0"/>
+          </a:effectLst>
+        </p:spPr>
+      </p:sp>
+      <p:sp>
+        <p:nvSpPr>
+          <p:cNvPr id="18" name="Rectangle 17">
+            <a:extLst>
+              <a:ext uri="{FF2B5EF4-FFF2-40B4-BE49-F238E27FC236}">
+                <a16:creationId xmlns:a16="http://schemas.microsoft.com/office/drawing/2014/main" id="{A9EF7E53-E975-4A5C-BF5D-D874044856E9}"/>
+              </a:ext>
+              <a:ext uri="{C183D7F6-B498-43B3-948B-1728B52AA6E4}">
+                <adec:decorative xmlns:adec="http://schemas.microsoft.com/office/drawing/2017/decorative" val="1"/>
+              </a:ext>
+            </a:extLst>
+          </p:cNvPr>
+          <p:cNvSpPr>
+            <a:spLocks noGrp="1" noRot="1" noChangeAspect="1" noMove="1" noResize="1" noEditPoints="1" noAdjustHandles="1" noChangeArrowheads="1" noChangeShapeType="1" noTextEdit="1"/>
+          </p:cNvSpPr>
+          <p:nvPr>
+            <p:extLst>
+              <p:ext uri="{386F3935-93C4-4BCD-93E2-E3B085C9AB24}">
+                <p16:designElem xmlns:p16="http://schemas.microsoft.com/office/powerpoint/2015/main" val="1"/>
+              </p:ext>
+            </p:extLst>
+          </p:nvPr>
+        </p:nvSpPr>
+        <p:spPr>
+          <a:xfrm>
+            <a:off x="1447801" y="1411615"/>
+            <a:ext cx="9296400" cy="4034770"/>
+          </a:xfrm>
+          <a:prstGeom prst="rect">
+            <a:avLst/>
+          </a:prstGeom>
           <a:noFill/>
-          <a:ln w="9525" cap="sq" cmpd="sng" algn="ctr">
+          <a:ln w="6350" cap="sq" cmpd="sng" algn="ctr">
             <a:solidFill>
               <a:schemeClr val="tx1">
                 <a:lumMod val="75000"/>
@@ -5138,6 +6077,510 @@
             <a:prstDash val="solid"/>
             <a:miter lim="800000"/>
           </a:ln>
+          <a:effectLst/>
+        </p:spPr>
+      </p:sp>
+      <p:sp>
+        <p:nvSpPr>
+          <p:cNvPr id="20" name="Rectangle 19">
+            <a:extLst>
+              <a:ext uri="{FF2B5EF4-FFF2-40B4-BE49-F238E27FC236}">
+                <a16:creationId xmlns:a16="http://schemas.microsoft.com/office/drawing/2014/main" id="{D5C53263-995C-49EE-9CA6-FE769A768880}"/>
+              </a:ext>
+              <a:ext uri="{C183D7F6-B498-43B3-948B-1728B52AA6E4}">
+                <adec:decorative xmlns:adec="http://schemas.microsoft.com/office/drawing/2017/decorative" val="1"/>
+              </a:ext>
+            </a:extLst>
+          </p:cNvPr>
+          <p:cNvSpPr>
+            <a:spLocks noGrp="1" noRot="1" noChangeAspect="1" noMove="1" noResize="1" noEditPoints="1" noAdjustHandles="1" noChangeArrowheads="1" noChangeShapeType="1" noTextEdit="1"/>
+          </p:cNvSpPr>
+          <p:nvPr>
+            <p:extLst>
+              <p:ext uri="{386F3935-93C4-4BCD-93E2-E3B085C9AB24}">
+                <p16:designElem xmlns:p16="http://schemas.microsoft.com/office/powerpoint/2015/main" val="1"/>
+              </p:ext>
+            </p:extLst>
+          </p:nvPr>
+        </p:nvSpPr>
+        <p:spPr>
+          <a:xfrm>
+            <a:off x="5135880" y="1267730"/>
+            <a:ext cx="1920240" cy="731520"/>
+          </a:xfrm>
+          <a:prstGeom prst="rect">
+            <a:avLst/>
+          </a:prstGeom>
+          <a:solidFill>
+            <a:schemeClr val="accent1"/>
+          </a:solidFill>
+          <a:ln>
+            <a:noFill/>
+          </a:ln>
+        </p:spPr>
+        <p:style>
+          <a:lnRef idx="2">
+            <a:schemeClr val="accent1">
+              <a:shade val="50000"/>
+            </a:schemeClr>
+          </a:lnRef>
+          <a:fillRef idx="1">
+            <a:schemeClr val="accent1"/>
+          </a:fillRef>
+          <a:effectRef idx="0">
+            <a:schemeClr val="accent1"/>
+          </a:effectRef>
+          <a:fontRef idx="minor">
+            <a:schemeClr val="lt1"/>
+          </a:fontRef>
+        </p:style>
+      </p:sp>
+      <p:grpSp>
+        <p:nvGrpSpPr>
+          <p:cNvPr id="22" name="Group 21">
+            <a:extLst>
+              <a:ext uri="{FF2B5EF4-FFF2-40B4-BE49-F238E27FC236}">
+                <a16:creationId xmlns:a16="http://schemas.microsoft.com/office/drawing/2014/main" id="{E26428D7-C6F3-473D-A360-A3F5C3E8728C}"/>
+              </a:ext>
+              <a:ext uri="{C183D7F6-B498-43B3-948B-1728B52AA6E4}">
+                <adec:decorative xmlns:adec="http://schemas.microsoft.com/office/drawing/2017/decorative" val="1"/>
+              </a:ext>
+            </a:extLst>
+          </p:cNvPr>
+          <p:cNvGrpSpPr>
+            <a:grpSpLocks noGrp="1" noUngrp="1" noRot="1" noChangeAspect="1" noMove="1" noResize="1"/>
+          </p:cNvGrpSpPr>
+          <p:nvPr>
+            <p:extLst>
+              <p:ext uri="{386F3935-93C4-4BCD-93E2-E3B085C9AB24}">
+                <p16:designElem xmlns:p16="http://schemas.microsoft.com/office/powerpoint/2015/main" val="1"/>
+              </p:ext>
+            </p:extLst>
+          </p:nvPr>
+        </p:nvGrpSpPr>
+        <p:grpSpPr>
+          <a:xfrm>
+            <a:off x="5250180" y="1267730"/>
+            <a:ext cx="1691640" cy="615934"/>
+            <a:chOff x="5250180" y="1267730"/>
+            <a:chExt cx="1691640" cy="615934"/>
+          </a:xfrm>
+        </p:grpSpPr>
+        <p:cxnSp>
+          <p:nvCxnSpPr>
+            <p:cNvPr id="23" name="Straight Connector 22">
+              <a:extLst>
+                <a:ext uri="{FF2B5EF4-FFF2-40B4-BE49-F238E27FC236}">
+                  <a16:creationId xmlns:a16="http://schemas.microsoft.com/office/drawing/2014/main" id="{87FFE657-1F53-4BA2-99ED-71027468AEFE}"/>
+                </a:ext>
+                <a:ext uri="{C183D7F6-B498-43B3-948B-1728B52AA6E4}">
+                  <adec:decorative xmlns:adec="http://schemas.microsoft.com/office/drawing/2017/decorative" val="1"/>
+                </a:ext>
+              </a:extLst>
+            </p:cNvPr>
+            <p:cNvCxnSpPr/>
+            <p:nvPr>
+              <p:extLst>
+                <p:ext uri="{386F3935-93C4-4BCD-93E2-E3B085C9AB24}">
+                  <p16:designElem xmlns:p16="http://schemas.microsoft.com/office/powerpoint/2015/main" val="1"/>
+                </p:ext>
+              </p:extLst>
+            </p:nvPr>
+          </p:nvCxnSpPr>
+          <p:spPr>
+            <a:xfrm>
+              <a:off x="5250180" y="1267730"/>
+              <a:ext cx="0" cy="612648"/>
+            </a:xfrm>
+            <a:prstGeom prst="line">
+              <a:avLst/>
+            </a:prstGeom>
+            <a:solidFill>
+              <a:schemeClr val="tx1">
+                <a:lumMod val="85000"/>
+                <a:lumOff val="15000"/>
+              </a:schemeClr>
+            </a:solidFill>
+            <a:ln>
+              <a:solidFill>
+                <a:srgbClr val="FFFFFF"/>
+              </a:solidFill>
+              <a:miter lim="800000"/>
+            </a:ln>
+          </p:spPr>
+          <p:style>
+            <a:lnRef idx="1">
+              <a:schemeClr val="accent1"/>
+            </a:lnRef>
+            <a:fillRef idx="0">
+              <a:schemeClr val="accent1"/>
+            </a:fillRef>
+            <a:effectRef idx="0">
+              <a:schemeClr val="accent1"/>
+            </a:effectRef>
+            <a:fontRef idx="minor">
+              <a:schemeClr val="tx1"/>
+            </a:fontRef>
+          </p:style>
+        </p:cxnSp>
+        <p:cxnSp>
+          <p:nvCxnSpPr>
+            <p:cNvPr id="24" name="Straight Connector 23">
+              <a:extLst>
+                <a:ext uri="{FF2B5EF4-FFF2-40B4-BE49-F238E27FC236}">
+                  <a16:creationId xmlns:a16="http://schemas.microsoft.com/office/drawing/2014/main" id="{3717B2EF-FCC5-4A6E-8AD7-25435095866F}"/>
+                </a:ext>
+                <a:ext uri="{C183D7F6-B498-43B3-948B-1728B52AA6E4}">
+                  <adec:decorative xmlns:adec="http://schemas.microsoft.com/office/drawing/2017/decorative" val="1"/>
+                </a:ext>
+              </a:extLst>
+            </p:cNvPr>
+            <p:cNvCxnSpPr/>
+            <p:nvPr>
+              <p:extLst>
+                <p:ext uri="{386F3935-93C4-4BCD-93E2-E3B085C9AB24}">
+                  <p16:designElem xmlns:p16="http://schemas.microsoft.com/office/powerpoint/2015/main" val="1"/>
+                </p:ext>
+              </p:extLst>
+            </p:nvPr>
+          </p:nvCxnSpPr>
+          <p:spPr>
+            <a:xfrm>
+              <a:off x="6941820" y="1267730"/>
+              <a:ext cx="0" cy="612648"/>
+            </a:xfrm>
+            <a:prstGeom prst="line">
+              <a:avLst/>
+            </a:prstGeom>
+            <a:solidFill>
+              <a:schemeClr val="tx1">
+                <a:lumMod val="85000"/>
+                <a:lumOff val="15000"/>
+              </a:schemeClr>
+            </a:solidFill>
+            <a:ln>
+              <a:solidFill>
+                <a:srgbClr val="FFFFFF"/>
+              </a:solidFill>
+              <a:miter lim="800000"/>
+            </a:ln>
+          </p:spPr>
+          <p:style>
+            <a:lnRef idx="1">
+              <a:schemeClr val="accent1"/>
+            </a:lnRef>
+            <a:fillRef idx="0">
+              <a:schemeClr val="accent1"/>
+            </a:fillRef>
+            <a:effectRef idx="0">
+              <a:schemeClr val="accent1"/>
+            </a:effectRef>
+            <a:fontRef idx="minor">
+              <a:schemeClr val="tx1"/>
+            </a:fontRef>
+          </p:style>
+        </p:cxnSp>
+        <p:cxnSp>
+          <p:nvCxnSpPr>
+            <p:cNvPr id="25" name="Straight Connector 24">
+              <a:extLst>
+                <a:ext uri="{FF2B5EF4-FFF2-40B4-BE49-F238E27FC236}">
+                  <a16:creationId xmlns:a16="http://schemas.microsoft.com/office/drawing/2014/main" id="{2E8BEC20-1CFB-4C38-819D-8EA157D70B50}"/>
+                </a:ext>
+                <a:ext uri="{C183D7F6-B498-43B3-948B-1728B52AA6E4}">
+                  <adec:decorative xmlns:adec="http://schemas.microsoft.com/office/drawing/2017/decorative" val="1"/>
+                </a:ext>
+              </a:extLst>
+            </p:cNvPr>
+            <p:cNvCxnSpPr/>
+            <p:nvPr>
+              <p:extLst>
+                <p:ext uri="{386F3935-93C4-4BCD-93E2-E3B085C9AB24}">
+                  <p16:designElem xmlns:p16="http://schemas.microsoft.com/office/powerpoint/2015/main" val="1"/>
+                </p:ext>
+              </p:extLst>
+            </p:nvPr>
+          </p:nvCxnSpPr>
+          <p:spPr>
+            <a:xfrm>
+              <a:off x="5250180" y="1883664"/>
+              <a:ext cx="1691640" cy="0"/>
+            </a:xfrm>
+            <a:prstGeom prst="line">
+              <a:avLst/>
+            </a:prstGeom>
+            <a:solidFill>
+              <a:schemeClr val="tx1">
+                <a:lumMod val="85000"/>
+                <a:lumOff val="15000"/>
+              </a:schemeClr>
+            </a:solidFill>
+            <a:ln>
+              <a:solidFill>
+                <a:srgbClr val="FFFFFF"/>
+              </a:solidFill>
+              <a:miter lim="800000"/>
+            </a:ln>
+          </p:spPr>
+          <p:style>
+            <a:lnRef idx="1">
+              <a:schemeClr val="accent1"/>
+            </a:lnRef>
+            <a:fillRef idx="0">
+              <a:schemeClr val="accent1"/>
+            </a:fillRef>
+            <a:effectRef idx="0">
+              <a:schemeClr val="accent1"/>
+            </a:effectRef>
+            <a:fontRef idx="minor">
+              <a:schemeClr val="tx1"/>
+            </a:fontRef>
+          </p:style>
+        </p:cxnSp>
+      </p:grpSp>
+      <p:sp useBgFill="1">
+        <p:nvSpPr>
+          <p:cNvPr id="27" name="Rectangle 26">
+            <a:extLst>
+              <a:ext uri="{FF2B5EF4-FFF2-40B4-BE49-F238E27FC236}">
+                <a16:creationId xmlns:a16="http://schemas.microsoft.com/office/drawing/2014/main" id="{0E7CA313-2F4B-4574-8399-12EF6A1BF292}"/>
+              </a:ext>
+              <a:ext uri="{C183D7F6-B498-43B3-948B-1728B52AA6E4}">
+                <adec:decorative xmlns:adec="http://schemas.microsoft.com/office/drawing/2017/decorative" val="1"/>
+              </a:ext>
+            </a:extLst>
+          </p:cNvPr>
+          <p:cNvSpPr>
+            <a:spLocks noGrp="1" noRot="1" noChangeAspect="1" noMove="1" noResize="1" noEditPoints="1" noAdjustHandles="1" noChangeArrowheads="1" noChangeShapeType="1" noTextEdit="1"/>
+          </p:cNvSpPr>
+          <p:nvPr>
+            <p:extLst>
+              <p:ext uri="{386F3935-93C4-4BCD-93E2-E3B085C9AB24}">
+                <p16:designElem xmlns:p16="http://schemas.microsoft.com/office/powerpoint/2015/main" val="1"/>
+              </p:ext>
+            </p:extLst>
+          </p:nvPr>
+        </p:nvSpPr>
+        <p:spPr>
+          <a:xfrm>
+            <a:off x="0" y="1"/>
+            <a:ext cx="12192000" cy="6857999"/>
+          </a:xfrm>
+          <a:prstGeom prst="rect">
+            <a:avLst/>
+          </a:prstGeom>
+          <a:ln>
+            <a:noFill/>
+          </a:ln>
+        </p:spPr>
+        <p:style>
+          <a:lnRef idx="2">
+            <a:schemeClr val="accent1">
+              <a:shade val="50000"/>
+            </a:schemeClr>
+          </a:lnRef>
+          <a:fillRef idx="1">
+            <a:schemeClr val="accent1"/>
+          </a:fillRef>
+          <a:effectRef idx="0">
+            <a:schemeClr val="accent1"/>
+          </a:effectRef>
+          <a:fontRef idx="minor">
+            <a:schemeClr val="lt1"/>
+          </a:fontRef>
+        </p:style>
+        <p:txBody>
+          <a:bodyPr rtlCol="0" anchor="ctr"/>
+          <a:lstStyle/>
+          <a:p>
+            <a:pPr algn="ctr"/>
+            <a:endParaRPr lang="en-US"/>
+          </a:p>
+        </p:txBody>
+      </p:sp>
+      <p:pic>
+        <p:nvPicPr>
+          <p:cNvPr id="4" name="Picture 3" descr="A person standing in front of a flower&#10;&#10;Description automatically generated">
+            <a:extLst>
+              <a:ext uri="{FF2B5EF4-FFF2-40B4-BE49-F238E27FC236}">
+                <a16:creationId xmlns:a16="http://schemas.microsoft.com/office/drawing/2014/main" id="{31130F41-9048-D543-A70D-7C193B469607}"/>
+              </a:ext>
+            </a:extLst>
+          </p:cNvPr>
+          <p:cNvPicPr>
+            <a:picLocks noChangeAspect="1"/>
+          </p:cNvPicPr>
+          <p:nvPr/>
+        </p:nvPicPr>
+        <p:blipFill rotWithShape="1">
+          <a:blip r:embed="rId2"/>
+          <a:srcRect t="7755" r="2" b="22509"/>
+          <a:stretch/>
+        </p:blipFill>
+        <p:spPr>
+          <a:xfrm>
+            <a:off x="19221" y="10"/>
+            <a:ext cx="4040714" cy="4530063"/>
+          </a:xfrm>
+          <a:prstGeom prst="rect">
+            <a:avLst/>
+          </a:prstGeom>
+        </p:spPr>
+      </p:pic>
+      <p:pic>
+        <p:nvPicPr>
+          <p:cNvPr id="8" name="Picture 7" descr="A screenshot of a cell phone screen with text&#10;&#10;Description automatically generated">
+            <a:extLst>
+              <a:ext uri="{FF2B5EF4-FFF2-40B4-BE49-F238E27FC236}">
+                <a16:creationId xmlns:a16="http://schemas.microsoft.com/office/drawing/2014/main" id="{9CF95171-EC79-7345-8F4E-F680999572A9}"/>
+              </a:ext>
+            </a:extLst>
+          </p:cNvPr>
+          <p:cNvPicPr>
+            <a:picLocks noChangeAspect="1"/>
+          </p:cNvPicPr>
+          <p:nvPr/>
+        </p:nvPicPr>
+        <p:blipFill rotWithShape="1">
+          <a:blip r:embed="rId3">
+            <a:extLst>
+              <a:ext uri="{BEBA8EAE-BF5A-486C-A8C5-ECC9F3942E4B}">
+                <a14:imgProps xmlns:a14="http://schemas.microsoft.com/office/drawing/2010/main">
+                  <a14:imgLayer r:embed="rId4">
+                    <a14:imgEffect>
+                      <a14:brightnessContrast contrast="15000"/>
+                    </a14:imgEffect>
+                  </a14:imgLayer>
+                </a14:imgProps>
+              </a:ext>
+            </a:extLst>
+          </a:blip>
+          <a:srcRect t="16512" b="15685"/>
+          <a:stretch/>
+        </p:blipFill>
+        <p:spPr>
+          <a:xfrm>
+            <a:off x="8100650" y="10"/>
+            <a:ext cx="4072129" cy="4526270"/>
+          </a:xfrm>
+          <a:prstGeom prst="rect">
+            <a:avLst/>
+          </a:prstGeom>
+        </p:spPr>
+      </p:pic>
+      <p:pic>
+        <p:nvPicPr>
+          <p:cNvPr id="6" name="Picture 5" descr="A close up of a map&#10;&#10;Description automatically generated">
+            <a:extLst>
+              <a:ext uri="{FF2B5EF4-FFF2-40B4-BE49-F238E27FC236}">
+                <a16:creationId xmlns:a16="http://schemas.microsoft.com/office/drawing/2014/main" id="{93D72CF6-4404-1047-BEA4-A0AF211757FB}"/>
+              </a:ext>
+            </a:extLst>
+          </p:cNvPr>
+          <p:cNvPicPr>
+            <a:picLocks noChangeAspect="1"/>
+          </p:cNvPicPr>
+          <p:nvPr/>
+        </p:nvPicPr>
+        <p:blipFill rotWithShape="1">
+          <a:blip r:embed="rId5"/>
+          <a:srcRect t="11853" r="-2" b="21197"/>
+          <a:stretch/>
+        </p:blipFill>
+        <p:spPr>
+          <a:xfrm>
+            <a:off x="4059711" y="0"/>
+            <a:ext cx="4059936" cy="4526281"/>
+          </a:xfrm>
+          <a:prstGeom prst="rect">
+            <a:avLst/>
+          </a:prstGeom>
+        </p:spPr>
+      </p:pic>
+      <p:sp>
+        <p:nvSpPr>
+          <p:cNvPr id="29" name="Rectangle 28">
+            <a:extLst>
+              <a:ext uri="{FF2B5EF4-FFF2-40B4-BE49-F238E27FC236}">
+                <a16:creationId xmlns:a16="http://schemas.microsoft.com/office/drawing/2014/main" id="{2644B391-9BFE-445C-A9EC-F544BB85FBC7}"/>
+              </a:ext>
+              <a:ext uri="{C183D7F6-B498-43B3-948B-1728B52AA6E4}">
+                <adec:decorative xmlns:adec="http://schemas.microsoft.com/office/drawing/2017/decorative" val="1"/>
+              </a:ext>
+            </a:extLst>
+          </p:cNvPr>
+          <p:cNvSpPr>
+            <a:spLocks noGrp="1" noRot="1" noChangeAspect="1" noMove="1" noResize="1" noEditPoints="1" noAdjustHandles="1" noChangeArrowheads="1" noChangeShapeType="1" noTextEdit="1"/>
+          </p:cNvSpPr>
+          <p:nvPr>
+            <p:extLst>
+              <p:ext uri="{386F3935-93C4-4BCD-93E2-E3B085C9AB24}">
+                <p16:designElem xmlns:p16="http://schemas.microsoft.com/office/powerpoint/2015/main" val="1"/>
+              </p:ext>
+            </p:extLst>
+          </p:nvPr>
+        </p:nvSpPr>
+        <p:spPr>
+          <a:xfrm>
+            <a:off x="0" y="4530074"/>
+            <a:ext cx="12192000" cy="2327925"/>
+          </a:xfrm>
+          <a:prstGeom prst="rect">
+            <a:avLst/>
+          </a:prstGeom>
+          <a:solidFill>
+            <a:schemeClr val="bg1">
+              <a:lumMod val="75000"/>
+              <a:lumOff val="25000"/>
+            </a:schemeClr>
+          </a:solidFill>
+          <a:ln w="6350" cap="sq" cmpd="sng" algn="ctr">
+            <a:noFill/>
+            <a:prstDash val="solid"/>
+            <a:miter lim="800000"/>
+          </a:ln>
+          <a:effectLst/>
+        </p:spPr>
+      </p:sp>
+      <p:sp>
+        <p:nvSpPr>
+          <p:cNvPr id="31" name="Rectangle 30">
+            <a:extLst>
+              <a:ext uri="{FF2B5EF4-FFF2-40B4-BE49-F238E27FC236}">
+                <a16:creationId xmlns:a16="http://schemas.microsoft.com/office/drawing/2014/main" id="{80F26E69-87D9-4655-AE7B-280A87AA3CAD}"/>
+              </a:ext>
+              <a:ext uri="{C183D7F6-B498-43B3-948B-1728B52AA6E4}">
+                <adec:decorative xmlns:adec="http://schemas.microsoft.com/office/drawing/2017/decorative" val="1"/>
+              </a:ext>
+            </a:extLst>
+          </p:cNvPr>
+          <p:cNvSpPr>
+            <a:spLocks noGrp="1" noRot="1" noChangeAspect="1" noMove="1" noResize="1" noEditPoints="1" noAdjustHandles="1" noChangeArrowheads="1" noChangeShapeType="1" noTextEdit="1"/>
+          </p:cNvSpPr>
+          <p:nvPr>
+            <p:extLst>
+              <p:ext uri="{386F3935-93C4-4BCD-93E2-E3B085C9AB24}">
+                <p16:designElem xmlns:p16="http://schemas.microsoft.com/office/powerpoint/2015/main" val="1"/>
+              </p:ext>
+            </p:extLst>
+          </p:nvPr>
+        </p:nvSpPr>
+        <p:spPr>
+          <a:xfrm>
+            <a:off x="166116" y="4692768"/>
+            <a:ext cx="11859768" cy="2002536"/>
+          </a:xfrm>
+          <a:prstGeom prst="rect">
+            <a:avLst/>
+          </a:prstGeom>
+          <a:noFill/>
+          <a:ln w="6350" cap="sq" cmpd="sng" algn="ctr">
+            <a:solidFill>
+              <a:schemeClr val="tx1"/>
+            </a:solidFill>
+            <a:prstDash val="solid"/>
+            <a:miter lim="800000"/>
+          </a:ln>
           <a:effectLst>
             <a:softEdge rad="0"/>
           </a:effectLst>
@@ -5148,7 +6591,7 @@
           <p:cNvPr id="2" name="Title 1">
             <a:extLst>
               <a:ext uri="{FF2B5EF4-FFF2-40B4-BE49-F238E27FC236}">
-                <a16:creationId xmlns:a16="http://schemas.microsoft.com/office/drawing/2014/main" id="{2C86C59D-40FB-0E48-993C-822CE8547ABB}"/>
+                <a16:creationId xmlns:a16="http://schemas.microsoft.com/office/drawing/2014/main" id="{F291AFCA-B7CC-4B4F-9744-8814CB52B727}"/>
               </a:ext>
             </a:extLst>
           </p:cNvPr>
@@ -5156,65 +6599,288 @@
             <a:spLocks noGrp="1"/>
           </p:cNvSpPr>
           <p:nvPr>
-            <p:ph type="ctrTitle"/>
-          </p:nvPr>
-        </p:nvSpPr>
-        <p:spPr>
-          <a:xfrm>
-            <a:off x="1769531" y="1640187"/>
-            <a:ext cx="8652938" cy="2461504"/>
-          </a:xfrm>
-        </p:spPr>
-        <p:txBody>
-          <a:bodyPr>
+            <p:ph type="title" idx="4294967295"/>
+          </p:nvPr>
+        </p:nvSpPr>
+        <p:spPr>
+          <a:xfrm>
+            <a:off x="376293" y="4956811"/>
+            <a:ext cx="11439414" cy="897439"/>
+          </a:xfrm>
+        </p:spPr>
+        <p:txBody>
+          <a:bodyPr vert="horz" lIns="91440" tIns="45720" rIns="91440" bIns="45720" rtlCol="0" anchor="ctr">
+            <a:normAutofit fontScale="90000"/>
+          </a:bodyPr>
+          <a:lstStyle/>
+          <a:p>
+            <a:pPr algn="ctr">
+              <a:lnSpc>
+                <a:spcPct val="83000"/>
+              </a:lnSpc>
+            </a:pPr>
+            <a:br>
+              <a:rPr lang="en-US" sz="4400" b="0" cap="all" spc="-100" dirty="0">
+                <a:solidFill>
+                  <a:schemeClr val="tx1">
+                    <a:lumMod val="95000"/>
+                  </a:schemeClr>
+                </a:solidFill>
+              </a:rPr>
+            </a:br>
+            <a:r>
+              <a:rPr lang="en-US" sz="4400" b="0" cap="all" spc="-100" dirty="0">
+                <a:solidFill>
+                  <a:schemeClr val="tx1">
+                    <a:lumMod val="95000"/>
+                  </a:schemeClr>
+                </a:solidFill>
+              </a:rPr>
+              <a:t>Visualizing the COVID-19 Pandemic</a:t>
+            </a:r>
+          </a:p>
+        </p:txBody>
+      </p:sp>
+      <p:sp>
+        <p:nvSpPr>
+          <p:cNvPr id="5" name="TextBox 4">
+            <a:extLst>
+              <a:ext uri="{FF2B5EF4-FFF2-40B4-BE49-F238E27FC236}">
+                <a16:creationId xmlns:a16="http://schemas.microsoft.com/office/drawing/2014/main" id="{EA371769-8E8A-4B48-8A5E-E9683DA17CD5}"/>
+              </a:ext>
+            </a:extLst>
+          </p:cNvPr>
+          <p:cNvSpPr txBox="1"/>
+          <p:nvPr/>
+        </p:nvSpPr>
+        <p:spPr>
+          <a:xfrm>
+            <a:off x="-1" y="4077067"/>
+            <a:ext cx="4059936" cy="453006"/>
+          </a:xfrm>
+          <a:prstGeom prst="rect">
+            <a:avLst/>
+          </a:prstGeom>
+          <a:solidFill>
+            <a:srgbClr val="000000">
+              <a:alpha val="50000"/>
+            </a:srgbClr>
+          </a:solidFill>
+          <a:ln>
+            <a:noFill/>
+          </a:ln>
+        </p:spPr>
+        <p:txBody>
+          <a:bodyPr wrap="square" rtlCol="0">
             <a:normAutofit/>
           </a:bodyPr>
           <a:lstStyle/>
           <a:p>
-            <a:r>
-              <a:rPr lang="en-US" sz="5800" dirty="0"/>
-              <a:t>COVID-19</a:t>
-            </a:r>
-            <a:br>
-              <a:rPr lang="en-US" sz="5800" dirty="0"/>
-            </a:br>
-            <a:r>
-              <a:rPr lang="en-US" sz="5800" dirty="0"/>
-              <a:t>Data Visualization of the 2020 Outbreak</a:t>
-            </a:r>
-            <a:endParaRPr lang="en-US" sz="5800" u="sng" dirty="0"/>
-          </a:p>
-        </p:txBody>
-      </p:sp>
-      <p:sp>
-        <p:nvSpPr>
-          <p:cNvPr id="3" name="Subtitle 2">
+            <a:pPr algn="ctr">
+              <a:spcAft>
+                <a:spcPts val="600"/>
+              </a:spcAft>
+            </a:pPr>
+            <a:r>
+              <a:rPr lang="en-US" b="1" dirty="0">
+                <a:solidFill>
+                  <a:schemeClr val="tx1">
+                    <a:lumMod val="85000"/>
+                  </a:schemeClr>
+                </a:solidFill>
+              </a:rPr>
+              <a:t>The Story</a:t>
+            </a:r>
+          </a:p>
+        </p:txBody>
+      </p:sp>
+      <p:sp>
+        <p:nvSpPr>
+          <p:cNvPr id="7" name="TextBox 6">
             <a:extLst>
               <a:ext uri="{FF2B5EF4-FFF2-40B4-BE49-F238E27FC236}">
-                <a16:creationId xmlns:a16="http://schemas.microsoft.com/office/drawing/2014/main" id="{C69B6AD8-77FA-3441-894B-90F9D57B865C}"/>
+                <a16:creationId xmlns:a16="http://schemas.microsoft.com/office/drawing/2014/main" id="{A52CEDE5-3273-D440-AC95-0821D969FC9F}"/>
               </a:ext>
             </a:extLst>
           </p:cNvPr>
-          <p:cNvSpPr>
-            <a:spLocks noGrp="1"/>
-          </p:cNvSpPr>
-          <p:nvPr>
-            <p:ph type="subTitle" idx="1"/>
-          </p:nvPr>
-        </p:nvSpPr>
-        <p:spPr>
-          <a:xfrm>
-            <a:off x="1769532" y="4330263"/>
-            <a:ext cx="8655200" cy="1019504"/>
-          </a:xfrm>
-        </p:spPr>
-        <p:txBody>
-          <a:bodyPr>
-            <a:normAutofit fontScale="62500" lnSpcReduction="20000"/>
+          <p:cNvSpPr txBox="1"/>
+          <p:nvPr/>
+        </p:nvSpPr>
+        <p:spPr>
+          <a:xfrm>
+            <a:off x="8132064" y="4077067"/>
+            <a:ext cx="4059936" cy="453006"/>
+          </a:xfrm>
+          <a:prstGeom prst="rect">
+            <a:avLst/>
+          </a:prstGeom>
+          <a:solidFill>
+            <a:srgbClr val="000000">
+              <a:alpha val="50000"/>
+            </a:srgbClr>
+          </a:solidFill>
+          <a:ln>
+            <a:noFill/>
+          </a:ln>
+        </p:spPr>
+        <p:txBody>
+          <a:bodyPr wrap="square" rtlCol="0">
+            <a:normAutofit/>
           </a:bodyPr>
           <a:lstStyle/>
           <a:p>
-            <a:pPr>
+            <a:pPr algn="ctr">
+              <a:spcAft>
+                <a:spcPts val="600"/>
+              </a:spcAft>
+            </a:pPr>
+            <a:r>
+              <a:rPr lang="en-US" b="1" dirty="0">
+                <a:solidFill>
+                  <a:schemeClr val="tx1">
+                    <a:lumMod val="85000"/>
+                  </a:schemeClr>
+                </a:solidFill>
+              </a:rPr>
+              <a:t>The Stack</a:t>
+            </a:r>
+          </a:p>
+        </p:txBody>
+      </p:sp>
+      <p:sp>
+        <p:nvSpPr>
+          <p:cNvPr id="9" name="TextBox 8">
+            <a:extLst>
+              <a:ext uri="{FF2B5EF4-FFF2-40B4-BE49-F238E27FC236}">
+                <a16:creationId xmlns:a16="http://schemas.microsoft.com/office/drawing/2014/main" id="{53D74E68-FCBC-B441-9F8C-7B0AD5B8228F}"/>
+              </a:ext>
+            </a:extLst>
+          </p:cNvPr>
+          <p:cNvSpPr txBox="1"/>
+          <p:nvPr/>
+        </p:nvSpPr>
+        <p:spPr>
+          <a:xfrm>
+            <a:off x="4059935" y="4073653"/>
+            <a:ext cx="4072129" cy="452627"/>
+          </a:xfrm>
+          <a:prstGeom prst="rect">
+            <a:avLst/>
+          </a:prstGeom>
+          <a:solidFill>
+            <a:srgbClr val="000000">
+              <a:alpha val="50000"/>
+            </a:srgbClr>
+          </a:solidFill>
+          <a:ln>
+            <a:noFill/>
+          </a:ln>
+        </p:spPr>
+        <p:txBody>
+          <a:bodyPr wrap="square" rtlCol="0">
+            <a:normAutofit/>
+          </a:bodyPr>
+          <a:lstStyle/>
+          <a:p>
+            <a:pPr algn="ctr">
+              <a:spcAft>
+                <a:spcPts val="600"/>
+              </a:spcAft>
+            </a:pPr>
+            <a:r>
+              <a:rPr lang="en-US" b="1" dirty="0">
+                <a:solidFill>
+                  <a:schemeClr val="tx1">
+                    <a:lumMod val="85000"/>
+                  </a:schemeClr>
+                </a:solidFill>
+              </a:rPr>
+              <a:t>The Map</a:t>
+            </a:r>
+          </a:p>
+        </p:txBody>
+      </p:sp>
+      <p:sp>
+        <p:nvSpPr>
+          <p:cNvPr id="28" name="TextBox 27">
+            <a:extLst>
+              <a:ext uri="{FF2B5EF4-FFF2-40B4-BE49-F238E27FC236}">
+                <a16:creationId xmlns:a16="http://schemas.microsoft.com/office/drawing/2014/main" id="{6E0841A6-B6D2-7E46-821E-B1B2A681F67B}"/>
+              </a:ext>
+            </a:extLst>
+          </p:cNvPr>
+          <p:cNvSpPr txBox="1"/>
+          <p:nvPr/>
+        </p:nvSpPr>
+        <p:spPr>
+          <a:xfrm>
+            <a:off x="-225" y="6121666"/>
+            <a:ext cx="4059936" cy="283168"/>
+          </a:xfrm>
+          <a:prstGeom prst="rect">
+            <a:avLst/>
+          </a:prstGeom>
+          <a:noFill/>
+          <a:ln>
+            <a:noFill/>
+          </a:ln>
+        </p:spPr>
+        <p:txBody>
+          <a:bodyPr wrap="square" rtlCol="0">
+            <a:normAutofit/>
+          </a:bodyPr>
+          <a:lstStyle/>
+          <a:p>
+            <a:pPr algn="ctr">
+              <a:spcAft>
+                <a:spcPts val="600"/>
+              </a:spcAft>
+            </a:pPr>
+            <a:r>
+              <a:rPr lang="en-US" sz="1050" b="1" dirty="0">
+                <a:solidFill>
+                  <a:schemeClr val="tx1">
+                    <a:lumMod val="85000"/>
+                  </a:schemeClr>
+                </a:solidFill>
+              </a:rPr>
+              <a:t>Alexis Perumal</a:t>
+            </a:r>
+          </a:p>
+        </p:txBody>
+      </p:sp>
+      <p:sp>
+        <p:nvSpPr>
+          <p:cNvPr id="30" name="TextBox 29">
+            <a:extLst>
+              <a:ext uri="{FF2B5EF4-FFF2-40B4-BE49-F238E27FC236}">
+                <a16:creationId xmlns:a16="http://schemas.microsoft.com/office/drawing/2014/main" id="{7AE2918A-6B2E-D24C-B3CE-DF90BEA20A58}"/>
+              </a:ext>
+            </a:extLst>
+          </p:cNvPr>
+          <p:cNvSpPr txBox="1"/>
+          <p:nvPr/>
+        </p:nvSpPr>
+        <p:spPr>
+          <a:xfrm>
+            <a:off x="4059711" y="6117872"/>
+            <a:ext cx="4059936" cy="283168"/>
+          </a:xfrm>
+          <a:prstGeom prst="rect">
+            <a:avLst/>
+          </a:prstGeom>
+          <a:noFill/>
+          <a:ln>
+            <a:noFill/>
+          </a:ln>
+        </p:spPr>
+        <p:txBody>
+          <a:bodyPr wrap="square" rtlCol="0">
+            <a:normAutofit/>
+          </a:bodyPr>
+          <a:lstStyle/>
+          <a:p>
+            <a:pPr algn="ctr">
               <a:lnSpc>
                 <a:spcPct val="100000"/>
               </a:lnSpc>
@@ -5223,16 +6889,50 @@
               </a:spcAft>
             </a:pPr>
             <a:r>
-              <a:rPr lang="en-US" sz="2900" dirty="0">
+              <a:rPr lang="en-US" sz="1050" dirty="0">
                 <a:solidFill>
-                  <a:schemeClr val="tx1"/>
+                  <a:schemeClr val="tx1">
+                    <a:lumMod val="85000"/>
+                  </a:schemeClr>
                 </a:solidFill>
               </a:rPr>
-              <a:t> Alexis Perumal </a:t>
-            </a:r>
-          </a:p>
-          <a:p>
-            <a:pPr>
+              <a:t>Grant Thompson</a:t>
+            </a:r>
+          </a:p>
+        </p:txBody>
+      </p:sp>
+      <p:sp>
+        <p:nvSpPr>
+          <p:cNvPr id="32" name="TextBox 31">
+            <a:extLst>
+              <a:ext uri="{FF2B5EF4-FFF2-40B4-BE49-F238E27FC236}">
+                <a16:creationId xmlns:a16="http://schemas.microsoft.com/office/drawing/2014/main" id="{55712276-B1A0-0546-9859-6D17F5BE97F3}"/>
+              </a:ext>
+            </a:extLst>
+          </p:cNvPr>
+          <p:cNvSpPr txBox="1"/>
+          <p:nvPr/>
+        </p:nvSpPr>
+        <p:spPr>
+          <a:xfrm>
+            <a:off x="8132291" y="6104126"/>
+            <a:ext cx="4059936" cy="283168"/>
+          </a:xfrm>
+          <a:prstGeom prst="rect">
+            <a:avLst/>
+          </a:prstGeom>
+          <a:noFill/>
+          <a:ln>
+            <a:noFill/>
+          </a:ln>
+        </p:spPr>
+        <p:txBody>
+          <a:bodyPr wrap="square" rtlCol="0">
+            <a:normAutofit/>
+          </a:bodyPr>
+          <a:lstStyle/>
+          <a:p>
+            <a:pPr algn="ctr">
               <a:lnSpc>
                 <a:spcPct val="100000"/>
               </a:lnSpc>
@@ -5241,16 +6941,50 @@
               </a:spcAft>
             </a:pPr>
             <a:r>
-              <a:rPr lang="en-US" sz="2900" dirty="0">
+              <a:rPr lang="en-US" sz="1050" dirty="0">
                 <a:solidFill>
-                  <a:schemeClr val="tx1"/>
+                  <a:schemeClr val="tx1">
+                    <a:lumMod val="85000"/>
+                  </a:schemeClr>
                 </a:solidFill>
               </a:rPr>
               <a:t>Arundhati Chakraborty</a:t>
             </a:r>
           </a:p>
-          <a:p>
-            <a:pPr>
+        </p:txBody>
+      </p:sp>
+      <p:sp>
+        <p:nvSpPr>
+          <p:cNvPr id="33" name="TextBox 32">
+            <a:extLst>
+              <a:ext uri="{FF2B5EF4-FFF2-40B4-BE49-F238E27FC236}">
+                <a16:creationId xmlns:a16="http://schemas.microsoft.com/office/drawing/2014/main" id="{E704EE12-1A6A-BA4F-B79D-4162D971BB5F}"/>
+              </a:ext>
+            </a:extLst>
+          </p:cNvPr>
+          <p:cNvSpPr txBox="1"/>
+          <p:nvPr/>
+        </p:nvSpPr>
+        <p:spPr>
+          <a:xfrm>
+            <a:off x="4072128" y="6656179"/>
+            <a:ext cx="4059936" cy="283168"/>
+          </a:xfrm>
+          <a:prstGeom prst="rect">
+            <a:avLst/>
+          </a:prstGeom>
+          <a:noFill/>
+          <a:ln>
+            <a:noFill/>
+          </a:ln>
+        </p:spPr>
+        <p:txBody>
+          <a:bodyPr wrap="square" rtlCol="0">
+            <a:normAutofit/>
+          </a:bodyPr>
+          <a:lstStyle/>
+          <a:p>
+            <a:pPr algn="ctr">
               <a:lnSpc>
                 <a:spcPct val="100000"/>
               </a:lnSpc>
@@ -5259,108 +6993,14 @@
               </a:spcAft>
             </a:pPr>
             <a:r>
-              <a:rPr lang="en-US" sz="2900" dirty="0">
+              <a:rPr lang="en-US" sz="800" dirty="0">
                 <a:solidFill>
-                  <a:schemeClr val="tx1"/>
+                  <a:schemeClr val="tx1">
+                    <a:lumMod val="85000"/>
+                  </a:schemeClr>
                 </a:solidFill>
               </a:rPr>
-              <a:t>Grant Thompson</a:t>
-            </a:r>
-          </a:p>
-          <a:p>
-            <a:pPr>
-              <a:lnSpc>
-                <a:spcPct val="100000"/>
-              </a:lnSpc>
-              <a:spcAft>
-                <a:spcPts val="600"/>
-              </a:spcAft>
-            </a:pPr>
-            <a:endParaRPr lang="en-US" sz="500" dirty="0">
-              <a:solidFill>
-                <a:schemeClr val="tx1"/>
-              </a:solidFill>
-            </a:endParaRPr>
-          </a:p>
-        </p:txBody>
-      </p:sp>
-      <p:sp>
-        <p:nvSpPr>
-          <p:cNvPr id="42" name="Rectangle 41">
-            <a:extLst>
-              <a:ext uri="{FF2B5EF4-FFF2-40B4-BE49-F238E27FC236}">
-                <a16:creationId xmlns:a16="http://schemas.microsoft.com/office/drawing/2014/main" id="{9325F979-D3F9-4926-81B7-7ACCB31A501B}"/>
-              </a:ext>
-              <a:ext uri="{C183D7F6-B498-43B3-948B-1728B52AA6E4}">
-                <adec:decorative xmlns:adec="http://schemas.microsoft.com/office/drawing/2017/decorative" val="1"/>
-              </a:ext>
-            </a:extLst>
-          </p:cNvPr>
-          <p:cNvSpPr>
-            <a:spLocks noGrp="1" noRot="1" noChangeAspect="1" noMove="1" noResize="1" noEditPoints="1" noAdjustHandles="1" noChangeArrowheads="1" noChangeShapeType="1" noTextEdit="1"/>
-          </p:cNvSpPr>
-          <p:nvPr>
-            <p:extLst>
-              <p:ext uri="{386F3935-93C4-4BCD-93E2-E3B085C9AB24}">
-                <p16:designElem xmlns:p16="http://schemas.microsoft.com/office/powerpoint/2015/main" val="1"/>
-              </p:ext>
-            </p:extLst>
-          </p:nvPr>
-        </p:nvSpPr>
-        <p:spPr>
-          <a:xfrm>
-            <a:off x="1447801" y="1411615"/>
-            <a:ext cx="9296400" cy="4034770"/>
-          </a:xfrm>
-          <a:prstGeom prst="rect">
-            <a:avLst/>
-          </a:prstGeom>
-          <a:noFill/>
-          <a:ln w="9525" cap="sq" cmpd="sng" algn="ctr">
-            <a:solidFill>
-              <a:schemeClr val="tx1">
-                <a:lumMod val="75000"/>
-                <a:lumOff val="25000"/>
-                <a:alpha val="80000"/>
-              </a:schemeClr>
-            </a:solidFill>
-            <a:prstDash val="solid"/>
-            <a:miter lim="800000"/>
-          </a:ln>
-          <a:effectLst/>
-        </p:spPr>
-      </p:sp>
-      <p:sp>
-        <p:nvSpPr>
-          <p:cNvPr id="4" name="TextBox 3">
-            <a:extLst>
-              <a:ext uri="{FF2B5EF4-FFF2-40B4-BE49-F238E27FC236}">
-                <a16:creationId xmlns:a16="http://schemas.microsoft.com/office/drawing/2014/main" id="{717A170A-5C26-2F47-9EA6-AC22E3174246}"/>
-              </a:ext>
-            </a:extLst>
-          </p:cNvPr>
-          <p:cNvSpPr txBox="1"/>
-          <p:nvPr/>
-        </p:nvSpPr>
-        <p:spPr>
-          <a:xfrm>
-            <a:off x="9920867" y="6459851"/>
-            <a:ext cx="2084225" cy="253916"/>
-          </a:xfrm>
-          <a:prstGeom prst="rect">
-            <a:avLst/>
-          </a:prstGeom>
-          <a:noFill/>
-        </p:spPr>
-        <p:txBody>
-          <a:bodyPr wrap="none" rtlCol="0">
-            <a:spAutoFit/>
-          </a:bodyPr>
-          <a:lstStyle/>
-          <a:p>
-            <a:r>
-              <a:rPr lang="en-US" sz="1050" dirty="0"/>
-              <a:t>UCSD Data Bootcamp, 4/8/2020</a:t>
+              <a:t>UCSD Data Science and Visualization Boot Camp, April 7, 2020</a:t>
             </a:r>
           </a:p>
         </p:txBody>
@@ -5368,7 +7008,7 @@
     </p:spTree>
     <p:extLst>
       <p:ext uri="{BB962C8B-B14F-4D97-AF65-F5344CB8AC3E}">
-        <p14:creationId xmlns:p14="http://schemas.microsoft.com/office/powerpoint/2010/main" val="1871487841"/>
+        <p14:creationId xmlns:p14="http://schemas.microsoft.com/office/powerpoint/2010/main" val="942085001"/>
       </p:ext>
     </p:extLst>
   </p:cSld>
@@ -6384,6 +8024,14 @@
 <file path=ppt/slides/slide15.xml><?xml version="1.0" encoding="utf-8"?>
 <p:sld xmlns:a="http://schemas.openxmlformats.org/drawingml/2006/main" xmlns:r="http://schemas.openxmlformats.org/officeDocument/2006/relationships" xmlns:p="http://schemas.openxmlformats.org/presentationml/2006/main">
   <p:cSld>
+    <p:bg>
+      <p:bgPr>
+        <a:solidFill>
+          <a:schemeClr val="bg1"/>
+        </a:solidFill>
+        <a:effectLst/>
+      </p:bgPr>
+    </p:bg>
     <p:spTree>
       <p:nvGrpSpPr>
         <p:cNvPr id="1" name=""/>
@@ -6398,67 +8046,191 @@
           <a:chExt cx="0" cy="0"/>
         </a:xfrm>
       </p:grpSpPr>
-      <p:sp>
-        <p:nvSpPr>
-          <p:cNvPr id="2" name="Title 1">
+      <p:sp useBgFill="1">
+        <p:nvSpPr>
+          <p:cNvPr id="12" name="Rectangle 11">
             <a:extLst>
               <a:ext uri="{FF2B5EF4-FFF2-40B4-BE49-F238E27FC236}">
-                <a16:creationId xmlns:a16="http://schemas.microsoft.com/office/drawing/2014/main" id="{39B23943-76F7-C14E-96F6-89EAED829F2E}"/>
+                <a16:creationId xmlns:a16="http://schemas.microsoft.com/office/drawing/2014/main" id="{1E94681D-2A4C-4A8D-B9B5-31D440D0328D}"/>
+              </a:ext>
+              <a:ext uri="{C183D7F6-B498-43B3-948B-1728B52AA6E4}">
+                <adec:decorative xmlns:adec="http://schemas.microsoft.com/office/drawing/2017/decorative" val="1"/>
               </a:ext>
             </a:extLst>
           </p:cNvPr>
           <p:cNvSpPr>
-            <a:spLocks noGrp="1"/>
-          </p:cNvSpPr>
-          <p:nvPr>
-            <p:ph type="title"/>
-          </p:nvPr>
-        </p:nvSpPr>
-        <p:spPr/>
-        <p:txBody>
-          <a:bodyPr/>
+            <a:spLocks noGrp="1" noRot="1" noChangeAspect="1" noMove="1" noResize="1" noEditPoints="1" noAdjustHandles="1" noChangeArrowheads="1" noChangeShapeType="1" noTextEdit="1"/>
+          </p:cNvSpPr>
+          <p:nvPr>
+            <p:extLst>
+              <p:ext uri="{386F3935-93C4-4BCD-93E2-E3B085C9AB24}">
+                <p16:designElem xmlns:p16="http://schemas.microsoft.com/office/powerpoint/2015/main" val="1"/>
+              </p:ext>
+            </p:extLst>
+          </p:nvPr>
+        </p:nvSpPr>
+        <p:spPr>
+          <a:xfrm>
+            <a:off x="0" y="0"/>
+            <a:ext cx="12192000" cy="6858000"/>
+          </a:xfrm>
+          <a:prstGeom prst="rect">
+            <a:avLst/>
+          </a:prstGeom>
+          <a:ln>
+            <a:noFill/>
+          </a:ln>
+        </p:spPr>
+        <p:style>
+          <a:lnRef idx="2">
+            <a:schemeClr val="accent1">
+              <a:shade val="50000"/>
+            </a:schemeClr>
+          </a:lnRef>
+          <a:fillRef idx="1">
+            <a:schemeClr val="accent1"/>
+          </a:fillRef>
+          <a:effectRef idx="0">
+            <a:schemeClr val="accent1"/>
+          </a:effectRef>
+          <a:fontRef idx="minor">
+            <a:schemeClr val="lt1"/>
+          </a:fontRef>
+        </p:style>
+        <p:txBody>
+          <a:bodyPr rtlCol="0" anchor="ctr"/>
           <a:lstStyle/>
           <a:p>
-            <a:r>
-              <a:rPr lang="en-US" b="0" dirty="0"/>
-              <a:t>Conclusion</a:t>
-            </a:r>
-            <a:br>
-              <a:rPr lang="en-US" b="0" dirty="0"/>
-            </a:br>
+            <a:pPr algn="ctr"/>
             <a:endParaRPr lang="en-US"/>
           </a:p>
         </p:txBody>
       </p:sp>
       <p:sp>
         <p:nvSpPr>
-          <p:cNvPr id="3" name="Content Placeholder 2">
+          <p:cNvPr id="14" name="Rectangle 13">
             <a:extLst>
               <a:ext uri="{FF2B5EF4-FFF2-40B4-BE49-F238E27FC236}">
-                <a16:creationId xmlns:a16="http://schemas.microsoft.com/office/drawing/2014/main" id="{ABC6C275-35A3-834C-8D23-E851E94AC1E2}"/>
+                <a16:creationId xmlns:a16="http://schemas.microsoft.com/office/drawing/2014/main" id="{4EC7E010-C712-408D-9787-0842AFC9F4BB}"/>
+              </a:ext>
+              <a:ext uri="{C183D7F6-B498-43B3-948B-1728B52AA6E4}">
+                <adec:decorative xmlns:adec="http://schemas.microsoft.com/office/drawing/2017/decorative" val="1"/>
               </a:ext>
             </a:extLst>
           </p:cNvPr>
           <p:cNvSpPr>
-            <a:spLocks noGrp="1"/>
-          </p:cNvSpPr>
-          <p:nvPr>
-            <p:ph idx="1"/>
-          </p:nvPr>
-        </p:nvSpPr>
-        <p:spPr/>
-        <p:txBody>
-          <a:bodyPr/>
-          <a:lstStyle/>
-          <a:p>
-            <a:endParaRPr lang="en-US"/>
-          </a:p>
-        </p:txBody>
-      </p:sp>
+            <a:spLocks noGrp="1" noRot="1" noChangeAspect="1" noMove="1" noResize="1" noEditPoints="1" noAdjustHandles="1" noChangeArrowheads="1" noChangeShapeType="1" noTextEdit="1"/>
+          </p:cNvSpPr>
+          <p:nvPr>
+            <p:extLst>
+              <p:ext uri="{386F3935-93C4-4BCD-93E2-E3B085C9AB24}">
+                <p16:designElem xmlns:p16="http://schemas.microsoft.com/office/powerpoint/2015/main" val="1"/>
+              </p:ext>
+            </p:extLst>
+          </p:nvPr>
+        </p:nvSpPr>
+        <p:spPr>
+          <a:xfrm>
+            <a:off x="234696" y="237744"/>
+            <a:ext cx="11722608" cy="6382512"/>
+          </a:xfrm>
+          <a:prstGeom prst="rect">
+            <a:avLst/>
+          </a:prstGeom>
+          <a:solidFill>
+            <a:schemeClr val="bg1">
+              <a:lumMod val="75000"/>
+              <a:alpha val="60000"/>
+            </a:schemeClr>
+          </a:solidFill>
+          <a:ln w="6350" cap="flat" cmpd="sng" algn="ctr">
+            <a:noFill/>
+            <a:prstDash val="solid"/>
+          </a:ln>
+          <a:effectLst>
+            <a:softEdge rad="0"/>
+          </a:effectLst>
+        </p:spPr>
+      </p:sp>
+      <p:sp>
+        <p:nvSpPr>
+          <p:cNvPr id="16" name="Rectangle 15">
+            <a:extLst>
+              <a:ext uri="{FF2B5EF4-FFF2-40B4-BE49-F238E27FC236}">
+                <a16:creationId xmlns:a16="http://schemas.microsoft.com/office/drawing/2014/main" id="{0503FCEF-A9BA-4991-9220-E36615FB8B53}"/>
+              </a:ext>
+              <a:ext uri="{C183D7F6-B498-43B3-948B-1728B52AA6E4}">
+                <adec:decorative xmlns:adec="http://schemas.microsoft.com/office/drawing/2017/decorative" val="1"/>
+              </a:ext>
+            </a:extLst>
+          </p:cNvPr>
+          <p:cNvSpPr>
+            <a:spLocks noGrp="1" noRot="1" noChangeAspect="1" noMove="1" noResize="1" noEditPoints="1" noAdjustHandles="1" noChangeArrowheads="1" noChangeShapeType="1" noTextEdit="1"/>
+          </p:cNvSpPr>
+          <p:nvPr>
+            <p:extLst>
+              <p:ext uri="{386F3935-93C4-4BCD-93E2-E3B085C9AB24}">
+                <p16:designElem xmlns:p16="http://schemas.microsoft.com/office/powerpoint/2015/main" val="1"/>
+              </p:ext>
+            </p:extLst>
+          </p:nvPr>
+        </p:nvSpPr>
+        <p:spPr>
+          <a:xfrm>
+            <a:off x="371856" y="374904"/>
+            <a:ext cx="11448288" cy="6108192"/>
+          </a:xfrm>
+          <a:prstGeom prst="rect">
+            <a:avLst/>
+          </a:prstGeom>
+          <a:noFill/>
+          <a:ln w="6350" cap="sq" cmpd="sng" algn="ctr">
+            <a:solidFill>
+              <a:schemeClr val="tx1">
+                <a:lumMod val="85000"/>
+                <a:lumOff val="15000"/>
+              </a:schemeClr>
+            </a:solidFill>
+            <a:prstDash val="solid"/>
+            <a:miter lim="800000"/>
+          </a:ln>
+          <a:effectLst/>
+        </p:spPr>
+      </p:sp>
+      <p:pic>
+        <p:nvPicPr>
+          <p:cNvPr id="7" name="Picture 6" descr="A close up of a pen&#10;&#10;Description automatically generated">
+            <a:extLst>
+              <a:ext uri="{FF2B5EF4-FFF2-40B4-BE49-F238E27FC236}">
+                <a16:creationId xmlns:a16="http://schemas.microsoft.com/office/drawing/2014/main" id="{8FEB52D0-23ED-894E-98C3-613370C537D1}"/>
+              </a:ext>
+            </a:extLst>
+          </p:cNvPr>
+          <p:cNvPicPr>
+            <a:picLocks noChangeAspect="1"/>
+          </p:cNvPicPr>
+          <p:nvPr/>
+        </p:nvPicPr>
+        <p:blipFill>
+          <a:blip r:embed="rId2"/>
+          <a:stretch>
+            <a:fillRect/>
+          </a:stretch>
+        </p:blipFill>
+        <p:spPr>
+          <a:xfrm>
+            <a:off x="1922917" y="643467"/>
+            <a:ext cx="8346166" cy="5571066"/>
+          </a:xfrm>
+          <a:prstGeom prst="rect">
+            <a:avLst/>
+          </a:prstGeom>
+        </p:spPr>
+      </p:pic>
     </p:spTree>
     <p:extLst>
       <p:ext uri="{BB962C8B-B14F-4D97-AF65-F5344CB8AC3E}">
-        <p14:creationId xmlns:p14="http://schemas.microsoft.com/office/powerpoint/2010/main" val="746613825"/>
+        <p14:creationId xmlns:p14="http://schemas.microsoft.com/office/powerpoint/2010/main" val="1014911088"/>
       </p:ext>
     </p:extLst>
   </p:cSld>
@@ -6493,163 +8265,12 @@
           <a:chExt cx="0" cy="0"/>
         </a:xfrm>
       </p:grpSpPr>
-      <p:sp useBgFill="1">
-        <p:nvSpPr>
-          <p:cNvPr id="12" name="Rectangle 11">
+      <p:pic>
+        <p:nvPicPr>
+          <p:cNvPr id="5" name="Picture 4" descr="A picture containing cup, looking, sitting, close&#10;&#10;Description automatically generated">
             <a:extLst>
               <a:ext uri="{FF2B5EF4-FFF2-40B4-BE49-F238E27FC236}">
-                <a16:creationId xmlns:a16="http://schemas.microsoft.com/office/drawing/2014/main" id="{1E94681D-2A4C-4A8D-B9B5-31D440D0328D}"/>
-              </a:ext>
-              <a:ext uri="{C183D7F6-B498-43B3-948B-1728B52AA6E4}">
-                <adec:decorative xmlns:adec="http://schemas.microsoft.com/office/drawing/2017/decorative" val="1"/>
-              </a:ext>
-            </a:extLst>
-          </p:cNvPr>
-          <p:cNvSpPr>
-            <a:spLocks noGrp="1" noRot="1" noChangeAspect="1" noMove="1" noResize="1" noEditPoints="1" noAdjustHandles="1" noChangeArrowheads="1" noChangeShapeType="1" noTextEdit="1"/>
-          </p:cNvSpPr>
-          <p:nvPr>
-            <p:extLst>
-              <p:ext uri="{386F3935-93C4-4BCD-93E2-E3B085C9AB24}">
-                <p16:designElem xmlns:p16="http://schemas.microsoft.com/office/powerpoint/2015/main" val="1"/>
-              </p:ext>
-            </p:extLst>
-          </p:nvPr>
-        </p:nvSpPr>
-        <p:spPr>
-          <a:xfrm>
-            <a:off x="0" y="0"/>
-            <a:ext cx="12192000" cy="6858000"/>
-          </a:xfrm>
-          <a:prstGeom prst="rect">
-            <a:avLst/>
-          </a:prstGeom>
-          <a:ln>
-            <a:noFill/>
-          </a:ln>
-        </p:spPr>
-        <p:style>
-          <a:lnRef idx="2">
-            <a:schemeClr val="accent1">
-              <a:shade val="50000"/>
-            </a:schemeClr>
-          </a:lnRef>
-          <a:fillRef idx="1">
-            <a:schemeClr val="accent1"/>
-          </a:fillRef>
-          <a:effectRef idx="0">
-            <a:schemeClr val="accent1"/>
-          </a:effectRef>
-          <a:fontRef idx="minor">
-            <a:schemeClr val="lt1"/>
-          </a:fontRef>
-        </p:style>
-        <p:txBody>
-          <a:bodyPr rtlCol="0" anchor="ctr"/>
-          <a:lstStyle/>
-          <a:p>
-            <a:pPr algn="ctr"/>
-            <a:endParaRPr lang="en-US"/>
-          </a:p>
-        </p:txBody>
-      </p:sp>
-      <p:sp>
-        <p:nvSpPr>
-          <p:cNvPr id="14" name="Rectangle 13">
-            <a:extLst>
-              <a:ext uri="{FF2B5EF4-FFF2-40B4-BE49-F238E27FC236}">
-                <a16:creationId xmlns:a16="http://schemas.microsoft.com/office/drawing/2014/main" id="{4EC7E010-C712-408D-9787-0842AFC9F4BB}"/>
-              </a:ext>
-              <a:ext uri="{C183D7F6-B498-43B3-948B-1728B52AA6E4}">
-                <adec:decorative xmlns:adec="http://schemas.microsoft.com/office/drawing/2017/decorative" val="1"/>
-              </a:ext>
-            </a:extLst>
-          </p:cNvPr>
-          <p:cNvSpPr>
-            <a:spLocks noGrp="1" noRot="1" noChangeAspect="1" noMove="1" noResize="1" noEditPoints="1" noAdjustHandles="1" noChangeArrowheads="1" noChangeShapeType="1" noTextEdit="1"/>
-          </p:cNvSpPr>
-          <p:nvPr>
-            <p:extLst>
-              <p:ext uri="{386F3935-93C4-4BCD-93E2-E3B085C9AB24}">
-                <p16:designElem xmlns:p16="http://schemas.microsoft.com/office/powerpoint/2015/main" val="1"/>
-              </p:ext>
-            </p:extLst>
-          </p:nvPr>
-        </p:nvSpPr>
-        <p:spPr>
-          <a:xfrm>
-            <a:off x="234696" y="237744"/>
-            <a:ext cx="11722608" cy="6382512"/>
-          </a:xfrm>
-          <a:prstGeom prst="rect">
-            <a:avLst/>
-          </a:prstGeom>
-          <a:solidFill>
-            <a:schemeClr val="bg1">
-              <a:lumMod val="75000"/>
-              <a:alpha val="60000"/>
-            </a:schemeClr>
-          </a:solidFill>
-          <a:ln w="6350" cap="flat" cmpd="sng" algn="ctr">
-            <a:noFill/>
-            <a:prstDash val="solid"/>
-          </a:ln>
-          <a:effectLst>
-            <a:softEdge rad="0"/>
-          </a:effectLst>
-        </p:spPr>
-      </p:sp>
-      <p:sp>
-        <p:nvSpPr>
-          <p:cNvPr id="16" name="Rectangle 15">
-            <a:extLst>
-              <a:ext uri="{FF2B5EF4-FFF2-40B4-BE49-F238E27FC236}">
-                <a16:creationId xmlns:a16="http://schemas.microsoft.com/office/drawing/2014/main" id="{0503FCEF-A9BA-4991-9220-E36615FB8B53}"/>
-              </a:ext>
-              <a:ext uri="{C183D7F6-B498-43B3-948B-1728B52AA6E4}">
-                <adec:decorative xmlns:adec="http://schemas.microsoft.com/office/drawing/2017/decorative" val="1"/>
-              </a:ext>
-            </a:extLst>
-          </p:cNvPr>
-          <p:cNvSpPr>
-            <a:spLocks noGrp="1" noRot="1" noChangeAspect="1" noMove="1" noResize="1" noEditPoints="1" noAdjustHandles="1" noChangeArrowheads="1" noChangeShapeType="1" noTextEdit="1"/>
-          </p:cNvSpPr>
-          <p:nvPr>
-            <p:extLst>
-              <p:ext uri="{386F3935-93C4-4BCD-93E2-E3B085C9AB24}">
-                <p16:designElem xmlns:p16="http://schemas.microsoft.com/office/powerpoint/2015/main" val="1"/>
-              </p:ext>
-            </p:extLst>
-          </p:nvPr>
-        </p:nvSpPr>
-        <p:spPr>
-          <a:xfrm>
-            <a:off x="371856" y="374904"/>
-            <a:ext cx="11448288" cy="6108192"/>
-          </a:xfrm>
-          <a:prstGeom prst="rect">
-            <a:avLst/>
-          </a:prstGeom>
-          <a:noFill/>
-          <a:ln w="6350" cap="sq" cmpd="sng" algn="ctr">
-            <a:solidFill>
-              <a:schemeClr val="tx1">
-                <a:lumMod val="85000"/>
-                <a:lumOff val="15000"/>
-              </a:schemeClr>
-            </a:solidFill>
-            <a:prstDash val="solid"/>
-            <a:miter lim="800000"/>
-          </a:ln>
-          <a:effectLst/>
-        </p:spPr>
-      </p:sp>
-      <p:pic>
-        <p:nvPicPr>
-          <p:cNvPr id="7" name="Picture 6" descr="A close up of a pen&#10;&#10;Description automatically generated">
-            <a:extLst>
-              <a:ext uri="{FF2B5EF4-FFF2-40B4-BE49-F238E27FC236}">
-                <a16:creationId xmlns:a16="http://schemas.microsoft.com/office/drawing/2014/main" id="{8FEB52D0-23ED-894E-98C3-613370C537D1}"/>
+                <a16:creationId xmlns:a16="http://schemas.microsoft.com/office/drawing/2014/main" id="{FC68B89D-57AC-3C4D-A7C8-4DDFE03E0910}"/>
               </a:ext>
             </a:extLst>
           </p:cNvPr>
@@ -6658,31 +8279,40 @@
           </p:cNvPicPr>
           <p:nvPr/>
         </p:nvPicPr>
-        <p:blipFill>
-          <a:blip r:embed="rId2"/>
-          <a:stretch>
-            <a:fillRect/>
-          </a:stretch>
+        <p:blipFill rotWithShape="1">
+          <a:blip r:embed="rId2">
+            <a:alphaModFix amt="45000"/>
+          </a:blip>
+          <a:srcRect l="19592" r="4407" b="-1"/>
+          <a:stretch/>
         </p:blipFill>
         <p:spPr>
           <a:xfrm>
-            <a:off x="1922917" y="643467"/>
-            <a:ext cx="8346166" cy="5571066"/>
+            <a:off x="20" y="10"/>
+            <a:ext cx="12191980" cy="6857990"/>
           </a:xfrm>
           <a:prstGeom prst="rect">
             <a:avLst/>
           </a:prstGeom>
+          <a:ln>
+            <a:noFill/>
+          </a:ln>
+          <a:effectLst>
+            <a:outerShdw blurRad="50800" dist="50800" dir="5400000" algn="ctr" rotWithShape="0">
+              <a:srgbClr val="000000"/>
+            </a:outerShdw>
+          </a:effectLst>
         </p:spPr>
       </p:pic>
     </p:spTree>
     <p:extLst>
       <p:ext uri="{BB962C8B-B14F-4D97-AF65-F5344CB8AC3E}">
-        <p14:creationId xmlns:p14="http://schemas.microsoft.com/office/powerpoint/2010/main" val="1014911088"/>
+        <p14:creationId xmlns:p14="http://schemas.microsoft.com/office/powerpoint/2010/main" val="1871487841"/>
       </p:ext>
     </p:extLst>
   </p:cSld>
   <p:clrMapOvr>
-    <a:masterClrMapping/>
+    <a:overrideClrMapping bg1="dk1" tx1="lt1" bg2="dk2" tx2="lt2" accent1="accent1" accent2="accent2" accent3="accent3" accent4="accent4" accent5="accent5" accent6="accent6" hlink="hlink" folHlink="folHlink"/>
   </p:clrMapOvr>
 </p:sld>
 </file>
@@ -6706,10 +8336,35 @@
       </p:grpSpPr>
       <p:sp>
         <p:nvSpPr>
+          <p:cNvPr id="2" name="Title 1">
+            <a:extLst>
+              <a:ext uri="{FF2B5EF4-FFF2-40B4-BE49-F238E27FC236}">
+                <a16:creationId xmlns:a16="http://schemas.microsoft.com/office/drawing/2014/main" id="{B6AEAD6D-9CA6-BB4A-AF57-6AE8D1710757}"/>
+              </a:ext>
+            </a:extLst>
+          </p:cNvPr>
+          <p:cNvSpPr>
+            <a:spLocks noGrp="1"/>
+          </p:cNvSpPr>
+          <p:nvPr>
+            <p:ph type="title"/>
+          </p:nvPr>
+        </p:nvSpPr>
+        <p:spPr/>
+        <p:txBody>
+          <a:bodyPr/>
+          <a:lstStyle/>
+          <a:p>
+            <a:endParaRPr lang="en-US"/>
+          </a:p>
+        </p:txBody>
+      </p:sp>
+      <p:sp>
+        <p:nvSpPr>
           <p:cNvPr id="3" name="Content Placeholder 2">
             <a:extLst>
               <a:ext uri="{FF2B5EF4-FFF2-40B4-BE49-F238E27FC236}">
-                <a16:creationId xmlns:a16="http://schemas.microsoft.com/office/drawing/2014/main" id="{0AE583CC-2A2B-DC4F-92C9-ADE3575749D3}"/>
+                <a16:creationId xmlns:a16="http://schemas.microsoft.com/office/drawing/2014/main" id="{62DB37FC-D1CF-C341-81A5-D182FA254D52}"/>
               </a:ext>
             </a:extLst>
           </p:cNvPr>
@@ -6720,225 +8375,19 @@
             <p:ph idx="1"/>
           </p:nvPr>
         </p:nvSpPr>
-        <p:spPr>
-          <a:xfrm>
-            <a:off x="1066800" y="866899"/>
-            <a:ext cx="10058400" cy="5085845"/>
-          </a:xfrm>
-        </p:spPr>
-        <p:txBody>
-          <a:bodyPr>
-            <a:normAutofit fontScale="92500" lnSpcReduction="20000"/>
-          </a:bodyPr>
+        <p:spPr/>
+        <p:txBody>
+          <a:bodyPr/>
           <a:lstStyle/>
           <a:p>
-            <a:pPr marL="0" indent="0">
-              <a:buNone/>
-            </a:pPr>
-            <a:endParaRPr lang="en-US" sz="3600" dirty="0"/>
-          </a:p>
-          <a:p>
-            <a:pPr marL="0" indent="0">
-              <a:buNone/>
-            </a:pPr>
-            <a:r>
-              <a:rPr lang="en-US" sz="3600" dirty="0"/>
-              <a:t>     Contents   </a:t>
-            </a:r>
-          </a:p>
-          <a:p>
-            <a:pPr marL="0" indent="0">
-              <a:buNone/>
-            </a:pPr>
-            <a:r>
-              <a:rPr lang="en-US" sz="3600" dirty="0"/>
-              <a:t>                       </a:t>
-            </a:r>
-            <a:r>
-              <a:rPr lang="en-US" sz="2000" dirty="0"/>
-              <a:t>1. The </a:t>
-            </a:r>
-            <a:r>
-              <a:rPr lang="en-US" sz="2000" dirty="0" err="1"/>
-              <a:t>Covid</a:t>
-            </a:r>
-            <a:r>
-              <a:rPr lang="en-US" sz="2000" dirty="0"/>
-              <a:t> Pandemic</a:t>
-            </a:r>
-          </a:p>
-          <a:p>
-            <a:pPr marL="0" indent="0">
-              <a:buNone/>
-            </a:pPr>
-            <a:r>
-              <a:rPr lang="en-US" sz="2000" dirty="0"/>
-              <a:t>Goal, </a:t>
-            </a:r>
-            <a:r>
-              <a:rPr lang="en-US" sz="1800" dirty="0"/>
-              <a:t>Description, data source</a:t>
-            </a:r>
-          </a:p>
-          <a:p>
-            <a:pPr marL="0" indent="0">
-              <a:buNone/>
-            </a:pPr>
-            <a:r>
-              <a:rPr lang="en-US" sz="1800" dirty="0"/>
-              <a:t>                                              2. Libraries</a:t>
-            </a:r>
-          </a:p>
-          <a:p>
-            <a:pPr marL="0" indent="0">
-              <a:buNone/>
-            </a:pPr>
-            <a:r>
-              <a:rPr lang="en-US" sz="1800" dirty="0"/>
-              <a:t>                                              3. Style guide, wireframe</a:t>
-            </a:r>
-          </a:p>
-          <a:p>
-            <a:pPr marL="0" indent="0">
-              <a:buNone/>
-            </a:pPr>
-            <a:r>
-              <a:rPr lang="en-US" sz="1800" dirty="0"/>
-              <a:t>		              4. Accidents by state</a:t>
-            </a:r>
-          </a:p>
-          <a:p>
-            <a:pPr marL="0" indent="0">
-              <a:buNone/>
-            </a:pPr>
-            <a:r>
-              <a:rPr lang="en-US" sz="1800" dirty="0"/>
-              <a:t>                                              5. Steps followed storing data in MongoDB, building server, connecting FE</a:t>
-            </a:r>
-          </a:p>
-          <a:p>
-            <a:pPr marL="0" indent="0">
-              <a:buNone/>
-            </a:pPr>
-            <a:r>
-              <a:rPr lang="en-US" sz="1800" dirty="0"/>
-              <a:t>                                              6. building charts</a:t>
-            </a:r>
-          </a:p>
-          <a:p>
-            <a:pPr marL="0" indent="0">
-              <a:buNone/>
-            </a:pPr>
-            <a:r>
-              <a:rPr lang="en-US" sz="1800" dirty="0"/>
-              <a:t>                                              7. conclusion</a:t>
-            </a:r>
-          </a:p>
-          <a:p>
-            <a:pPr marL="0" indent="0">
-              <a:buNone/>
-            </a:pPr>
-            <a:r>
-              <a:rPr lang="en-US" sz="1800" dirty="0"/>
-              <a:t>                                             </a:t>
-            </a:r>
-          </a:p>
-          <a:p>
-            <a:pPr marL="0" indent="0">
-              <a:buNone/>
-            </a:pPr>
-            <a:r>
-              <a:rPr lang="en-US" sz="1800" dirty="0"/>
-              <a:t>                                                                           </a:t>
-            </a:r>
-          </a:p>
-        </p:txBody>
-      </p:sp>
-      <p:cxnSp>
-        <p:nvCxnSpPr>
-          <p:cNvPr id="6" name="Straight Connector 5">
-            <a:extLst>
-              <a:ext uri="{FF2B5EF4-FFF2-40B4-BE49-F238E27FC236}">
-                <a16:creationId xmlns:a16="http://schemas.microsoft.com/office/drawing/2014/main" id="{31770C06-0DB5-BD47-9A41-E0DD9EF12930}"/>
-              </a:ext>
-            </a:extLst>
-          </p:cNvPr>
-          <p:cNvCxnSpPr/>
-          <p:nvPr/>
-        </p:nvCxnSpPr>
-        <p:spPr>
-          <a:xfrm>
-            <a:off x="3705101" y="1631697"/>
-            <a:ext cx="0" cy="3895107"/>
-          </a:xfrm>
-          <a:prstGeom prst="line">
-            <a:avLst/>
-          </a:prstGeom>
-        </p:spPr>
-        <p:style>
-          <a:lnRef idx="1">
-            <a:schemeClr val="accent1"/>
-          </a:lnRef>
-          <a:fillRef idx="0">
-            <a:schemeClr val="accent1"/>
-          </a:fillRef>
-          <a:effectRef idx="0">
-            <a:schemeClr val="accent1"/>
-          </a:effectRef>
-          <a:fontRef idx="minor">
-            <a:schemeClr val="tx1"/>
-          </a:fontRef>
-        </p:style>
-      </p:cxnSp>
-      <p:sp>
-        <p:nvSpPr>
-          <p:cNvPr id="2" name="TextBox 1">
-            <a:extLst>
-              <a:ext uri="{FF2B5EF4-FFF2-40B4-BE49-F238E27FC236}">
-                <a16:creationId xmlns:a16="http://schemas.microsoft.com/office/drawing/2014/main" id="{D2821902-7152-C440-8EA6-90230D465B5E}"/>
-              </a:ext>
-            </a:extLst>
-          </p:cNvPr>
-          <p:cNvSpPr txBox="1"/>
-          <p:nvPr/>
-        </p:nvSpPr>
-        <p:spPr>
-          <a:xfrm>
-            <a:off x="6096000" y="905256"/>
-            <a:ext cx="5279715" cy="369332"/>
-          </a:xfrm>
-          <a:prstGeom prst="rect">
-            <a:avLst/>
-          </a:prstGeom>
-          <a:solidFill>
-            <a:srgbClr val="FFC000"/>
-          </a:solidFill>
-        </p:spPr>
-        <p:txBody>
-          <a:bodyPr wrap="none" rtlCol="0">
-            <a:spAutoFit/>
-          </a:bodyPr>
-          <a:lstStyle/>
-          <a:p>
-            <a:r>
-              <a:rPr lang="en-US" dirty="0"/>
-              <a:t>Add reference to static and flask/</a:t>
-            </a:r>
-            <a:r>
-              <a:rPr lang="en-US" dirty="0" err="1"/>
-              <a:t>mongoDB</a:t>
-            </a:r>
-            <a:r>
-              <a:rPr lang="en-US" dirty="0"/>
-              <a:t> variants.</a:t>
-            </a:r>
+            <a:endParaRPr lang="en-US"/>
           </a:p>
         </p:txBody>
       </p:sp>
     </p:spTree>
     <p:extLst>
       <p:ext uri="{BB962C8B-B14F-4D97-AF65-F5344CB8AC3E}">
-        <p14:creationId xmlns:p14="http://schemas.microsoft.com/office/powerpoint/2010/main" val="3524609305"/>
+        <p14:creationId xmlns:p14="http://schemas.microsoft.com/office/powerpoint/2010/main" val="2258911787"/>
       </p:ext>
     </p:extLst>
   </p:cSld>
@@ -6951,6 +8400,14 @@
 <file path=ppt/slides/slide3.xml><?xml version="1.0" encoding="utf-8"?>
 <p:sld xmlns:a="http://schemas.openxmlformats.org/drawingml/2006/main" xmlns:r="http://schemas.openxmlformats.org/officeDocument/2006/relationships" xmlns:p="http://schemas.openxmlformats.org/presentationml/2006/main">
   <p:cSld>
+    <p:bg>
+      <p:bgPr>
+        <a:solidFill>
+          <a:schemeClr val="bg1"/>
+        </a:solidFill>
+        <a:effectLst/>
+      </p:bgPr>
+    </p:bg>
     <p:spTree>
       <p:nvGrpSpPr>
         <p:cNvPr id="1" name=""/>
@@ -6967,10 +8424,672 @@
       </p:grpSpPr>
       <p:sp>
         <p:nvSpPr>
+          <p:cNvPr id="14" name="Rectangle 13">
+            <a:extLst>
+              <a:ext uri="{FF2B5EF4-FFF2-40B4-BE49-F238E27FC236}">
+                <a16:creationId xmlns:a16="http://schemas.microsoft.com/office/drawing/2014/main" id="{904DB13E-F722-4ED6-BB00-556651E95281}"/>
+              </a:ext>
+              <a:ext uri="{C183D7F6-B498-43B3-948B-1728B52AA6E4}">
+                <adec:decorative xmlns:adec="http://schemas.microsoft.com/office/drawing/2017/decorative" val="1"/>
+              </a:ext>
+            </a:extLst>
+          </p:cNvPr>
+          <p:cNvSpPr>
+            <a:spLocks noGrp="1" noRot="1" noChangeAspect="1" noMove="1" noResize="1" noEditPoints="1" noAdjustHandles="1" noChangeArrowheads="1" noChangeShapeType="1" noTextEdit="1"/>
+          </p:cNvSpPr>
+          <p:nvPr>
+            <p:extLst>
+              <p:ext uri="{386F3935-93C4-4BCD-93E2-E3B085C9AB24}">
+                <p16:designElem xmlns:p16="http://schemas.microsoft.com/office/powerpoint/2015/main" val="1"/>
+              </p:ext>
+            </p:extLst>
+          </p:nvPr>
+        </p:nvSpPr>
+        <p:spPr>
+          <a:xfrm>
+            <a:off x="0" y="0"/>
+            <a:ext cx="12192000" cy="6858000"/>
+          </a:xfrm>
+          <a:prstGeom prst="rect">
+            <a:avLst/>
+          </a:prstGeom>
+          <a:solidFill>
+            <a:schemeClr val="tx1">
+              <a:lumMod val="65000"/>
+              <a:lumOff val="35000"/>
+            </a:schemeClr>
+          </a:solidFill>
+          <a:ln>
+            <a:noFill/>
+          </a:ln>
+        </p:spPr>
+        <p:style>
+          <a:lnRef idx="2">
+            <a:schemeClr val="accent1">
+              <a:shade val="50000"/>
+            </a:schemeClr>
+          </a:lnRef>
+          <a:fillRef idx="1">
+            <a:schemeClr val="accent1"/>
+          </a:fillRef>
+          <a:effectRef idx="0">
+            <a:schemeClr val="accent1"/>
+          </a:effectRef>
+          <a:fontRef idx="minor">
+            <a:schemeClr val="lt1"/>
+          </a:fontRef>
+        </p:style>
+        <p:txBody>
+          <a:bodyPr rtlCol="0" anchor="ctr"/>
+          <a:lstStyle/>
+          <a:p>
+            <a:pPr algn="ctr"/>
+            <a:endParaRPr lang="en-US"/>
+          </a:p>
+        </p:txBody>
+      </p:sp>
+      <p:sp useBgFill="1">
+        <p:nvSpPr>
+          <p:cNvPr id="16" name="Rectangle 15">
+            <a:extLst>
+              <a:ext uri="{FF2B5EF4-FFF2-40B4-BE49-F238E27FC236}">
+                <a16:creationId xmlns:a16="http://schemas.microsoft.com/office/drawing/2014/main" id="{1D91E3E1-5159-4DA9-8C1A-3897E909473B}"/>
+              </a:ext>
+              <a:ext uri="{C183D7F6-B498-43B3-948B-1728B52AA6E4}">
+                <adec:decorative xmlns:adec="http://schemas.microsoft.com/office/drawing/2017/decorative" val="1"/>
+              </a:ext>
+            </a:extLst>
+          </p:cNvPr>
+          <p:cNvSpPr>
+            <a:spLocks noGrp="1" noRot="1" noChangeAspect="1" noMove="1" noResize="1" noEditPoints="1" noAdjustHandles="1" noChangeArrowheads="1" noChangeShapeType="1" noTextEdit="1"/>
+          </p:cNvSpPr>
+          <p:nvPr>
+            <p:extLst>
+              <p:ext uri="{386F3935-93C4-4BCD-93E2-E3B085C9AB24}">
+                <p16:designElem xmlns:p16="http://schemas.microsoft.com/office/powerpoint/2015/main" val="1"/>
+              </p:ext>
+            </p:extLst>
+          </p:nvPr>
+        </p:nvSpPr>
+        <p:spPr>
+          <a:xfrm>
+            <a:off x="1307870" y="1267730"/>
+            <a:ext cx="9576262" cy="4307950"/>
+          </a:xfrm>
+          <a:prstGeom prst="rect">
+            <a:avLst/>
+          </a:prstGeom>
+          <a:ln w="6350" cap="flat" cmpd="sng" algn="ctr">
+            <a:noFill/>
+            <a:prstDash val="solid"/>
+          </a:ln>
+          <a:effectLst>
+            <a:outerShdw blurRad="50800" algn="ctr" rotWithShape="0">
+              <a:prstClr val="black">
+                <a:alpha val="66000"/>
+              </a:prstClr>
+            </a:outerShdw>
+            <a:softEdge rad="0"/>
+          </a:effectLst>
+        </p:spPr>
+      </p:sp>
+      <p:sp>
+        <p:nvSpPr>
+          <p:cNvPr id="18" name="Rectangle 17">
+            <a:extLst>
+              <a:ext uri="{FF2B5EF4-FFF2-40B4-BE49-F238E27FC236}">
+                <a16:creationId xmlns:a16="http://schemas.microsoft.com/office/drawing/2014/main" id="{A9EF7E53-E975-4A5C-BF5D-D874044856E9}"/>
+              </a:ext>
+              <a:ext uri="{C183D7F6-B498-43B3-948B-1728B52AA6E4}">
+                <adec:decorative xmlns:adec="http://schemas.microsoft.com/office/drawing/2017/decorative" val="1"/>
+              </a:ext>
+            </a:extLst>
+          </p:cNvPr>
+          <p:cNvSpPr>
+            <a:spLocks noGrp="1" noRot="1" noChangeAspect="1" noMove="1" noResize="1" noEditPoints="1" noAdjustHandles="1" noChangeArrowheads="1" noChangeShapeType="1" noTextEdit="1"/>
+          </p:cNvSpPr>
+          <p:nvPr>
+            <p:extLst>
+              <p:ext uri="{386F3935-93C4-4BCD-93E2-E3B085C9AB24}">
+                <p16:designElem xmlns:p16="http://schemas.microsoft.com/office/powerpoint/2015/main" val="1"/>
+              </p:ext>
+            </p:extLst>
+          </p:nvPr>
+        </p:nvSpPr>
+        <p:spPr>
+          <a:xfrm>
+            <a:off x="1447801" y="1411615"/>
+            <a:ext cx="9296400" cy="4034770"/>
+          </a:xfrm>
+          <a:prstGeom prst="rect">
+            <a:avLst/>
+          </a:prstGeom>
+          <a:noFill/>
+          <a:ln w="6350" cap="sq" cmpd="sng" algn="ctr">
+            <a:solidFill>
+              <a:schemeClr val="tx1">
+                <a:lumMod val="75000"/>
+                <a:lumOff val="25000"/>
+              </a:schemeClr>
+            </a:solidFill>
+            <a:prstDash val="solid"/>
+            <a:miter lim="800000"/>
+          </a:ln>
+          <a:effectLst/>
+        </p:spPr>
+      </p:sp>
+      <p:sp>
+        <p:nvSpPr>
+          <p:cNvPr id="20" name="Rectangle 19">
+            <a:extLst>
+              <a:ext uri="{FF2B5EF4-FFF2-40B4-BE49-F238E27FC236}">
+                <a16:creationId xmlns:a16="http://schemas.microsoft.com/office/drawing/2014/main" id="{D5C53263-995C-49EE-9CA6-FE769A768880}"/>
+              </a:ext>
+              <a:ext uri="{C183D7F6-B498-43B3-948B-1728B52AA6E4}">
+                <adec:decorative xmlns:adec="http://schemas.microsoft.com/office/drawing/2017/decorative" val="1"/>
+              </a:ext>
+            </a:extLst>
+          </p:cNvPr>
+          <p:cNvSpPr>
+            <a:spLocks noGrp="1" noRot="1" noChangeAspect="1" noMove="1" noResize="1" noEditPoints="1" noAdjustHandles="1" noChangeArrowheads="1" noChangeShapeType="1" noTextEdit="1"/>
+          </p:cNvSpPr>
+          <p:nvPr>
+            <p:extLst>
+              <p:ext uri="{386F3935-93C4-4BCD-93E2-E3B085C9AB24}">
+                <p16:designElem xmlns:p16="http://schemas.microsoft.com/office/powerpoint/2015/main" val="1"/>
+              </p:ext>
+            </p:extLst>
+          </p:nvPr>
+        </p:nvSpPr>
+        <p:spPr>
+          <a:xfrm>
+            <a:off x="5135880" y="1267730"/>
+            <a:ext cx="1920240" cy="731520"/>
+          </a:xfrm>
+          <a:prstGeom prst="rect">
+            <a:avLst/>
+          </a:prstGeom>
+          <a:solidFill>
+            <a:schemeClr val="accent1"/>
+          </a:solidFill>
+          <a:ln>
+            <a:noFill/>
+          </a:ln>
+        </p:spPr>
+        <p:style>
+          <a:lnRef idx="2">
+            <a:schemeClr val="accent1">
+              <a:shade val="50000"/>
+            </a:schemeClr>
+          </a:lnRef>
+          <a:fillRef idx="1">
+            <a:schemeClr val="accent1"/>
+          </a:fillRef>
+          <a:effectRef idx="0">
+            <a:schemeClr val="accent1"/>
+          </a:effectRef>
+          <a:fontRef idx="minor">
+            <a:schemeClr val="lt1"/>
+          </a:fontRef>
+        </p:style>
+      </p:sp>
+      <p:grpSp>
+        <p:nvGrpSpPr>
+          <p:cNvPr id="22" name="Group 21">
+            <a:extLst>
+              <a:ext uri="{FF2B5EF4-FFF2-40B4-BE49-F238E27FC236}">
+                <a16:creationId xmlns:a16="http://schemas.microsoft.com/office/drawing/2014/main" id="{E26428D7-C6F3-473D-A360-A3F5C3E8728C}"/>
+              </a:ext>
+              <a:ext uri="{C183D7F6-B498-43B3-948B-1728B52AA6E4}">
+                <adec:decorative xmlns:adec="http://schemas.microsoft.com/office/drawing/2017/decorative" val="1"/>
+              </a:ext>
+            </a:extLst>
+          </p:cNvPr>
+          <p:cNvGrpSpPr>
+            <a:grpSpLocks noGrp="1" noUngrp="1" noRot="1" noChangeAspect="1" noMove="1" noResize="1"/>
+          </p:cNvGrpSpPr>
+          <p:nvPr>
+            <p:extLst>
+              <p:ext uri="{386F3935-93C4-4BCD-93E2-E3B085C9AB24}">
+                <p16:designElem xmlns:p16="http://schemas.microsoft.com/office/powerpoint/2015/main" val="1"/>
+              </p:ext>
+            </p:extLst>
+          </p:nvPr>
+        </p:nvGrpSpPr>
+        <p:grpSpPr>
+          <a:xfrm>
+            <a:off x="5250180" y="1267730"/>
+            <a:ext cx="1691640" cy="615934"/>
+            <a:chOff x="5250180" y="1267730"/>
+            <a:chExt cx="1691640" cy="615934"/>
+          </a:xfrm>
+        </p:grpSpPr>
+        <p:cxnSp>
+          <p:nvCxnSpPr>
+            <p:cNvPr id="23" name="Straight Connector 22">
+              <a:extLst>
+                <a:ext uri="{FF2B5EF4-FFF2-40B4-BE49-F238E27FC236}">
+                  <a16:creationId xmlns:a16="http://schemas.microsoft.com/office/drawing/2014/main" id="{87FFE657-1F53-4BA2-99ED-71027468AEFE}"/>
+                </a:ext>
+                <a:ext uri="{C183D7F6-B498-43B3-948B-1728B52AA6E4}">
+                  <adec:decorative xmlns:adec="http://schemas.microsoft.com/office/drawing/2017/decorative" val="1"/>
+                </a:ext>
+              </a:extLst>
+            </p:cNvPr>
+            <p:cNvCxnSpPr/>
+            <p:nvPr>
+              <p:extLst>
+                <p:ext uri="{386F3935-93C4-4BCD-93E2-E3B085C9AB24}">
+                  <p16:designElem xmlns:p16="http://schemas.microsoft.com/office/powerpoint/2015/main" val="1"/>
+                </p:ext>
+              </p:extLst>
+            </p:nvPr>
+          </p:nvCxnSpPr>
+          <p:spPr>
+            <a:xfrm>
+              <a:off x="5250180" y="1267730"/>
+              <a:ext cx="0" cy="612648"/>
+            </a:xfrm>
+            <a:prstGeom prst="line">
+              <a:avLst/>
+            </a:prstGeom>
+            <a:solidFill>
+              <a:schemeClr val="tx1">
+                <a:lumMod val="85000"/>
+                <a:lumOff val="15000"/>
+              </a:schemeClr>
+            </a:solidFill>
+            <a:ln>
+              <a:solidFill>
+                <a:srgbClr val="FFFFFF"/>
+              </a:solidFill>
+              <a:miter lim="800000"/>
+            </a:ln>
+          </p:spPr>
+          <p:style>
+            <a:lnRef idx="1">
+              <a:schemeClr val="accent1"/>
+            </a:lnRef>
+            <a:fillRef idx="0">
+              <a:schemeClr val="accent1"/>
+            </a:fillRef>
+            <a:effectRef idx="0">
+              <a:schemeClr val="accent1"/>
+            </a:effectRef>
+            <a:fontRef idx="minor">
+              <a:schemeClr val="tx1"/>
+            </a:fontRef>
+          </p:style>
+        </p:cxnSp>
+        <p:cxnSp>
+          <p:nvCxnSpPr>
+            <p:cNvPr id="24" name="Straight Connector 23">
+              <a:extLst>
+                <a:ext uri="{FF2B5EF4-FFF2-40B4-BE49-F238E27FC236}">
+                  <a16:creationId xmlns:a16="http://schemas.microsoft.com/office/drawing/2014/main" id="{3717B2EF-FCC5-4A6E-8AD7-25435095866F}"/>
+                </a:ext>
+                <a:ext uri="{C183D7F6-B498-43B3-948B-1728B52AA6E4}">
+                  <adec:decorative xmlns:adec="http://schemas.microsoft.com/office/drawing/2017/decorative" val="1"/>
+                </a:ext>
+              </a:extLst>
+            </p:cNvPr>
+            <p:cNvCxnSpPr/>
+            <p:nvPr>
+              <p:extLst>
+                <p:ext uri="{386F3935-93C4-4BCD-93E2-E3B085C9AB24}">
+                  <p16:designElem xmlns:p16="http://schemas.microsoft.com/office/powerpoint/2015/main" val="1"/>
+                </p:ext>
+              </p:extLst>
+            </p:nvPr>
+          </p:nvCxnSpPr>
+          <p:spPr>
+            <a:xfrm>
+              <a:off x="6941820" y="1267730"/>
+              <a:ext cx="0" cy="612648"/>
+            </a:xfrm>
+            <a:prstGeom prst="line">
+              <a:avLst/>
+            </a:prstGeom>
+            <a:solidFill>
+              <a:schemeClr val="tx1">
+                <a:lumMod val="85000"/>
+                <a:lumOff val="15000"/>
+              </a:schemeClr>
+            </a:solidFill>
+            <a:ln>
+              <a:solidFill>
+                <a:srgbClr val="FFFFFF"/>
+              </a:solidFill>
+              <a:miter lim="800000"/>
+            </a:ln>
+          </p:spPr>
+          <p:style>
+            <a:lnRef idx="1">
+              <a:schemeClr val="accent1"/>
+            </a:lnRef>
+            <a:fillRef idx="0">
+              <a:schemeClr val="accent1"/>
+            </a:fillRef>
+            <a:effectRef idx="0">
+              <a:schemeClr val="accent1"/>
+            </a:effectRef>
+            <a:fontRef idx="minor">
+              <a:schemeClr val="tx1"/>
+            </a:fontRef>
+          </p:style>
+        </p:cxnSp>
+        <p:cxnSp>
+          <p:nvCxnSpPr>
+            <p:cNvPr id="25" name="Straight Connector 24">
+              <a:extLst>
+                <a:ext uri="{FF2B5EF4-FFF2-40B4-BE49-F238E27FC236}">
+                  <a16:creationId xmlns:a16="http://schemas.microsoft.com/office/drawing/2014/main" id="{2E8BEC20-1CFB-4C38-819D-8EA157D70B50}"/>
+                </a:ext>
+                <a:ext uri="{C183D7F6-B498-43B3-948B-1728B52AA6E4}">
+                  <adec:decorative xmlns:adec="http://schemas.microsoft.com/office/drawing/2017/decorative" val="1"/>
+                </a:ext>
+              </a:extLst>
+            </p:cNvPr>
+            <p:cNvCxnSpPr/>
+            <p:nvPr>
+              <p:extLst>
+                <p:ext uri="{386F3935-93C4-4BCD-93E2-E3B085C9AB24}">
+                  <p16:designElem xmlns:p16="http://schemas.microsoft.com/office/powerpoint/2015/main" val="1"/>
+                </p:ext>
+              </p:extLst>
+            </p:nvPr>
+          </p:nvCxnSpPr>
+          <p:spPr>
+            <a:xfrm>
+              <a:off x="5250180" y="1883664"/>
+              <a:ext cx="1691640" cy="0"/>
+            </a:xfrm>
+            <a:prstGeom prst="line">
+              <a:avLst/>
+            </a:prstGeom>
+            <a:solidFill>
+              <a:schemeClr val="tx1">
+                <a:lumMod val="85000"/>
+                <a:lumOff val="15000"/>
+              </a:schemeClr>
+            </a:solidFill>
+            <a:ln>
+              <a:solidFill>
+                <a:srgbClr val="FFFFFF"/>
+              </a:solidFill>
+              <a:miter lim="800000"/>
+            </a:ln>
+          </p:spPr>
+          <p:style>
+            <a:lnRef idx="1">
+              <a:schemeClr val="accent1"/>
+            </a:lnRef>
+            <a:fillRef idx="0">
+              <a:schemeClr val="accent1"/>
+            </a:fillRef>
+            <a:effectRef idx="0">
+              <a:schemeClr val="accent1"/>
+            </a:effectRef>
+            <a:fontRef idx="minor">
+              <a:schemeClr val="tx1"/>
+            </a:fontRef>
+          </p:style>
+        </p:cxnSp>
+      </p:grpSp>
+      <p:sp useBgFill="1">
+        <p:nvSpPr>
+          <p:cNvPr id="27" name="Rectangle 26">
+            <a:extLst>
+              <a:ext uri="{FF2B5EF4-FFF2-40B4-BE49-F238E27FC236}">
+                <a16:creationId xmlns:a16="http://schemas.microsoft.com/office/drawing/2014/main" id="{0E7CA313-2F4B-4574-8399-12EF6A1BF292}"/>
+              </a:ext>
+              <a:ext uri="{C183D7F6-B498-43B3-948B-1728B52AA6E4}">
+                <adec:decorative xmlns:adec="http://schemas.microsoft.com/office/drawing/2017/decorative" val="1"/>
+              </a:ext>
+            </a:extLst>
+          </p:cNvPr>
+          <p:cNvSpPr>
+            <a:spLocks noGrp="1" noRot="1" noChangeAspect="1" noMove="1" noResize="1" noEditPoints="1" noAdjustHandles="1" noChangeArrowheads="1" noChangeShapeType="1" noTextEdit="1"/>
+          </p:cNvSpPr>
+          <p:nvPr>
+            <p:extLst>
+              <p:ext uri="{386F3935-93C4-4BCD-93E2-E3B085C9AB24}">
+                <p16:designElem xmlns:p16="http://schemas.microsoft.com/office/powerpoint/2015/main" val="1"/>
+              </p:ext>
+            </p:extLst>
+          </p:nvPr>
+        </p:nvSpPr>
+        <p:spPr>
+          <a:xfrm>
+            <a:off x="0" y="1"/>
+            <a:ext cx="12192000" cy="6857999"/>
+          </a:xfrm>
+          <a:prstGeom prst="rect">
+            <a:avLst/>
+          </a:prstGeom>
+          <a:ln>
+            <a:noFill/>
+          </a:ln>
+        </p:spPr>
+        <p:style>
+          <a:lnRef idx="2">
+            <a:schemeClr val="accent1">
+              <a:shade val="50000"/>
+            </a:schemeClr>
+          </a:lnRef>
+          <a:fillRef idx="1">
+            <a:schemeClr val="accent1"/>
+          </a:fillRef>
+          <a:effectRef idx="0">
+            <a:schemeClr val="accent1"/>
+          </a:effectRef>
+          <a:fontRef idx="minor">
+            <a:schemeClr val="lt1"/>
+          </a:fontRef>
+        </p:style>
+        <p:txBody>
+          <a:bodyPr rtlCol="0" anchor="ctr"/>
+          <a:lstStyle/>
+          <a:p>
+            <a:pPr algn="ctr"/>
+            <a:endParaRPr lang="en-US"/>
+          </a:p>
+        </p:txBody>
+      </p:sp>
+      <p:pic>
+        <p:nvPicPr>
+          <p:cNvPr id="4" name="Picture 3" descr="A person standing in front of a flower&#10;&#10;Description automatically generated">
+            <a:extLst>
+              <a:ext uri="{FF2B5EF4-FFF2-40B4-BE49-F238E27FC236}">
+                <a16:creationId xmlns:a16="http://schemas.microsoft.com/office/drawing/2014/main" id="{31130F41-9048-D543-A70D-7C193B469607}"/>
+              </a:ext>
+            </a:extLst>
+          </p:cNvPr>
+          <p:cNvPicPr>
+            <a:picLocks noChangeAspect="1"/>
+          </p:cNvPicPr>
+          <p:nvPr/>
+        </p:nvPicPr>
+        <p:blipFill rotWithShape="1">
+          <a:blip r:embed="rId2"/>
+          <a:srcRect t="7755" r="2" b="22509"/>
+          <a:stretch/>
+        </p:blipFill>
+        <p:spPr>
+          <a:xfrm>
+            <a:off x="-1" y="10"/>
+            <a:ext cx="4059936" cy="4530063"/>
+          </a:xfrm>
+          <a:prstGeom prst="rect">
+            <a:avLst/>
+          </a:prstGeom>
+        </p:spPr>
+      </p:pic>
+      <p:pic>
+        <p:nvPicPr>
+          <p:cNvPr id="8" name="Picture 7" descr="A screenshot of a cell phone screen with text&#10;&#10;Description automatically generated">
+            <a:extLst>
+              <a:ext uri="{FF2B5EF4-FFF2-40B4-BE49-F238E27FC236}">
+                <a16:creationId xmlns:a16="http://schemas.microsoft.com/office/drawing/2014/main" id="{9CF95171-EC79-7345-8F4E-F680999572A9}"/>
+              </a:ext>
+            </a:extLst>
+          </p:cNvPr>
+          <p:cNvPicPr>
+            <a:picLocks noChangeAspect="1"/>
+          </p:cNvPicPr>
+          <p:nvPr/>
+        </p:nvPicPr>
+        <p:blipFill rotWithShape="1">
+          <a:blip r:embed="rId3">
+            <a:extLst>
+              <a:ext uri="{BEBA8EAE-BF5A-486C-A8C5-ECC9F3942E4B}">
+                <a14:imgProps xmlns:a14="http://schemas.microsoft.com/office/drawing/2010/main">
+                  <a14:imgLayer r:embed="rId4">
+                    <a14:imgEffect>
+                      <a14:brightnessContrast contrast="15000"/>
+                    </a14:imgEffect>
+                  </a14:imgLayer>
+                </a14:imgProps>
+              </a:ext>
+            </a:extLst>
+          </a:blip>
+          <a:srcRect t="16512" b="15685"/>
+          <a:stretch/>
+        </p:blipFill>
+        <p:spPr>
+          <a:xfrm>
+            <a:off x="8100650" y="10"/>
+            <a:ext cx="4072129" cy="4526270"/>
+          </a:xfrm>
+          <a:prstGeom prst="rect">
+            <a:avLst/>
+          </a:prstGeom>
+        </p:spPr>
+      </p:pic>
+      <p:pic>
+        <p:nvPicPr>
+          <p:cNvPr id="6" name="Picture 5" descr="A close up of a map&#10;&#10;Description automatically generated">
+            <a:extLst>
+              <a:ext uri="{FF2B5EF4-FFF2-40B4-BE49-F238E27FC236}">
+                <a16:creationId xmlns:a16="http://schemas.microsoft.com/office/drawing/2014/main" id="{93D72CF6-4404-1047-BEA4-A0AF211757FB}"/>
+              </a:ext>
+            </a:extLst>
+          </p:cNvPr>
+          <p:cNvPicPr>
+            <a:picLocks noChangeAspect="1"/>
+          </p:cNvPicPr>
+          <p:nvPr/>
+        </p:nvPicPr>
+        <p:blipFill rotWithShape="1">
+          <a:blip r:embed="rId5"/>
+          <a:srcRect t="11853" r="-2" b="21197"/>
+          <a:stretch/>
+        </p:blipFill>
+        <p:spPr>
+          <a:xfrm>
+            <a:off x="4059711" y="3425"/>
+            <a:ext cx="4059936" cy="4522856"/>
+          </a:xfrm>
+          <a:prstGeom prst="rect">
+            <a:avLst/>
+          </a:prstGeom>
+        </p:spPr>
+      </p:pic>
+      <p:sp>
+        <p:nvSpPr>
+          <p:cNvPr id="29" name="Rectangle 28">
+            <a:extLst>
+              <a:ext uri="{FF2B5EF4-FFF2-40B4-BE49-F238E27FC236}">
+                <a16:creationId xmlns:a16="http://schemas.microsoft.com/office/drawing/2014/main" id="{2644B391-9BFE-445C-A9EC-F544BB85FBC7}"/>
+              </a:ext>
+              <a:ext uri="{C183D7F6-B498-43B3-948B-1728B52AA6E4}">
+                <adec:decorative xmlns:adec="http://schemas.microsoft.com/office/drawing/2017/decorative" val="1"/>
+              </a:ext>
+            </a:extLst>
+          </p:cNvPr>
+          <p:cNvSpPr>
+            <a:spLocks noGrp="1" noRot="1" noChangeAspect="1" noMove="1" noResize="1" noEditPoints="1" noAdjustHandles="1" noChangeArrowheads="1" noChangeShapeType="1" noTextEdit="1"/>
+          </p:cNvSpPr>
+          <p:nvPr>
+            <p:extLst>
+              <p:ext uri="{386F3935-93C4-4BCD-93E2-E3B085C9AB24}">
+                <p16:designElem xmlns:p16="http://schemas.microsoft.com/office/powerpoint/2015/main" val="1"/>
+              </p:ext>
+            </p:extLst>
+          </p:nvPr>
+        </p:nvSpPr>
+        <p:spPr>
+          <a:xfrm>
+            <a:off x="0" y="4530074"/>
+            <a:ext cx="12192000" cy="2327925"/>
+          </a:xfrm>
+          <a:prstGeom prst="rect">
+            <a:avLst/>
+          </a:prstGeom>
+          <a:solidFill>
+            <a:schemeClr val="bg1">
+              <a:lumMod val="75000"/>
+              <a:lumOff val="25000"/>
+            </a:schemeClr>
+          </a:solidFill>
+          <a:ln w="6350" cap="sq" cmpd="sng" algn="ctr">
+            <a:noFill/>
+            <a:prstDash val="solid"/>
+            <a:miter lim="800000"/>
+          </a:ln>
+          <a:effectLst/>
+        </p:spPr>
+      </p:sp>
+      <p:sp>
+        <p:nvSpPr>
+          <p:cNvPr id="31" name="Rectangle 30">
+            <a:extLst>
+              <a:ext uri="{FF2B5EF4-FFF2-40B4-BE49-F238E27FC236}">
+                <a16:creationId xmlns:a16="http://schemas.microsoft.com/office/drawing/2014/main" id="{80F26E69-87D9-4655-AE7B-280A87AA3CAD}"/>
+              </a:ext>
+              <a:ext uri="{C183D7F6-B498-43B3-948B-1728B52AA6E4}">
+                <adec:decorative xmlns:adec="http://schemas.microsoft.com/office/drawing/2017/decorative" val="1"/>
+              </a:ext>
+            </a:extLst>
+          </p:cNvPr>
+          <p:cNvSpPr>
+            <a:spLocks noGrp="1" noRot="1" noChangeAspect="1" noMove="1" noResize="1" noEditPoints="1" noAdjustHandles="1" noChangeArrowheads="1" noChangeShapeType="1" noTextEdit="1"/>
+          </p:cNvSpPr>
+          <p:nvPr>
+            <p:extLst>
+              <p:ext uri="{386F3935-93C4-4BCD-93E2-E3B085C9AB24}">
+                <p16:designElem xmlns:p16="http://schemas.microsoft.com/office/powerpoint/2015/main" val="1"/>
+              </p:ext>
+            </p:extLst>
+          </p:nvPr>
+        </p:nvSpPr>
+        <p:spPr>
+          <a:xfrm>
+            <a:off x="166116" y="4692768"/>
+            <a:ext cx="11859768" cy="2002536"/>
+          </a:xfrm>
+          <a:prstGeom prst="rect">
+            <a:avLst/>
+          </a:prstGeom>
+          <a:noFill/>
+          <a:ln w="6350" cap="sq" cmpd="sng" algn="ctr">
+            <a:solidFill>
+              <a:schemeClr val="tx1"/>
+            </a:solidFill>
+            <a:prstDash val="solid"/>
+            <a:miter lim="800000"/>
+          </a:ln>
+          <a:effectLst>
+            <a:softEdge rad="0"/>
+          </a:effectLst>
+        </p:spPr>
+      </p:sp>
+      <p:sp>
+        <p:nvSpPr>
           <p:cNvPr id="2" name="Title 1">
             <a:extLst>
               <a:ext uri="{FF2B5EF4-FFF2-40B4-BE49-F238E27FC236}">
-                <a16:creationId xmlns:a16="http://schemas.microsoft.com/office/drawing/2014/main" id="{B9885862-690B-204F-AE83-934AA3D4B076}"/>
+                <a16:creationId xmlns:a16="http://schemas.microsoft.com/office/drawing/2014/main" id="{F291AFCA-B7CC-4B4F-9744-8814CB52B727}"/>
               </a:ext>
             </a:extLst>
           </p:cNvPr>
@@ -6978,73 +9097,519 @@
             <a:spLocks noGrp="1"/>
           </p:cNvSpPr>
           <p:nvPr>
-            <p:ph type="title"/>
-          </p:nvPr>
-        </p:nvSpPr>
-        <p:spPr/>
-        <p:txBody>
-          <a:bodyPr/>
+            <p:ph type="title" idx="4294967295"/>
+          </p:nvPr>
+        </p:nvSpPr>
+        <p:spPr>
+          <a:xfrm>
+            <a:off x="376293" y="4956811"/>
+            <a:ext cx="11439414" cy="897439"/>
+          </a:xfrm>
+        </p:spPr>
+        <p:txBody>
+          <a:bodyPr vert="horz" lIns="91440" tIns="45720" rIns="91440" bIns="45720" rtlCol="0" anchor="ctr">
+            <a:normAutofit fontScale="90000"/>
+          </a:bodyPr>
           <a:lstStyle/>
           <a:p>
-            <a:r>
-              <a:rPr lang="en-US" dirty="0"/>
-              <a:t>Project Goal</a:t>
-            </a:r>
-          </a:p>
-        </p:txBody>
-      </p:sp>
-      <p:sp>
-        <p:nvSpPr>
-          <p:cNvPr id="3" name="Content Placeholder 2">
+            <a:pPr algn="ctr">
+              <a:lnSpc>
+                <a:spcPct val="83000"/>
+              </a:lnSpc>
+            </a:pPr>
+            <a:br>
+              <a:rPr lang="en-US" sz="4400" b="0" cap="all" spc="-100" dirty="0">
+                <a:solidFill>
+                  <a:schemeClr val="tx1">
+                    <a:lumMod val="85000"/>
+                  </a:schemeClr>
+                </a:solidFill>
+              </a:rPr>
+            </a:br>
+            <a:r>
+              <a:rPr lang="en-US" sz="4400" b="0" cap="all" spc="-100" dirty="0">
+                <a:solidFill>
+                  <a:schemeClr val="tx1">
+                    <a:lumMod val="85000"/>
+                  </a:schemeClr>
+                </a:solidFill>
+              </a:rPr>
+              <a:t>Visualizing the COVID-19 Pandemic</a:t>
+            </a:r>
+          </a:p>
+        </p:txBody>
+      </p:sp>
+      <p:sp>
+        <p:nvSpPr>
+          <p:cNvPr id="5" name="TextBox 4">
             <a:extLst>
               <a:ext uri="{FF2B5EF4-FFF2-40B4-BE49-F238E27FC236}">
-                <a16:creationId xmlns:a16="http://schemas.microsoft.com/office/drawing/2014/main" id="{0352D5E1-3CE2-D54E-AB2C-563292F52B3B}"/>
+                <a16:creationId xmlns:a16="http://schemas.microsoft.com/office/drawing/2014/main" id="{EA371769-8E8A-4B48-8A5E-E9683DA17CD5}"/>
               </a:ext>
             </a:extLst>
           </p:cNvPr>
-          <p:cNvSpPr>
-            <a:spLocks noGrp="1"/>
-          </p:cNvSpPr>
-          <p:nvPr>
-            <p:ph idx="1"/>
-          </p:nvPr>
-        </p:nvSpPr>
-        <p:spPr/>
-        <p:txBody>
-          <a:bodyPr/>
+          <p:cNvSpPr txBox="1"/>
+          <p:nvPr/>
+        </p:nvSpPr>
+        <p:spPr>
+          <a:xfrm>
+            <a:off x="-1" y="4077067"/>
+            <a:ext cx="4059936" cy="453006"/>
+          </a:xfrm>
+          <a:prstGeom prst="rect">
+            <a:avLst/>
+          </a:prstGeom>
+          <a:solidFill>
+            <a:srgbClr val="000000">
+              <a:alpha val="50000"/>
+            </a:srgbClr>
+          </a:solidFill>
+          <a:ln>
+            <a:noFill/>
+          </a:ln>
+        </p:spPr>
+        <p:txBody>
+          <a:bodyPr wrap="square" rtlCol="0">
+            <a:normAutofit/>
+          </a:bodyPr>
           <a:lstStyle/>
           <a:p>
-            <a:pPr marL="0" indent="0">
-              <a:buNone/>
+            <a:pPr algn="ctr">
+              <a:spcAft>
+                <a:spcPts val="600"/>
+              </a:spcAft>
             </a:pPr>
             <a:r>
-              <a:rPr lang="en-US" dirty="0"/>
-              <a:t>Data visualization plays an important role in data analysis workflows. It enables data analysts to effectively discover patterns in large datasets through graphical means, and to represent these findings in a meaningful and effective way. Data visualization is an interdisciplinary field, which requires design, web development, database and coding skills.</a:t>
-            </a:r>
-          </a:p>
-          <a:p>
-            <a:pPr marL="0" indent="0">
-              <a:buNone/>
+              <a:rPr lang="en-US" b="1" dirty="0"/>
+              <a:t>The Story</a:t>
+            </a:r>
+          </a:p>
+        </p:txBody>
+      </p:sp>
+      <p:sp>
+        <p:nvSpPr>
+          <p:cNvPr id="7" name="TextBox 6">
+            <a:extLst>
+              <a:ext uri="{FF2B5EF4-FFF2-40B4-BE49-F238E27FC236}">
+                <a16:creationId xmlns:a16="http://schemas.microsoft.com/office/drawing/2014/main" id="{A52CEDE5-3273-D440-AC95-0821D969FC9F}"/>
+              </a:ext>
+            </a:extLst>
+          </p:cNvPr>
+          <p:cNvSpPr txBox="1"/>
+          <p:nvPr/>
+        </p:nvSpPr>
+        <p:spPr>
+          <a:xfrm>
+            <a:off x="8132064" y="4077067"/>
+            <a:ext cx="4059936" cy="453006"/>
+          </a:xfrm>
+          <a:prstGeom prst="rect">
+            <a:avLst/>
+          </a:prstGeom>
+          <a:solidFill>
+            <a:srgbClr val="000000">
+              <a:alpha val="50000"/>
+            </a:srgbClr>
+          </a:solidFill>
+          <a:ln>
+            <a:noFill/>
+          </a:ln>
+        </p:spPr>
+        <p:txBody>
+          <a:bodyPr wrap="square" rtlCol="0">
+            <a:normAutofit/>
+          </a:bodyPr>
+          <a:lstStyle/>
+          <a:p>
+            <a:pPr algn="ctr">
+              <a:spcAft>
+                <a:spcPts val="600"/>
+              </a:spcAft>
             </a:pPr>
             <a:r>
-              <a:rPr lang="en-US" dirty="0"/>
-              <a:t>The goal of this Project Presentation is to introduce the building blocks for creating a meaningful interactive data visualization. </a:t>
-            </a:r>
-          </a:p>
-          <a:p>
-            <a:endParaRPr lang="en-US" dirty="0"/>
+              <a:rPr lang="en-US" b="1" dirty="0">
+                <a:solidFill>
+                  <a:schemeClr val="tx1">
+                    <a:lumMod val="85000"/>
+                  </a:schemeClr>
+                </a:solidFill>
+              </a:rPr>
+              <a:t>The Stack</a:t>
+            </a:r>
+          </a:p>
+        </p:txBody>
+      </p:sp>
+      <p:sp>
+        <p:nvSpPr>
+          <p:cNvPr id="9" name="TextBox 8">
+            <a:extLst>
+              <a:ext uri="{FF2B5EF4-FFF2-40B4-BE49-F238E27FC236}">
+                <a16:creationId xmlns:a16="http://schemas.microsoft.com/office/drawing/2014/main" id="{53D74E68-FCBC-B441-9F8C-7B0AD5B8228F}"/>
+              </a:ext>
+            </a:extLst>
+          </p:cNvPr>
+          <p:cNvSpPr txBox="1"/>
+          <p:nvPr/>
+        </p:nvSpPr>
+        <p:spPr>
+          <a:xfrm>
+            <a:off x="4059935" y="4073653"/>
+            <a:ext cx="4072129" cy="452627"/>
+          </a:xfrm>
+          <a:prstGeom prst="rect">
+            <a:avLst/>
+          </a:prstGeom>
+          <a:solidFill>
+            <a:srgbClr val="000000">
+              <a:alpha val="50000"/>
+            </a:srgbClr>
+          </a:solidFill>
+          <a:ln>
+            <a:noFill/>
+          </a:ln>
+        </p:spPr>
+        <p:txBody>
+          <a:bodyPr wrap="square" rtlCol="0">
+            <a:normAutofit/>
+          </a:bodyPr>
+          <a:lstStyle/>
+          <a:p>
+            <a:pPr algn="ctr">
+              <a:spcAft>
+                <a:spcPts val="600"/>
+              </a:spcAft>
+            </a:pPr>
+            <a:r>
+              <a:rPr lang="en-US" b="1" dirty="0">
+                <a:solidFill>
+                  <a:schemeClr val="tx1">
+                    <a:lumMod val="85000"/>
+                  </a:schemeClr>
+                </a:solidFill>
+              </a:rPr>
+              <a:t>The Map</a:t>
+            </a:r>
+          </a:p>
+        </p:txBody>
+      </p:sp>
+      <p:sp>
+        <p:nvSpPr>
+          <p:cNvPr id="28" name="TextBox 27">
+            <a:extLst>
+              <a:ext uri="{FF2B5EF4-FFF2-40B4-BE49-F238E27FC236}">
+                <a16:creationId xmlns:a16="http://schemas.microsoft.com/office/drawing/2014/main" id="{6E0841A6-B6D2-7E46-821E-B1B2A681F67B}"/>
+              </a:ext>
+            </a:extLst>
+          </p:cNvPr>
+          <p:cNvSpPr txBox="1"/>
+          <p:nvPr/>
+        </p:nvSpPr>
+        <p:spPr>
+          <a:xfrm>
+            <a:off x="-225" y="6121666"/>
+            <a:ext cx="4059936" cy="283168"/>
+          </a:xfrm>
+          <a:prstGeom prst="rect">
+            <a:avLst/>
+          </a:prstGeom>
+          <a:noFill/>
+          <a:ln>
+            <a:noFill/>
+          </a:ln>
+        </p:spPr>
+        <p:txBody>
+          <a:bodyPr wrap="square" rtlCol="0">
+            <a:normAutofit/>
+          </a:bodyPr>
+          <a:lstStyle/>
+          <a:p>
+            <a:pPr algn="ctr">
+              <a:spcAft>
+                <a:spcPts val="600"/>
+              </a:spcAft>
+            </a:pPr>
+            <a:r>
+              <a:rPr lang="en-US" sz="1050" b="1" dirty="0"/>
+              <a:t>Alexis Perumal</a:t>
+            </a:r>
+          </a:p>
+        </p:txBody>
+      </p:sp>
+      <p:sp>
+        <p:nvSpPr>
+          <p:cNvPr id="30" name="TextBox 29">
+            <a:extLst>
+              <a:ext uri="{FF2B5EF4-FFF2-40B4-BE49-F238E27FC236}">
+                <a16:creationId xmlns:a16="http://schemas.microsoft.com/office/drawing/2014/main" id="{7AE2918A-6B2E-D24C-B3CE-DF90BEA20A58}"/>
+              </a:ext>
+            </a:extLst>
+          </p:cNvPr>
+          <p:cNvSpPr txBox="1"/>
+          <p:nvPr/>
+        </p:nvSpPr>
+        <p:spPr>
+          <a:xfrm>
+            <a:off x="4059711" y="6117872"/>
+            <a:ext cx="4059936" cy="283168"/>
+          </a:xfrm>
+          <a:prstGeom prst="rect">
+            <a:avLst/>
+          </a:prstGeom>
+          <a:noFill/>
+          <a:ln>
+            <a:noFill/>
+          </a:ln>
+        </p:spPr>
+        <p:txBody>
+          <a:bodyPr wrap="square" rtlCol="0">
+            <a:normAutofit/>
+          </a:bodyPr>
+          <a:lstStyle/>
+          <a:p>
+            <a:pPr algn="ctr">
+              <a:lnSpc>
+                <a:spcPct val="100000"/>
+              </a:lnSpc>
+              <a:spcAft>
+                <a:spcPts val="600"/>
+              </a:spcAft>
+            </a:pPr>
+            <a:r>
+              <a:rPr lang="en-US" sz="1050" dirty="0">
+                <a:solidFill>
+                  <a:schemeClr val="tx1">
+                    <a:lumMod val="75000"/>
+                  </a:schemeClr>
+                </a:solidFill>
+              </a:rPr>
+              <a:t>Grant Thompson</a:t>
+            </a:r>
+          </a:p>
+        </p:txBody>
+      </p:sp>
+      <p:sp>
+        <p:nvSpPr>
+          <p:cNvPr id="32" name="TextBox 31">
+            <a:extLst>
+              <a:ext uri="{FF2B5EF4-FFF2-40B4-BE49-F238E27FC236}">
+                <a16:creationId xmlns:a16="http://schemas.microsoft.com/office/drawing/2014/main" id="{55712276-B1A0-0546-9859-6D17F5BE97F3}"/>
+              </a:ext>
+            </a:extLst>
+          </p:cNvPr>
+          <p:cNvSpPr txBox="1"/>
+          <p:nvPr/>
+        </p:nvSpPr>
+        <p:spPr>
+          <a:xfrm>
+            <a:off x="8132291" y="6104126"/>
+            <a:ext cx="4059936" cy="283168"/>
+          </a:xfrm>
+          <a:prstGeom prst="rect">
+            <a:avLst/>
+          </a:prstGeom>
+          <a:noFill/>
+          <a:ln>
+            <a:noFill/>
+          </a:ln>
+        </p:spPr>
+        <p:txBody>
+          <a:bodyPr wrap="square" rtlCol="0">
+            <a:normAutofit/>
+          </a:bodyPr>
+          <a:lstStyle/>
+          <a:p>
+            <a:pPr algn="ctr">
+              <a:lnSpc>
+                <a:spcPct val="100000"/>
+              </a:lnSpc>
+              <a:spcAft>
+                <a:spcPts val="600"/>
+              </a:spcAft>
+            </a:pPr>
+            <a:r>
+              <a:rPr lang="en-US" sz="1050" dirty="0">
+                <a:solidFill>
+                  <a:schemeClr val="tx1">
+                    <a:lumMod val="75000"/>
+                  </a:schemeClr>
+                </a:solidFill>
+              </a:rPr>
+              <a:t>Arundhati Chakraborty</a:t>
+            </a:r>
+          </a:p>
+        </p:txBody>
+      </p:sp>
+      <p:sp>
+        <p:nvSpPr>
+          <p:cNvPr id="33" name="TextBox 32">
+            <a:extLst>
+              <a:ext uri="{FF2B5EF4-FFF2-40B4-BE49-F238E27FC236}">
+                <a16:creationId xmlns:a16="http://schemas.microsoft.com/office/drawing/2014/main" id="{E704EE12-1A6A-BA4F-B79D-4162D971BB5F}"/>
+              </a:ext>
+            </a:extLst>
+          </p:cNvPr>
+          <p:cNvSpPr txBox="1"/>
+          <p:nvPr/>
+        </p:nvSpPr>
+        <p:spPr>
+          <a:xfrm>
+            <a:off x="4072128" y="6656179"/>
+            <a:ext cx="4059936" cy="283168"/>
+          </a:xfrm>
+          <a:prstGeom prst="rect">
+            <a:avLst/>
+          </a:prstGeom>
+          <a:noFill/>
+          <a:ln>
+            <a:noFill/>
+          </a:ln>
+        </p:spPr>
+        <p:txBody>
+          <a:bodyPr wrap="square" rtlCol="0">
+            <a:normAutofit/>
+          </a:bodyPr>
+          <a:lstStyle/>
+          <a:p>
+            <a:pPr algn="ctr">
+              <a:lnSpc>
+                <a:spcPct val="100000"/>
+              </a:lnSpc>
+              <a:spcAft>
+                <a:spcPts val="600"/>
+              </a:spcAft>
+            </a:pPr>
+            <a:r>
+              <a:rPr lang="en-US" sz="800" dirty="0">
+                <a:solidFill>
+                  <a:schemeClr val="tx1">
+                    <a:lumMod val="85000"/>
+                  </a:schemeClr>
+                </a:solidFill>
+              </a:rPr>
+              <a:t>UCSD Data Science and Visualization Boot Camp, April 7, 2020</a:t>
+            </a:r>
+          </a:p>
+        </p:txBody>
+      </p:sp>
+      <p:sp>
+        <p:nvSpPr>
+          <p:cNvPr id="34" name="Rectangle 33">
+            <a:extLst>
+              <a:ext uri="{FF2B5EF4-FFF2-40B4-BE49-F238E27FC236}">
+                <a16:creationId xmlns:a16="http://schemas.microsoft.com/office/drawing/2014/main" id="{1B51A22D-32A4-8849-8671-E08D446A66BF}"/>
+              </a:ext>
+            </a:extLst>
+          </p:cNvPr>
+          <p:cNvSpPr/>
+          <p:nvPr/>
+        </p:nvSpPr>
+        <p:spPr>
+          <a:xfrm>
+            <a:off x="4037506" y="-1"/>
+            <a:ext cx="4094558" cy="4533487"/>
+          </a:xfrm>
+          <a:prstGeom prst="rect">
+            <a:avLst/>
+          </a:prstGeom>
+          <a:solidFill>
+            <a:schemeClr val="bg1">
+              <a:lumMod val="85000"/>
+              <a:alpha val="70000"/>
+            </a:schemeClr>
+          </a:solidFill>
+          <a:ln>
+            <a:noFill/>
+          </a:ln>
+        </p:spPr>
+        <p:style>
+          <a:lnRef idx="2">
+            <a:schemeClr val="accent1">
+              <a:shade val="50000"/>
+            </a:schemeClr>
+          </a:lnRef>
+          <a:fillRef idx="1">
+            <a:schemeClr val="accent1"/>
+          </a:fillRef>
+          <a:effectRef idx="0">
+            <a:schemeClr val="accent1"/>
+          </a:effectRef>
+          <a:fontRef idx="minor">
+            <a:schemeClr val="lt1"/>
+          </a:fontRef>
+        </p:style>
+        <p:txBody>
+          <a:bodyPr rtlCol="0" anchor="ctr"/>
+          <a:lstStyle/>
+          <a:p>
+            <a:pPr algn="ctr"/>
+            <a:endParaRPr lang="en-US"/>
+          </a:p>
+        </p:txBody>
+      </p:sp>
+      <p:sp>
+        <p:nvSpPr>
+          <p:cNvPr id="35" name="Rectangle 34">
+            <a:extLst>
+              <a:ext uri="{FF2B5EF4-FFF2-40B4-BE49-F238E27FC236}">
+                <a16:creationId xmlns:a16="http://schemas.microsoft.com/office/drawing/2014/main" id="{B8D086AF-1786-B149-A490-A868D528D63B}"/>
+              </a:ext>
+            </a:extLst>
+          </p:cNvPr>
+          <p:cNvSpPr/>
+          <p:nvPr/>
+        </p:nvSpPr>
+        <p:spPr>
+          <a:xfrm>
+            <a:off x="8132064" y="10630"/>
+            <a:ext cx="4053132" cy="4522856"/>
+          </a:xfrm>
+          <a:prstGeom prst="rect">
+            <a:avLst/>
+          </a:prstGeom>
+          <a:solidFill>
+            <a:schemeClr val="bg1">
+              <a:lumMod val="85000"/>
+              <a:alpha val="70000"/>
+            </a:schemeClr>
+          </a:solidFill>
+          <a:ln>
+            <a:noFill/>
+          </a:ln>
+        </p:spPr>
+        <p:style>
+          <a:lnRef idx="2">
+            <a:schemeClr val="accent1">
+              <a:shade val="50000"/>
+            </a:schemeClr>
+          </a:lnRef>
+          <a:fillRef idx="1">
+            <a:schemeClr val="accent1"/>
+          </a:fillRef>
+          <a:effectRef idx="0">
+            <a:schemeClr val="accent1"/>
+          </a:effectRef>
+          <a:fontRef idx="minor">
+            <a:schemeClr val="lt1"/>
+          </a:fontRef>
+        </p:style>
+        <p:txBody>
+          <a:bodyPr rtlCol="0" anchor="ctr"/>
+          <a:lstStyle/>
+          <a:p>
+            <a:pPr algn="ctr"/>
+            <a:endParaRPr lang="en-US"/>
           </a:p>
         </p:txBody>
       </p:sp>
     </p:spTree>
     <p:extLst>
       <p:ext uri="{BB962C8B-B14F-4D97-AF65-F5344CB8AC3E}">
-        <p14:creationId xmlns:p14="http://schemas.microsoft.com/office/powerpoint/2010/main" val="3243646147"/>
+        <p14:creationId xmlns:p14="http://schemas.microsoft.com/office/powerpoint/2010/main" val="2657588141"/>
       </p:ext>
     </p:extLst>
   </p:cSld>
   <p:clrMapOvr>
-    <a:masterClrMapping/>
+    <a:overrideClrMapping bg1="dk1" tx1="lt1" bg2="dk2" tx2="lt2" accent1="accent1" accent2="accent2" accent3="accent3" accent4="accent4" accent5="accent5" accent6="accent6" hlink="hlink" folHlink="folHlink"/>
   </p:clrMapOvr>
 </p:sld>
 </file>
@@ -7052,6 +9617,14 @@
 <file path=ppt/slides/slide4.xml><?xml version="1.0" encoding="utf-8"?>
 <p:sld xmlns:a="http://schemas.openxmlformats.org/drawingml/2006/main" xmlns:r="http://schemas.openxmlformats.org/officeDocument/2006/relationships" xmlns:p="http://schemas.openxmlformats.org/presentationml/2006/main">
   <p:cSld>
+    <p:bg>
+      <p:bgPr>
+        <a:solidFill>
+          <a:schemeClr val="bg1"/>
+        </a:solidFill>
+        <a:effectLst/>
+      </p:bgPr>
+    </p:bg>
     <p:spTree>
       <p:nvGrpSpPr>
         <p:cNvPr id="1" name=""/>
@@ -7068,10 +9641,672 @@
       </p:grpSpPr>
       <p:sp>
         <p:nvSpPr>
+          <p:cNvPr id="14" name="Rectangle 13">
+            <a:extLst>
+              <a:ext uri="{FF2B5EF4-FFF2-40B4-BE49-F238E27FC236}">
+                <a16:creationId xmlns:a16="http://schemas.microsoft.com/office/drawing/2014/main" id="{904DB13E-F722-4ED6-BB00-556651E95281}"/>
+              </a:ext>
+              <a:ext uri="{C183D7F6-B498-43B3-948B-1728B52AA6E4}">
+                <adec:decorative xmlns:adec="http://schemas.microsoft.com/office/drawing/2017/decorative" val="1"/>
+              </a:ext>
+            </a:extLst>
+          </p:cNvPr>
+          <p:cNvSpPr>
+            <a:spLocks noGrp="1" noRot="1" noChangeAspect="1" noMove="1" noResize="1" noEditPoints="1" noAdjustHandles="1" noChangeArrowheads="1" noChangeShapeType="1" noTextEdit="1"/>
+          </p:cNvSpPr>
+          <p:nvPr>
+            <p:extLst>
+              <p:ext uri="{386F3935-93C4-4BCD-93E2-E3B085C9AB24}">
+                <p16:designElem xmlns:p16="http://schemas.microsoft.com/office/powerpoint/2015/main" val="1"/>
+              </p:ext>
+            </p:extLst>
+          </p:nvPr>
+        </p:nvSpPr>
+        <p:spPr>
+          <a:xfrm>
+            <a:off x="0" y="0"/>
+            <a:ext cx="12192000" cy="6858000"/>
+          </a:xfrm>
+          <a:prstGeom prst="rect">
+            <a:avLst/>
+          </a:prstGeom>
+          <a:solidFill>
+            <a:schemeClr val="tx1">
+              <a:lumMod val="65000"/>
+              <a:lumOff val="35000"/>
+            </a:schemeClr>
+          </a:solidFill>
+          <a:ln>
+            <a:noFill/>
+          </a:ln>
+        </p:spPr>
+        <p:style>
+          <a:lnRef idx="2">
+            <a:schemeClr val="accent1">
+              <a:shade val="50000"/>
+            </a:schemeClr>
+          </a:lnRef>
+          <a:fillRef idx="1">
+            <a:schemeClr val="accent1"/>
+          </a:fillRef>
+          <a:effectRef idx="0">
+            <a:schemeClr val="accent1"/>
+          </a:effectRef>
+          <a:fontRef idx="minor">
+            <a:schemeClr val="lt1"/>
+          </a:fontRef>
+        </p:style>
+        <p:txBody>
+          <a:bodyPr rtlCol="0" anchor="ctr"/>
+          <a:lstStyle/>
+          <a:p>
+            <a:pPr algn="ctr"/>
+            <a:endParaRPr lang="en-US"/>
+          </a:p>
+        </p:txBody>
+      </p:sp>
+      <p:sp useBgFill="1">
+        <p:nvSpPr>
+          <p:cNvPr id="16" name="Rectangle 15">
+            <a:extLst>
+              <a:ext uri="{FF2B5EF4-FFF2-40B4-BE49-F238E27FC236}">
+                <a16:creationId xmlns:a16="http://schemas.microsoft.com/office/drawing/2014/main" id="{1D91E3E1-5159-4DA9-8C1A-3897E909473B}"/>
+              </a:ext>
+              <a:ext uri="{C183D7F6-B498-43B3-948B-1728B52AA6E4}">
+                <adec:decorative xmlns:adec="http://schemas.microsoft.com/office/drawing/2017/decorative" val="1"/>
+              </a:ext>
+            </a:extLst>
+          </p:cNvPr>
+          <p:cNvSpPr>
+            <a:spLocks noGrp="1" noRot="1" noChangeAspect="1" noMove="1" noResize="1" noEditPoints="1" noAdjustHandles="1" noChangeArrowheads="1" noChangeShapeType="1" noTextEdit="1"/>
+          </p:cNvSpPr>
+          <p:nvPr>
+            <p:extLst>
+              <p:ext uri="{386F3935-93C4-4BCD-93E2-E3B085C9AB24}">
+                <p16:designElem xmlns:p16="http://schemas.microsoft.com/office/powerpoint/2015/main" val="1"/>
+              </p:ext>
+            </p:extLst>
+          </p:nvPr>
+        </p:nvSpPr>
+        <p:spPr>
+          <a:xfrm>
+            <a:off x="1307870" y="1267730"/>
+            <a:ext cx="9576262" cy="4307950"/>
+          </a:xfrm>
+          <a:prstGeom prst="rect">
+            <a:avLst/>
+          </a:prstGeom>
+          <a:ln w="6350" cap="flat" cmpd="sng" algn="ctr">
+            <a:noFill/>
+            <a:prstDash val="solid"/>
+          </a:ln>
+          <a:effectLst>
+            <a:outerShdw blurRad="50800" algn="ctr" rotWithShape="0">
+              <a:prstClr val="black">
+                <a:alpha val="66000"/>
+              </a:prstClr>
+            </a:outerShdw>
+            <a:softEdge rad="0"/>
+          </a:effectLst>
+        </p:spPr>
+      </p:sp>
+      <p:sp>
+        <p:nvSpPr>
+          <p:cNvPr id="18" name="Rectangle 17">
+            <a:extLst>
+              <a:ext uri="{FF2B5EF4-FFF2-40B4-BE49-F238E27FC236}">
+                <a16:creationId xmlns:a16="http://schemas.microsoft.com/office/drawing/2014/main" id="{A9EF7E53-E975-4A5C-BF5D-D874044856E9}"/>
+              </a:ext>
+              <a:ext uri="{C183D7F6-B498-43B3-948B-1728B52AA6E4}">
+                <adec:decorative xmlns:adec="http://schemas.microsoft.com/office/drawing/2017/decorative" val="1"/>
+              </a:ext>
+            </a:extLst>
+          </p:cNvPr>
+          <p:cNvSpPr>
+            <a:spLocks noGrp="1" noRot="1" noChangeAspect="1" noMove="1" noResize="1" noEditPoints="1" noAdjustHandles="1" noChangeArrowheads="1" noChangeShapeType="1" noTextEdit="1"/>
+          </p:cNvSpPr>
+          <p:nvPr>
+            <p:extLst>
+              <p:ext uri="{386F3935-93C4-4BCD-93E2-E3B085C9AB24}">
+                <p16:designElem xmlns:p16="http://schemas.microsoft.com/office/powerpoint/2015/main" val="1"/>
+              </p:ext>
+            </p:extLst>
+          </p:nvPr>
+        </p:nvSpPr>
+        <p:spPr>
+          <a:xfrm>
+            <a:off x="1447801" y="1411615"/>
+            <a:ext cx="9296400" cy="4034770"/>
+          </a:xfrm>
+          <a:prstGeom prst="rect">
+            <a:avLst/>
+          </a:prstGeom>
+          <a:noFill/>
+          <a:ln w="6350" cap="sq" cmpd="sng" algn="ctr">
+            <a:solidFill>
+              <a:schemeClr val="tx1">
+                <a:lumMod val="75000"/>
+                <a:lumOff val="25000"/>
+              </a:schemeClr>
+            </a:solidFill>
+            <a:prstDash val="solid"/>
+            <a:miter lim="800000"/>
+          </a:ln>
+          <a:effectLst/>
+        </p:spPr>
+      </p:sp>
+      <p:sp>
+        <p:nvSpPr>
+          <p:cNvPr id="20" name="Rectangle 19">
+            <a:extLst>
+              <a:ext uri="{FF2B5EF4-FFF2-40B4-BE49-F238E27FC236}">
+                <a16:creationId xmlns:a16="http://schemas.microsoft.com/office/drawing/2014/main" id="{D5C53263-995C-49EE-9CA6-FE769A768880}"/>
+              </a:ext>
+              <a:ext uri="{C183D7F6-B498-43B3-948B-1728B52AA6E4}">
+                <adec:decorative xmlns:adec="http://schemas.microsoft.com/office/drawing/2017/decorative" val="1"/>
+              </a:ext>
+            </a:extLst>
+          </p:cNvPr>
+          <p:cNvSpPr>
+            <a:spLocks noGrp="1" noRot="1" noChangeAspect="1" noMove="1" noResize="1" noEditPoints="1" noAdjustHandles="1" noChangeArrowheads="1" noChangeShapeType="1" noTextEdit="1"/>
+          </p:cNvSpPr>
+          <p:nvPr>
+            <p:extLst>
+              <p:ext uri="{386F3935-93C4-4BCD-93E2-E3B085C9AB24}">
+                <p16:designElem xmlns:p16="http://schemas.microsoft.com/office/powerpoint/2015/main" val="1"/>
+              </p:ext>
+            </p:extLst>
+          </p:nvPr>
+        </p:nvSpPr>
+        <p:spPr>
+          <a:xfrm>
+            <a:off x="5135880" y="1267730"/>
+            <a:ext cx="1920240" cy="731520"/>
+          </a:xfrm>
+          <a:prstGeom prst="rect">
+            <a:avLst/>
+          </a:prstGeom>
+          <a:solidFill>
+            <a:schemeClr val="accent1"/>
+          </a:solidFill>
+          <a:ln>
+            <a:noFill/>
+          </a:ln>
+        </p:spPr>
+        <p:style>
+          <a:lnRef idx="2">
+            <a:schemeClr val="accent1">
+              <a:shade val="50000"/>
+            </a:schemeClr>
+          </a:lnRef>
+          <a:fillRef idx="1">
+            <a:schemeClr val="accent1"/>
+          </a:fillRef>
+          <a:effectRef idx="0">
+            <a:schemeClr val="accent1"/>
+          </a:effectRef>
+          <a:fontRef idx="minor">
+            <a:schemeClr val="lt1"/>
+          </a:fontRef>
+        </p:style>
+      </p:sp>
+      <p:grpSp>
+        <p:nvGrpSpPr>
+          <p:cNvPr id="22" name="Group 21">
+            <a:extLst>
+              <a:ext uri="{FF2B5EF4-FFF2-40B4-BE49-F238E27FC236}">
+                <a16:creationId xmlns:a16="http://schemas.microsoft.com/office/drawing/2014/main" id="{E26428D7-C6F3-473D-A360-A3F5C3E8728C}"/>
+              </a:ext>
+              <a:ext uri="{C183D7F6-B498-43B3-948B-1728B52AA6E4}">
+                <adec:decorative xmlns:adec="http://schemas.microsoft.com/office/drawing/2017/decorative" val="1"/>
+              </a:ext>
+            </a:extLst>
+          </p:cNvPr>
+          <p:cNvGrpSpPr>
+            <a:grpSpLocks noGrp="1" noUngrp="1" noRot="1" noChangeAspect="1" noMove="1" noResize="1"/>
+          </p:cNvGrpSpPr>
+          <p:nvPr>
+            <p:extLst>
+              <p:ext uri="{386F3935-93C4-4BCD-93E2-E3B085C9AB24}">
+                <p16:designElem xmlns:p16="http://schemas.microsoft.com/office/powerpoint/2015/main" val="1"/>
+              </p:ext>
+            </p:extLst>
+          </p:nvPr>
+        </p:nvGrpSpPr>
+        <p:grpSpPr>
+          <a:xfrm>
+            <a:off x="5250180" y="1267730"/>
+            <a:ext cx="1691640" cy="615934"/>
+            <a:chOff x="5250180" y="1267730"/>
+            <a:chExt cx="1691640" cy="615934"/>
+          </a:xfrm>
+        </p:grpSpPr>
+        <p:cxnSp>
+          <p:nvCxnSpPr>
+            <p:cNvPr id="23" name="Straight Connector 22">
+              <a:extLst>
+                <a:ext uri="{FF2B5EF4-FFF2-40B4-BE49-F238E27FC236}">
+                  <a16:creationId xmlns:a16="http://schemas.microsoft.com/office/drawing/2014/main" id="{87FFE657-1F53-4BA2-99ED-71027468AEFE}"/>
+                </a:ext>
+                <a:ext uri="{C183D7F6-B498-43B3-948B-1728B52AA6E4}">
+                  <adec:decorative xmlns:adec="http://schemas.microsoft.com/office/drawing/2017/decorative" val="1"/>
+                </a:ext>
+              </a:extLst>
+            </p:cNvPr>
+            <p:cNvCxnSpPr/>
+            <p:nvPr>
+              <p:extLst>
+                <p:ext uri="{386F3935-93C4-4BCD-93E2-E3B085C9AB24}">
+                  <p16:designElem xmlns:p16="http://schemas.microsoft.com/office/powerpoint/2015/main" val="1"/>
+                </p:ext>
+              </p:extLst>
+            </p:nvPr>
+          </p:nvCxnSpPr>
+          <p:spPr>
+            <a:xfrm>
+              <a:off x="5250180" y="1267730"/>
+              <a:ext cx="0" cy="612648"/>
+            </a:xfrm>
+            <a:prstGeom prst="line">
+              <a:avLst/>
+            </a:prstGeom>
+            <a:solidFill>
+              <a:schemeClr val="tx1">
+                <a:lumMod val="85000"/>
+                <a:lumOff val="15000"/>
+              </a:schemeClr>
+            </a:solidFill>
+            <a:ln>
+              <a:solidFill>
+                <a:srgbClr val="FFFFFF"/>
+              </a:solidFill>
+              <a:miter lim="800000"/>
+            </a:ln>
+          </p:spPr>
+          <p:style>
+            <a:lnRef idx="1">
+              <a:schemeClr val="accent1"/>
+            </a:lnRef>
+            <a:fillRef idx="0">
+              <a:schemeClr val="accent1"/>
+            </a:fillRef>
+            <a:effectRef idx="0">
+              <a:schemeClr val="accent1"/>
+            </a:effectRef>
+            <a:fontRef idx="minor">
+              <a:schemeClr val="tx1"/>
+            </a:fontRef>
+          </p:style>
+        </p:cxnSp>
+        <p:cxnSp>
+          <p:nvCxnSpPr>
+            <p:cNvPr id="24" name="Straight Connector 23">
+              <a:extLst>
+                <a:ext uri="{FF2B5EF4-FFF2-40B4-BE49-F238E27FC236}">
+                  <a16:creationId xmlns:a16="http://schemas.microsoft.com/office/drawing/2014/main" id="{3717B2EF-FCC5-4A6E-8AD7-25435095866F}"/>
+                </a:ext>
+                <a:ext uri="{C183D7F6-B498-43B3-948B-1728B52AA6E4}">
+                  <adec:decorative xmlns:adec="http://schemas.microsoft.com/office/drawing/2017/decorative" val="1"/>
+                </a:ext>
+              </a:extLst>
+            </p:cNvPr>
+            <p:cNvCxnSpPr/>
+            <p:nvPr>
+              <p:extLst>
+                <p:ext uri="{386F3935-93C4-4BCD-93E2-E3B085C9AB24}">
+                  <p16:designElem xmlns:p16="http://schemas.microsoft.com/office/powerpoint/2015/main" val="1"/>
+                </p:ext>
+              </p:extLst>
+            </p:nvPr>
+          </p:nvCxnSpPr>
+          <p:spPr>
+            <a:xfrm>
+              <a:off x="6941820" y="1267730"/>
+              <a:ext cx="0" cy="612648"/>
+            </a:xfrm>
+            <a:prstGeom prst="line">
+              <a:avLst/>
+            </a:prstGeom>
+            <a:solidFill>
+              <a:schemeClr val="tx1">
+                <a:lumMod val="85000"/>
+                <a:lumOff val="15000"/>
+              </a:schemeClr>
+            </a:solidFill>
+            <a:ln>
+              <a:solidFill>
+                <a:srgbClr val="FFFFFF"/>
+              </a:solidFill>
+              <a:miter lim="800000"/>
+            </a:ln>
+          </p:spPr>
+          <p:style>
+            <a:lnRef idx="1">
+              <a:schemeClr val="accent1"/>
+            </a:lnRef>
+            <a:fillRef idx="0">
+              <a:schemeClr val="accent1"/>
+            </a:fillRef>
+            <a:effectRef idx="0">
+              <a:schemeClr val="accent1"/>
+            </a:effectRef>
+            <a:fontRef idx="minor">
+              <a:schemeClr val="tx1"/>
+            </a:fontRef>
+          </p:style>
+        </p:cxnSp>
+        <p:cxnSp>
+          <p:nvCxnSpPr>
+            <p:cNvPr id="25" name="Straight Connector 24">
+              <a:extLst>
+                <a:ext uri="{FF2B5EF4-FFF2-40B4-BE49-F238E27FC236}">
+                  <a16:creationId xmlns:a16="http://schemas.microsoft.com/office/drawing/2014/main" id="{2E8BEC20-1CFB-4C38-819D-8EA157D70B50}"/>
+                </a:ext>
+                <a:ext uri="{C183D7F6-B498-43B3-948B-1728B52AA6E4}">
+                  <adec:decorative xmlns:adec="http://schemas.microsoft.com/office/drawing/2017/decorative" val="1"/>
+                </a:ext>
+              </a:extLst>
+            </p:cNvPr>
+            <p:cNvCxnSpPr/>
+            <p:nvPr>
+              <p:extLst>
+                <p:ext uri="{386F3935-93C4-4BCD-93E2-E3B085C9AB24}">
+                  <p16:designElem xmlns:p16="http://schemas.microsoft.com/office/powerpoint/2015/main" val="1"/>
+                </p:ext>
+              </p:extLst>
+            </p:nvPr>
+          </p:nvCxnSpPr>
+          <p:spPr>
+            <a:xfrm>
+              <a:off x="5250180" y="1883664"/>
+              <a:ext cx="1691640" cy="0"/>
+            </a:xfrm>
+            <a:prstGeom prst="line">
+              <a:avLst/>
+            </a:prstGeom>
+            <a:solidFill>
+              <a:schemeClr val="tx1">
+                <a:lumMod val="85000"/>
+                <a:lumOff val="15000"/>
+              </a:schemeClr>
+            </a:solidFill>
+            <a:ln>
+              <a:solidFill>
+                <a:srgbClr val="FFFFFF"/>
+              </a:solidFill>
+              <a:miter lim="800000"/>
+            </a:ln>
+          </p:spPr>
+          <p:style>
+            <a:lnRef idx="1">
+              <a:schemeClr val="accent1"/>
+            </a:lnRef>
+            <a:fillRef idx="0">
+              <a:schemeClr val="accent1"/>
+            </a:fillRef>
+            <a:effectRef idx="0">
+              <a:schemeClr val="accent1"/>
+            </a:effectRef>
+            <a:fontRef idx="minor">
+              <a:schemeClr val="tx1"/>
+            </a:fontRef>
+          </p:style>
+        </p:cxnSp>
+      </p:grpSp>
+      <p:sp useBgFill="1">
+        <p:nvSpPr>
+          <p:cNvPr id="27" name="Rectangle 26">
+            <a:extLst>
+              <a:ext uri="{FF2B5EF4-FFF2-40B4-BE49-F238E27FC236}">
+                <a16:creationId xmlns:a16="http://schemas.microsoft.com/office/drawing/2014/main" id="{0E7CA313-2F4B-4574-8399-12EF6A1BF292}"/>
+              </a:ext>
+              <a:ext uri="{C183D7F6-B498-43B3-948B-1728B52AA6E4}">
+                <adec:decorative xmlns:adec="http://schemas.microsoft.com/office/drawing/2017/decorative" val="1"/>
+              </a:ext>
+            </a:extLst>
+          </p:cNvPr>
+          <p:cNvSpPr>
+            <a:spLocks noGrp="1" noRot="1" noChangeAspect="1" noMove="1" noResize="1" noEditPoints="1" noAdjustHandles="1" noChangeArrowheads="1" noChangeShapeType="1" noTextEdit="1"/>
+          </p:cNvSpPr>
+          <p:nvPr>
+            <p:extLst>
+              <p:ext uri="{386F3935-93C4-4BCD-93E2-E3B085C9AB24}">
+                <p16:designElem xmlns:p16="http://schemas.microsoft.com/office/powerpoint/2015/main" val="1"/>
+              </p:ext>
+            </p:extLst>
+          </p:nvPr>
+        </p:nvSpPr>
+        <p:spPr>
+          <a:xfrm>
+            <a:off x="0" y="1"/>
+            <a:ext cx="12192000" cy="6857999"/>
+          </a:xfrm>
+          <a:prstGeom prst="rect">
+            <a:avLst/>
+          </a:prstGeom>
+          <a:ln>
+            <a:noFill/>
+          </a:ln>
+        </p:spPr>
+        <p:style>
+          <a:lnRef idx="2">
+            <a:schemeClr val="accent1">
+              <a:shade val="50000"/>
+            </a:schemeClr>
+          </a:lnRef>
+          <a:fillRef idx="1">
+            <a:schemeClr val="accent1"/>
+          </a:fillRef>
+          <a:effectRef idx="0">
+            <a:schemeClr val="accent1"/>
+          </a:effectRef>
+          <a:fontRef idx="minor">
+            <a:schemeClr val="lt1"/>
+          </a:fontRef>
+        </p:style>
+        <p:txBody>
+          <a:bodyPr rtlCol="0" anchor="ctr"/>
+          <a:lstStyle/>
+          <a:p>
+            <a:pPr algn="ctr"/>
+            <a:endParaRPr lang="en-US"/>
+          </a:p>
+        </p:txBody>
+      </p:sp>
+      <p:pic>
+        <p:nvPicPr>
+          <p:cNvPr id="4" name="Picture 3" descr="A person standing in front of a flower&#10;&#10;Description automatically generated">
+            <a:extLst>
+              <a:ext uri="{FF2B5EF4-FFF2-40B4-BE49-F238E27FC236}">
+                <a16:creationId xmlns:a16="http://schemas.microsoft.com/office/drawing/2014/main" id="{31130F41-9048-D543-A70D-7C193B469607}"/>
+              </a:ext>
+            </a:extLst>
+          </p:cNvPr>
+          <p:cNvPicPr>
+            <a:picLocks noChangeAspect="1"/>
+          </p:cNvPicPr>
+          <p:nvPr/>
+        </p:nvPicPr>
+        <p:blipFill rotWithShape="1">
+          <a:blip r:embed="rId2"/>
+          <a:srcRect t="7755" r="2" b="22509"/>
+          <a:stretch/>
+        </p:blipFill>
+        <p:spPr>
+          <a:xfrm>
+            <a:off x="-1" y="10"/>
+            <a:ext cx="4059936" cy="4530063"/>
+          </a:xfrm>
+          <a:prstGeom prst="rect">
+            <a:avLst/>
+          </a:prstGeom>
+        </p:spPr>
+      </p:pic>
+      <p:pic>
+        <p:nvPicPr>
+          <p:cNvPr id="8" name="Picture 7" descr="A screenshot of a cell phone screen with text&#10;&#10;Description automatically generated">
+            <a:extLst>
+              <a:ext uri="{FF2B5EF4-FFF2-40B4-BE49-F238E27FC236}">
+                <a16:creationId xmlns:a16="http://schemas.microsoft.com/office/drawing/2014/main" id="{9CF95171-EC79-7345-8F4E-F680999572A9}"/>
+              </a:ext>
+            </a:extLst>
+          </p:cNvPr>
+          <p:cNvPicPr>
+            <a:picLocks noChangeAspect="1"/>
+          </p:cNvPicPr>
+          <p:nvPr/>
+        </p:nvPicPr>
+        <p:blipFill rotWithShape="1">
+          <a:blip r:embed="rId3">
+            <a:extLst>
+              <a:ext uri="{BEBA8EAE-BF5A-486C-A8C5-ECC9F3942E4B}">
+                <a14:imgProps xmlns:a14="http://schemas.microsoft.com/office/drawing/2010/main">
+                  <a14:imgLayer r:embed="rId4">
+                    <a14:imgEffect>
+                      <a14:brightnessContrast contrast="15000"/>
+                    </a14:imgEffect>
+                  </a14:imgLayer>
+                </a14:imgProps>
+              </a:ext>
+            </a:extLst>
+          </a:blip>
+          <a:srcRect t="16512" b="15685"/>
+          <a:stretch/>
+        </p:blipFill>
+        <p:spPr>
+          <a:xfrm>
+            <a:off x="8100650" y="10"/>
+            <a:ext cx="4072129" cy="4526270"/>
+          </a:xfrm>
+          <a:prstGeom prst="rect">
+            <a:avLst/>
+          </a:prstGeom>
+        </p:spPr>
+      </p:pic>
+      <p:pic>
+        <p:nvPicPr>
+          <p:cNvPr id="6" name="Picture 5" descr="A close up of a map&#10;&#10;Description automatically generated">
+            <a:extLst>
+              <a:ext uri="{FF2B5EF4-FFF2-40B4-BE49-F238E27FC236}">
+                <a16:creationId xmlns:a16="http://schemas.microsoft.com/office/drawing/2014/main" id="{93D72CF6-4404-1047-BEA4-A0AF211757FB}"/>
+              </a:ext>
+            </a:extLst>
+          </p:cNvPr>
+          <p:cNvPicPr>
+            <a:picLocks noChangeAspect="1"/>
+          </p:cNvPicPr>
+          <p:nvPr/>
+        </p:nvPicPr>
+        <p:blipFill rotWithShape="1">
+          <a:blip r:embed="rId5"/>
+          <a:srcRect t="11853" r="-2" b="21197"/>
+          <a:stretch/>
+        </p:blipFill>
+        <p:spPr>
+          <a:xfrm>
+            <a:off x="4059711" y="3425"/>
+            <a:ext cx="4059936" cy="4522856"/>
+          </a:xfrm>
+          <a:prstGeom prst="rect">
+            <a:avLst/>
+          </a:prstGeom>
+        </p:spPr>
+      </p:pic>
+      <p:sp>
+        <p:nvSpPr>
+          <p:cNvPr id="29" name="Rectangle 28">
+            <a:extLst>
+              <a:ext uri="{FF2B5EF4-FFF2-40B4-BE49-F238E27FC236}">
+                <a16:creationId xmlns:a16="http://schemas.microsoft.com/office/drawing/2014/main" id="{2644B391-9BFE-445C-A9EC-F544BB85FBC7}"/>
+              </a:ext>
+              <a:ext uri="{C183D7F6-B498-43B3-948B-1728B52AA6E4}">
+                <adec:decorative xmlns:adec="http://schemas.microsoft.com/office/drawing/2017/decorative" val="1"/>
+              </a:ext>
+            </a:extLst>
+          </p:cNvPr>
+          <p:cNvSpPr>
+            <a:spLocks noGrp="1" noRot="1" noChangeAspect="1" noMove="1" noResize="1" noEditPoints="1" noAdjustHandles="1" noChangeArrowheads="1" noChangeShapeType="1" noTextEdit="1"/>
+          </p:cNvSpPr>
+          <p:nvPr>
+            <p:extLst>
+              <p:ext uri="{386F3935-93C4-4BCD-93E2-E3B085C9AB24}">
+                <p16:designElem xmlns:p16="http://schemas.microsoft.com/office/powerpoint/2015/main" val="1"/>
+              </p:ext>
+            </p:extLst>
+          </p:nvPr>
+        </p:nvSpPr>
+        <p:spPr>
+          <a:xfrm>
+            <a:off x="0" y="4530074"/>
+            <a:ext cx="12192000" cy="2327925"/>
+          </a:xfrm>
+          <a:prstGeom prst="rect">
+            <a:avLst/>
+          </a:prstGeom>
+          <a:solidFill>
+            <a:schemeClr val="bg1">
+              <a:lumMod val="75000"/>
+              <a:lumOff val="25000"/>
+            </a:schemeClr>
+          </a:solidFill>
+          <a:ln w="6350" cap="sq" cmpd="sng" algn="ctr">
+            <a:noFill/>
+            <a:prstDash val="solid"/>
+            <a:miter lim="800000"/>
+          </a:ln>
+          <a:effectLst/>
+        </p:spPr>
+      </p:sp>
+      <p:sp>
+        <p:nvSpPr>
+          <p:cNvPr id="31" name="Rectangle 30">
+            <a:extLst>
+              <a:ext uri="{FF2B5EF4-FFF2-40B4-BE49-F238E27FC236}">
+                <a16:creationId xmlns:a16="http://schemas.microsoft.com/office/drawing/2014/main" id="{80F26E69-87D9-4655-AE7B-280A87AA3CAD}"/>
+              </a:ext>
+              <a:ext uri="{C183D7F6-B498-43B3-948B-1728B52AA6E4}">
+                <adec:decorative xmlns:adec="http://schemas.microsoft.com/office/drawing/2017/decorative" val="1"/>
+              </a:ext>
+            </a:extLst>
+          </p:cNvPr>
+          <p:cNvSpPr>
+            <a:spLocks noGrp="1" noRot="1" noChangeAspect="1" noMove="1" noResize="1" noEditPoints="1" noAdjustHandles="1" noChangeArrowheads="1" noChangeShapeType="1" noTextEdit="1"/>
+          </p:cNvSpPr>
+          <p:nvPr>
+            <p:extLst>
+              <p:ext uri="{386F3935-93C4-4BCD-93E2-E3B085C9AB24}">
+                <p16:designElem xmlns:p16="http://schemas.microsoft.com/office/powerpoint/2015/main" val="1"/>
+              </p:ext>
+            </p:extLst>
+          </p:nvPr>
+        </p:nvSpPr>
+        <p:spPr>
+          <a:xfrm>
+            <a:off x="166116" y="4692768"/>
+            <a:ext cx="11859768" cy="2002536"/>
+          </a:xfrm>
+          <a:prstGeom prst="rect">
+            <a:avLst/>
+          </a:prstGeom>
+          <a:noFill/>
+          <a:ln w="6350" cap="sq" cmpd="sng" algn="ctr">
+            <a:solidFill>
+              <a:schemeClr val="tx1"/>
+            </a:solidFill>
+            <a:prstDash val="solid"/>
+            <a:miter lim="800000"/>
+          </a:ln>
+          <a:effectLst>
+            <a:softEdge rad="0"/>
+          </a:effectLst>
+        </p:spPr>
+      </p:sp>
+      <p:sp>
+        <p:nvSpPr>
           <p:cNvPr id="2" name="Title 1">
             <a:extLst>
               <a:ext uri="{FF2B5EF4-FFF2-40B4-BE49-F238E27FC236}">
-                <a16:creationId xmlns:a16="http://schemas.microsoft.com/office/drawing/2014/main" id="{3830A2B1-9E35-EF45-B515-647911F3232A}"/>
+                <a16:creationId xmlns:a16="http://schemas.microsoft.com/office/drawing/2014/main" id="{F291AFCA-B7CC-4B4F-9744-8814CB52B727}"/>
               </a:ext>
             </a:extLst>
           </p:cNvPr>
@@ -7079,224 +10314,519 @@
             <a:spLocks noGrp="1"/>
           </p:cNvSpPr>
           <p:nvPr>
-            <p:ph type="title"/>
-          </p:nvPr>
-        </p:nvSpPr>
-        <p:spPr>
-          <a:xfrm>
-            <a:off x="1066800" y="642594"/>
-            <a:ext cx="10058400" cy="1039061"/>
-          </a:xfrm>
-        </p:spPr>
-        <p:txBody>
-          <a:bodyPr/>
+            <p:ph type="title" idx="4294967295"/>
+          </p:nvPr>
+        </p:nvSpPr>
+        <p:spPr>
+          <a:xfrm>
+            <a:off x="376293" y="4956811"/>
+            <a:ext cx="11439414" cy="897439"/>
+          </a:xfrm>
+        </p:spPr>
+        <p:txBody>
+          <a:bodyPr vert="horz" lIns="91440" tIns="45720" rIns="91440" bIns="45720" rtlCol="0" anchor="ctr">
+            <a:normAutofit fontScale="90000"/>
+          </a:bodyPr>
           <a:lstStyle/>
           <a:p>
-            <a:r>
-              <a:rPr lang="en-US" dirty="0"/>
-              <a:t>Description</a:t>
-            </a:r>
-          </a:p>
-        </p:txBody>
-      </p:sp>
-      <p:sp>
-        <p:nvSpPr>
-          <p:cNvPr id="3" name="Content Placeholder 2">
+            <a:pPr algn="ctr">
+              <a:lnSpc>
+                <a:spcPct val="83000"/>
+              </a:lnSpc>
+            </a:pPr>
+            <a:br>
+              <a:rPr lang="en-US" sz="4400" b="0" cap="all" spc="-100" dirty="0">
+                <a:solidFill>
+                  <a:schemeClr val="tx1">
+                    <a:lumMod val="85000"/>
+                  </a:schemeClr>
+                </a:solidFill>
+              </a:rPr>
+            </a:br>
+            <a:r>
+              <a:rPr lang="en-US" sz="4400" b="0" cap="all" spc="-100" dirty="0">
+                <a:solidFill>
+                  <a:schemeClr val="tx1">
+                    <a:lumMod val="85000"/>
+                  </a:schemeClr>
+                </a:solidFill>
+              </a:rPr>
+              <a:t>Visualizing the COVID-19 Pandemic</a:t>
+            </a:r>
+          </a:p>
+        </p:txBody>
+      </p:sp>
+      <p:sp>
+        <p:nvSpPr>
+          <p:cNvPr id="5" name="TextBox 4">
             <a:extLst>
               <a:ext uri="{FF2B5EF4-FFF2-40B4-BE49-F238E27FC236}">
-                <a16:creationId xmlns:a16="http://schemas.microsoft.com/office/drawing/2014/main" id="{94EDB890-7A1F-F749-88F5-1830073E8538}"/>
+                <a16:creationId xmlns:a16="http://schemas.microsoft.com/office/drawing/2014/main" id="{EA371769-8E8A-4B48-8A5E-E9683DA17CD5}"/>
               </a:ext>
             </a:extLst>
           </p:cNvPr>
-          <p:cNvSpPr>
-            <a:spLocks noGrp="1"/>
-          </p:cNvSpPr>
-          <p:nvPr>
-            <p:ph idx="1"/>
-          </p:nvPr>
-        </p:nvSpPr>
-        <p:spPr/>
-        <p:txBody>
-          <a:bodyPr>
+          <p:cNvSpPr txBox="1"/>
+          <p:nvPr/>
+        </p:nvSpPr>
+        <p:spPr>
+          <a:xfrm>
+            <a:off x="-1" y="4077067"/>
+            <a:ext cx="4059936" cy="453006"/>
+          </a:xfrm>
+          <a:prstGeom prst="rect">
+            <a:avLst/>
+          </a:prstGeom>
+          <a:solidFill>
+            <a:srgbClr val="000000">
+              <a:alpha val="50000"/>
+            </a:srgbClr>
+          </a:solidFill>
+          <a:ln>
+            <a:noFill/>
+          </a:ln>
+        </p:spPr>
+        <p:txBody>
+          <a:bodyPr wrap="square" rtlCol="0">
             <a:normAutofit/>
           </a:bodyPr>
           <a:lstStyle/>
           <a:p>
-            <a:r>
-              <a:rPr lang="en-US" sz="1900" dirty="0"/>
-              <a:t>Interactive Data Visualization with various </a:t>
-            </a:r>
-            <a:r>
-              <a:rPr lang="en-US" sz="1900" dirty="0" err="1"/>
-              <a:t>js</a:t>
-            </a:r>
-            <a:r>
-              <a:rPr lang="en-US" sz="1900" dirty="0"/>
-              <a:t> libraries, Python, and MongoDB to display the </a:t>
-            </a:r>
-          </a:p>
-          <a:p>
-            <a:pPr marL="0" indent="0">
-              <a:buNone/>
+            <a:pPr algn="ctr">
+              <a:spcAft>
+                <a:spcPts val="600"/>
+              </a:spcAft>
             </a:pPr>
             <a:r>
-              <a:rPr lang="en-US" sz="1900" dirty="0"/>
-              <a:t> covid-19 cases around the globe and in United States</a:t>
-            </a:r>
-          </a:p>
-          <a:p>
-            <a:pPr marL="0" indent="0">
-              <a:buNone/>
+              <a:rPr lang="en-US" b="1" dirty="0">
+                <a:solidFill>
+                  <a:schemeClr val="tx1">
+                    <a:lumMod val="85000"/>
+                  </a:schemeClr>
+                </a:solidFill>
+              </a:rPr>
+              <a:t>The Story</a:t>
+            </a:r>
+          </a:p>
+        </p:txBody>
+      </p:sp>
+      <p:sp>
+        <p:nvSpPr>
+          <p:cNvPr id="7" name="TextBox 6">
+            <a:extLst>
+              <a:ext uri="{FF2B5EF4-FFF2-40B4-BE49-F238E27FC236}">
+                <a16:creationId xmlns:a16="http://schemas.microsoft.com/office/drawing/2014/main" id="{A52CEDE5-3273-D440-AC95-0821D969FC9F}"/>
+              </a:ext>
+            </a:extLst>
+          </p:cNvPr>
+          <p:cNvSpPr txBox="1"/>
+          <p:nvPr/>
+        </p:nvSpPr>
+        <p:spPr>
+          <a:xfrm>
+            <a:off x="8132064" y="4077067"/>
+            <a:ext cx="4059936" cy="453006"/>
+          </a:xfrm>
+          <a:prstGeom prst="rect">
+            <a:avLst/>
+          </a:prstGeom>
+          <a:solidFill>
+            <a:srgbClr val="000000">
+              <a:alpha val="50000"/>
+            </a:srgbClr>
+          </a:solidFill>
+          <a:ln>
+            <a:noFill/>
+          </a:ln>
+        </p:spPr>
+        <p:txBody>
+          <a:bodyPr wrap="square" rtlCol="0">
+            <a:normAutofit/>
+          </a:bodyPr>
+          <a:lstStyle/>
+          <a:p>
+            <a:pPr algn="ctr">
+              <a:spcAft>
+                <a:spcPts val="600"/>
+              </a:spcAft>
             </a:pPr>
-            <a:endParaRPr lang="en-US" sz="1900" dirty="0"/>
-          </a:p>
-          <a:p>
+            <a:r>
+              <a:rPr lang="en-US" b="1" dirty="0">
+                <a:solidFill>
+                  <a:schemeClr val="tx1">
+                    <a:lumMod val="85000"/>
+                  </a:schemeClr>
+                </a:solidFill>
+              </a:rPr>
+              <a:t>The Stack</a:t>
+            </a:r>
+          </a:p>
+        </p:txBody>
+      </p:sp>
+      <p:sp>
+        <p:nvSpPr>
+          <p:cNvPr id="9" name="TextBox 8">
+            <a:extLst>
+              <a:ext uri="{FF2B5EF4-FFF2-40B4-BE49-F238E27FC236}">
+                <a16:creationId xmlns:a16="http://schemas.microsoft.com/office/drawing/2014/main" id="{53D74E68-FCBC-B441-9F8C-7B0AD5B8228F}"/>
+              </a:ext>
+            </a:extLst>
+          </p:cNvPr>
+          <p:cNvSpPr txBox="1"/>
+          <p:nvPr/>
+        </p:nvSpPr>
+        <p:spPr>
+          <a:xfrm>
+            <a:off x="4059935" y="4073653"/>
+            <a:ext cx="4072129" cy="452627"/>
+          </a:xfrm>
+          <a:prstGeom prst="rect">
+            <a:avLst/>
+          </a:prstGeom>
+          <a:solidFill>
+            <a:srgbClr val="000000">
+              <a:alpha val="50000"/>
+            </a:srgbClr>
+          </a:solidFill>
+          <a:ln>
+            <a:noFill/>
+          </a:ln>
+        </p:spPr>
+        <p:txBody>
+          <a:bodyPr wrap="square" rtlCol="0">
+            <a:normAutofit/>
+          </a:bodyPr>
+          <a:lstStyle/>
+          <a:p>
+            <a:pPr algn="ctr">
+              <a:spcAft>
+                <a:spcPts val="600"/>
+              </a:spcAft>
+            </a:pPr>
             <a:r>
               <a:rPr lang="en-US" b="1" dirty="0"/>
-              <a:t> The Dataset includes:</a:t>
-            </a:r>
-            <a:endParaRPr lang="en-US" dirty="0"/>
-          </a:p>
-          <a:p>
-            <a:pPr marL="0" indent="0">
-              <a:buNone/>
+              <a:t>The Map</a:t>
+            </a:r>
+          </a:p>
+        </p:txBody>
+      </p:sp>
+      <p:sp>
+        <p:nvSpPr>
+          <p:cNvPr id="28" name="TextBox 27">
+            <a:extLst>
+              <a:ext uri="{FF2B5EF4-FFF2-40B4-BE49-F238E27FC236}">
+                <a16:creationId xmlns:a16="http://schemas.microsoft.com/office/drawing/2014/main" id="{6E0841A6-B6D2-7E46-821E-B1B2A681F67B}"/>
+              </a:ext>
+            </a:extLst>
+          </p:cNvPr>
+          <p:cNvSpPr txBox="1"/>
+          <p:nvPr/>
+        </p:nvSpPr>
+        <p:spPr>
+          <a:xfrm>
+            <a:off x="-225" y="6121666"/>
+            <a:ext cx="4059936" cy="283168"/>
+          </a:xfrm>
+          <a:prstGeom prst="rect">
+            <a:avLst/>
+          </a:prstGeom>
+          <a:noFill/>
+          <a:ln>
+            <a:noFill/>
+          </a:ln>
+        </p:spPr>
+        <p:txBody>
+          <a:bodyPr wrap="square" rtlCol="0">
+            <a:normAutofit/>
+          </a:bodyPr>
+          <a:lstStyle/>
+          <a:p>
+            <a:pPr algn="ctr">
+              <a:spcAft>
+                <a:spcPts val="600"/>
+              </a:spcAft>
             </a:pPr>
             <a:r>
-              <a:rPr lang="en-US" dirty="0"/>
-              <a:t>     * Time Series Data From John Hopkins</a:t>
-            </a:r>
-          </a:p>
-          <a:p>
-            <a:pPr marL="0" indent="0">
-              <a:buNone/>
+              <a:rPr lang="en-US" sz="1050" b="1" dirty="0">
+                <a:solidFill>
+                  <a:schemeClr val="tx1">
+                    <a:lumMod val="75000"/>
+                  </a:schemeClr>
+                </a:solidFill>
+              </a:rPr>
+              <a:t>Alexis Perumal</a:t>
+            </a:r>
+          </a:p>
+        </p:txBody>
+      </p:sp>
+      <p:sp>
+        <p:nvSpPr>
+          <p:cNvPr id="30" name="TextBox 29">
+            <a:extLst>
+              <a:ext uri="{FF2B5EF4-FFF2-40B4-BE49-F238E27FC236}">
+                <a16:creationId xmlns:a16="http://schemas.microsoft.com/office/drawing/2014/main" id="{7AE2918A-6B2E-D24C-B3CE-DF90BEA20A58}"/>
+              </a:ext>
+            </a:extLst>
+          </p:cNvPr>
+          <p:cNvSpPr txBox="1"/>
+          <p:nvPr/>
+        </p:nvSpPr>
+        <p:spPr>
+          <a:xfrm>
+            <a:off x="4059711" y="6117872"/>
+            <a:ext cx="4059936" cy="283168"/>
+          </a:xfrm>
+          <a:prstGeom prst="rect">
+            <a:avLst/>
+          </a:prstGeom>
+          <a:noFill/>
+          <a:ln>
+            <a:noFill/>
+          </a:ln>
+        </p:spPr>
+        <p:txBody>
+          <a:bodyPr wrap="square" rtlCol="0">
+            <a:normAutofit/>
+          </a:bodyPr>
+          <a:lstStyle/>
+          <a:p>
+            <a:pPr algn="ctr">
+              <a:lnSpc>
+                <a:spcPct val="100000"/>
+              </a:lnSpc>
+              <a:spcAft>
+                <a:spcPts val="600"/>
+              </a:spcAft>
             </a:pPr>
             <a:r>
-              <a:rPr lang="en-US" dirty="0"/>
-              <a:t>         * confirmed cases, death, recovered globally</a:t>
-            </a:r>
-          </a:p>
-          <a:p>
-            <a:pPr marL="0" indent="0">
-              <a:buNone/>
+              <a:rPr lang="en-US" sz="1050" dirty="0"/>
+              <a:t>Grant Thompson</a:t>
+            </a:r>
+          </a:p>
+        </p:txBody>
+      </p:sp>
+      <p:sp>
+        <p:nvSpPr>
+          <p:cNvPr id="32" name="TextBox 31">
+            <a:extLst>
+              <a:ext uri="{FF2B5EF4-FFF2-40B4-BE49-F238E27FC236}">
+                <a16:creationId xmlns:a16="http://schemas.microsoft.com/office/drawing/2014/main" id="{55712276-B1A0-0546-9859-6D17F5BE97F3}"/>
+              </a:ext>
+            </a:extLst>
+          </p:cNvPr>
+          <p:cNvSpPr txBox="1"/>
+          <p:nvPr/>
+        </p:nvSpPr>
+        <p:spPr>
+          <a:xfrm>
+            <a:off x="8132291" y="6104126"/>
+            <a:ext cx="4059936" cy="283168"/>
+          </a:xfrm>
+          <a:prstGeom prst="rect">
+            <a:avLst/>
+          </a:prstGeom>
+          <a:noFill/>
+          <a:ln>
+            <a:noFill/>
+          </a:ln>
+        </p:spPr>
+        <p:txBody>
+          <a:bodyPr wrap="square" rtlCol="0">
+            <a:normAutofit/>
+          </a:bodyPr>
+          <a:lstStyle/>
+          <a:p>
+            <a:pPr algn="ctr">
+              <a:lnSpc>
+                <a:spcPct val="100000"/>
+              </a:lnSpc>
+              <a:spcAft>
+                <a:spcPts val="600"/>
+              </a:spcAft>
             </a:pPr>
             <a:r>
-              <a:rPr lang="en-US" dirty="0"/>
-              <a:t>         * confirmed and deaths in United States</a:t>
-            </a:r>
-          </a:p>
-          <a:p>
-            <a:pPr marL="0" indent="0">
-              <a:buNone/>
+              <a:rPr lang="en-US" sz="1050" dirty="0">
+                <a:solidFill>
+                  <a:schemeClr val="tx1">
+                    <a:lumMod val="75000"/>
+                  </a:schemeClr>
+                </a:solidFill>
+              </a:rPr>
+              <a:t>Arundhati Chakraborty</a:t>
+            </a:r>
+          </a:p>
+        </p:txBody>
+      </p:sp>
+      <p:sp>
+        <p:nvSpPr>
+          <p:cNvPr id="33" name="TextBox 32">
+            <a:extLst>
+              <a:ext uri="{FF2B5EF4-FFF2-40B4-BE49-F238E27FC236}">
+                <a16:creationId xmlns:a16="http://schemas.microsoft.com/office/drawing/2014/main" id="{E704EE12-1A6A-BA4F-B79D-4162D971BB5F}"/>
+              </a:ext>
+            </a:extLst>
+          </p:cNvPr>
+          <p:cNvSpPr txBox="1"/>
+          <p:nvPr/>
+        </p:nvSpPr>
+        <p:spPr>
+          <a:xfrm>
+            <a:off x="4072128" y="6656179"/>
+            <a:ext cx="4059936" cy="283168"/>
+          </a:xfrm>
+          <a:prstGeom prst="rect">
+            <a:avLst/>
+          </a:prstGeom>
+          <a:noFill/>
+          <a:ln>
+            <a:noFill/>
+          </a:ln>
+        </p:spPr>
+        <p:txBody>
+          <a:bodyPr wrap="square" rtlCol="0">
+            <a:normAutofit/>
+          </a:bodyPr>
+          <a:lstStyle/>
+          <a:p>
+            <a:pPr algn="ctr">
+              <a:lnSpc>
+                <a:spcPct val="100000"/>
+              </a:lnSpc>
+              <a:spcAft>
+                <a:spcPts val="600"/>
+              </a:spcAft>
             </a:pPr>
             <a:r>
-              <a:rPr lang="en-US" dirty="0"/>
-              <a:t>     * US States and County data for united states from New York Times</a:t>
-            </a:r>
-          </a:p>
-          <a:p>
-            <a:pPr marL="0" indent="0">
-              <a:buNone/>
-            </a:pPr>
-            <a:endParaRPr lang="en-US" dirty="0"/>
-          </a:p>
-          <a:p>
-            <a:pPr marL="0" indent="0">
-              <a:buNone/>
-            </a:pPr>
-            <a:r>
-              <a:rPr lang="en-US" dirty="0"/>
-              <a:t>Source: </a:t>
-            </a:r>
-            <a:r>
-              <a:rPr lang="en-US" dirty="0">
-                <a:hlinkClick r:id="rId2"/>
+              <a:rPr lang="en-US" sz="800" dirty="0">
+                <a:solidFill>
+                  <a:schemeClr val="tx1">
+                    <a:lumMod val="85000"/>
+                  </a:schemeClr>
+                </a:solidFill>
               </a:rPr>
-              <a:t>https://</a:t>
-            </a:r>
-            <a:r>
-              <a:rPr lang="en-US" dirty="0" err="1">
-                <a:hlinkClick r:id="rId2"/>
-              </a:rPr>
-              <a:t>github.com</a:t>
-            </a:r>
-            <a:r>
-              <a:rPr lang="en-US" dirty="0">
-                <a:hlinkClick r:id="rId2"/>
-              </a:rPr>
-              <a:t>/</a:t>
-            </a:r>
-            <a:r>
-              <a:rPr lang="en-US" dirty="0" err="1">
-                <a:hlinkClick r:id="rId2"/>
-              </a:rPr>
-              <a:t>CSSEGISandData</a:t>
-            </a:r>
-            <a:r>
-              <a:rPr lang="en-US" dirty="0">
-                <a:hlinkClick r:id="rId2"/>
-              </a:rPr>
-              <a:t>/COVID-19</a:t>
-            </a:r>
-            <a:r>
-              <a:rPr lang="en-US" dirty="0"/>
-              <a:t>, </a:t>
-            </a:r>
-            <a:r>
-              <a:rPr lang="en-US" dirty="0">
-                <a:hlinkClick r:id="rId3"/>
-              </a:rPr>
-              <a:t>https://</a:t>
-            </a:r>
-            <a:r>
-              <a:rPr lang="en-US" dirty="0" err="1">
-                <a:hlinkClick r:id="rId3"/>
-              </a:rPr>
-              <a:t>github.com</a:t>
-            </a:r>
-            <a:r>
-              <a:rPr lang="en-US" dirty="0">
-                <a:hlinkClick r:id="rId3"/>
-              </a:rPr>
-              <a:t>/</a:t>
-            </a:r>
-            <a:r>
-              <a:rPr lang="en-US" dirty="0" err="1">
-                <a:hlinkClick r:id="rId3"/>
-              </a:rPr>
-              <a:t>nytimes</a:t>
-            </a:r>
-            <a:r>
-              <a:rPr lang="en-US" dirty="0">
-                <a:hlinkClick r:id="rId3"/>
-              </a:rPr>
-              <a:t>/covid-19-data</a:t>
-            </a:r>
-            <a:endParaRPr lang="en-US" dirty="0"/>
-          </a:p>
-          <a:p>
-            <a:pPr marL="274320" lvl="1" indent="0">
-              <a:lnSpc>
-                <a:spcPct val="110000"/>
-              </a:lnSpc>
-              <a:spcBef>
-                <a:spcPts val="900"/>
-              </a:spcBef>
-              <a:buFont typeface="Garamond" pitchFamily="18" charset="0"/>
-              <a:buNone/>
-            </a:pPr>
-            <a:endParaRPr lang="en-US" sz="1900" dirty="0"/>
+              <a:t>UCSD Data Science and Visualization Boot Camp, April 7, 2020</a:t>
+            </a:r>
+          </a:p>
+        </p:txBody>
+      </p:sp>
+      <p:sp>
+        <p:nvSpPr>
+          <p:cNvPr id="26" name="Rectangle 25">
+            <a:extLst>
+              <a:ext uri="{FF2B5EF4-FFF2-40B4-BE49-F238E27FC236}">
+                <a16:creationId xmlns:a16="http://schemas.microsoft.com/office/drawing/2014/main" id="{B7E97BA1-A778-A54F-AE2A-D66DCA50D08C}"/>
+              </a:ext>
+            </a:extLst>
+          </p:cNvPr>
+          <p:cNvSpPr/>
+          <p:nvPr/>
+        </p:nvSpPr>
+        <p:spPr>
+          <a:xfrm>
+            <a:off x="0" y="-3784"/>
+            <a:ext cx="4037617" cy="4530063"/>
+          </a:xfrm>
+          <a:prstGeom prst="rect">
+            <a:avLst/>
+          </a:prstGeom>
+          <a:solidFill>
+            <a:schemeClr val="bg1">
+              <a:lumMod val="85000"/>
+              <a:alpha val="70000"/>
+            </a:schemeClr>
+          </a:solidFill>
+          <a:ln>
+            <a:noFill/>
+          </a:ln>
+        </p:spPr>
+        <p:style>
+          <a:lnRef idx="2">
+            <a:schemeClr val="accent1">
+              <a:shade val="50000"/>
+            </a:schemeClr>
+          </a:lnRef>
+          <a:fillRef idx="1">
+            <a:schemeClr val="accent1"/>
+          </a:fillRef>
+          <a:effectRef idx="0">
+            <a:schemeClr val="accent1"/>
+          </a:effectRef>
+          <a:fontRef idx="minor">
+            <a:schemeClr val="lt1"/>
+          </a:fontRef>
+        </p:style>
+        <p:txBody>
+          <a:bodyPr rtlCol="0" anchor="ctr"/>
+          <a:lstStyle/>
+          <a:p>
+            <a:pPr algn="ctr"/>
+            <a:endParaRPr lang="en-US"/>
+          </a:p>
+        </p:txBody>
+      </p:sp>
+      <p:sp>
+        <p:nvSpPr>
+          <p:cNvPr id="35" name="Rectangle 34">
+            <a:extLst>
+              <a:ext uri="{FF2B5EF4-FFF2-40B4-BE49-F238E27FC236}">
+                <a16:creationId xmlns:a16="http://schemas.microsoft.com/office/drawing/2014/main" id="{B8D086AF-1786-B149-A490-A868D528D63B}"/>
+              </a:ext>
+            </a:extLst>
+          </p:cNvPr>
+          <p:cNvSpPr/>
+          <p:nvPr/>
+        </p:nvSpPr>
+        <p:spPr>
+          <a:xfrm>
+            <a:off x="8132064" y="10630"/>
+            <a:ext cx="4053132" cy="4522856"/>
+          </a:xfrm>
+          <a:prstGeom prst="rect">
+            <a:avLst/>
+          </a:prstGeom>
+          <a:solidFill>
+            <a:schemeClr val="bg1">
+              <a:lumMod val="85000"/>
+              <a:alpha val="70000"/>
+            </a:schemeClr>
+          </a:solidFill>
+          <a:ln>
+            <a:noFill/>
+          </a:ln>
+        </p:spPr>
+        <p:style>
+          <a:lnRef idx="2">
+            <a:schemeClr val="accent1">
+              <a:shade val="50000"/>
+            </a:schemeClr>
+          </a:lnRef>
+          <a:fillRef idx="1">
+            <a:schemeClr val="accent1"/>
+          </a:fillRef>
+          <a:effectRef idx="0">
+            <a:schemeClr val="accent1"/>
+          </a:effectRef>
+          <a:fontRef idx="minor">
+            <a:schemeClr val="lt1"/>
+          </a:fontRef>
+        </p:style>
+        <p:txBody>
+          <a:bodyPr rtlCol="0" anchor="ctr"/>
+          <a:lstStyle/>
+          <a:p>
+            <a:pPr algn="ctr"/>
+            <a:endParaRPr lang="en-US"/>
           </a:p>
         </p:txBody>
       </p:sp>
     </p:spTree>
     <p:extLst>
       <p:ext uri="{BB962C8B-B14F-4D97-AF65-F5344CB8AC3E}">
-        <p14:creationId xmlns:p14="http://schemas.microsoft.com/office/powerpoint/2010/main" val="4159077925"/>
+        <p14:creationId xmlns:p14="http://schemas.microsoft.com/office/powerpoint/2010/main" val="3872068371"/>
       </p:ext>
     </p:extLst>
   </p:cSld>
   <p:clrMapOvr>
-    <a:masterClrMapping/>
+    <a:overrideClrMapping bg1="dk1" tx1="lt1" bg2="dk2" tx2="lt2" accent1="accent1" accent2="accent2" accent3="accent3" accent4="accent4" accent5="accent5" accent6="accent6" hlink="hlink" folHlink="folHlink"/>
   </p:clrMapOvr>
 </p:sld>
 </file>
